--- a/Documentation/User manual/PA Compression Test User manual.pptx
+++ b/Documentation/User manual/PA Compression Test User manual.pptx
@@ -5,35 +5,34 @@
     <p:sldMasterId id="2147483744" r:id="rId1"/>
   </p:sldMasterIdLst>
   <p:notesMasterIdLst>
-    <p:notesMasterId r:id="rId25"/>
+    <p:notesMasterId r:id="rId24"/>
   </p:notesMasterIdLst>
   <p:handoutMasterIdLst>
-    <p:handoutMasterId r:id="rId26"/>
+    <p:handoutMasterId r:id="rId25"/>
   </p:handoutMasterIdLst>
   <p:sldIdLst>
     <p:sldId id="256" r:id="rId2"/>
-    <p:sldId id="503" r:id="rId3"/>
-    <p:sldId id="501" r:id="rId4"/>
-    <p:sldId id="504" r:id="rId5"/>
-    <p:sldId id="505" r:id="rId6"/>
-    <p:sldId id="502" r:id="rId7"/>
-    <p:sldId id="499" r:id="rId8"/>
-    <p:sldId id="512" r:id="rId9"/>
-    <p:sldId id="514" r:id="rId10"/>
-    <p:sldId id="513" r:id="rId11"/>
-    <p:sldId id="487" r:id="rId12"/>
-    <p:sldId id="506" r:id="rId13"/>
-    <p:sldId id="507" r:id="rId14"/>
-    <p:sldId id="508" r:id="rId15"/>
-    <p:sldId id="509" r:id="rId16"/>
-    <p:sldId id="510" r:id="rId17"/>
-    <p:sldId id="511" r:id="rId18"/>
-    <p:sldId id="515" r:id="rId19"/>
-    <p:sldId id="516" r:id="rId20"/>
-    <p:sldId id="488" r:id="rId21"/>
-    <p:sldId id="517" r:id="rId22"/>
-    <p:sldId id="518" r:id="rId23"/>
-    <p:sldId id="471" r:id="rId24"/>
+    <p:sldId id="501" r:id="rId3"/>
+    <p:sldId id="504" r:id="rId4"/>
+    <p:sldId id="505" r:id="rId5"/>
+    <p:sldId id="502" r:id="rId6"/>
+    <p:sldId id="499" r:id="rId7"/>
+    <p:sldId id="512" r:id="rId8"/>
+    <p:sldId id="514" r:id="rId9"/>
+    <p:sldId id="513" r:id="rId10"/>
+    <p:sldId id="487" r:id="rId11"/>
+    <p:sldId id="506" r:id="rId12"/>
+    <p:sldId id="507" r:id="rId13"/>
+    <p:sldId id="508" r:id="rId14"/>
+    <p:sldId id="509" r:id="rId15"/>
+    <p:sldId id="510" r:id="rId16"/>
+    <p:sldId id="511" r:id="rId17"/>
+    <p:sldId id="515" r:id="rId18"/>
+    <p:sldId id="516" r:id="rId19"/>
+    <p:sldId id="488" r:id="rId20"/>
+    <p:sldId id="517" r:id="rId21"/>
+    <p:sldId id="518" r:id="rId22"/>
+    <p:sldId id="471" r:id="rId23"/>
   </p:sldIdLst>
   <p:sldSz cx="9144000" cy="6858000" type="screen4x3"/>
   <p:notesSz cx="7104063" cy="10234613"/>
@@ -316,7 +315,7 @@
               <a:pPr>
                 <a:defRPr/>
               </a:pPr>
-              <a:t>3/30/2016</a:t>
+              <a:t>4/3/2016</a:t>
             </a:fld>
             <a:endParaRPr lang="en-US"/>
           </a:p>
@@ -539,7 +538,7 @@
               <a:pPr>
                 <a:defRPr/>
               </a:pPr>
-              <a:t>3/30/2016</a:t>
+              <a:t>4/3/2016</a:t>
             </a:fld>
             <a:endParaRPr lang="en-US" dirty="0"/>
           </a:p>
@@ -928,14 +927,14 @@
           </a:ln>
           <a:extLst>
             <a:ext uri="{909E8E84-426E-40dd-AFC4-6F175D3DCCD1}">
-              <a14:hiddenFill xmlns:a14="http://schemas.microsoft.com/office/drawing/2010/main" xmlns="">
+              <a14:hiddenFill xmlns="" xmlns:a14="http://schemas.microsoft.com/office/drawing/2010/main">
                 <a:solidFill>
                   <a:srgbClr val="FFFFFF"/>
                 </a:solidFill>
               </a14:hiddenFill>
             </a:ext>
             <a:ext uri="{91240B29-F687-4f45-9708-019B960494DF}">
-              <a14:hiddenLine xmlns:a14="http://schemas.microsoft.com/office/drawing/2010/main" xmlns="" w="9525">
+              <a14:hiddenLine xmlns="" xmlns:a14="http://schemas.microsoft.com/office/drawing/2010/main" w="9525">
                 <a:solidFill>
                   <a:srgbClr val="000000"/>
                 </a:solidFill>
@@ -982,14 +981,14 @@
           </a:ln>
           <a:extLst>
             <a:ext uri="{909E8E84-426E-40dd-AFC4-6F175D3DCCD1}">
-              <a14:hiddenFill xmlns:a14="http://schemas.microsoft.com/office/drawing/2010/main" xmlns="">
+              <a14:hiddenFill xmlns="" xmlns:a14="http://schemas.microsoft.com/office/drawing/2010/main">
                 <a:solidFill>
                   <a:srgbClr val="FFFFFF"/>
                 </a:solidFill>
               </a14:hiddenFill>
             </a:ext>
             <a:ext uri="{91240B29-F687-4f45-9708-019B960494DF}">
-              <a14:hiddenLine xmlns:a14="http://schemas.microsoft.com/office/drawing/2010/main" xmlns="" w="9525">
+              <a14:hiddenLine xmlns="" xmlns:a14="http://schemas.microsoft.com/office/drawing/2010/main" w="9525">
                 <a:solidFill>
                   <a:srgbClr val="000000"/>
                 </a:solidFill>
@@ -4146,14 +4145,14 @@
           </a:ln>
           <a:extLst>
             <a:ext uri="{909E8E84-426E-40dd-AFC4-6F175D3DCCD1}">
-              <a14:hiddenFill xmlns:a14="http://schemas.microsoft.com/office/drawing/2010/main" xmlns="">
+              <a14:hiddenFill xmlns="" xmlns:a14="http://schemas.microsoft.com/office/drawing/2010/main">
                 <a:solidFill>
                   <a:srgbClr val="FFFFFF"/>
                 </a:solidFill>
               </a14:hiddenFill>
             </a:ext>
             <a:ext uri="{91240B29-F687-4f45-9708-019B960494DF}">
-              <a14:hiddenLine xmlns:a14="http://schemas.microsoft.com/office/drawing/2010/main" xmlns="" w="9525">
+              <a14:hiddenLine xmlns="" xmlns:a14="http://schemas.microsoft.com/office/drawing/2010/main" w="9525">
                 <a:solidFill>
                   <a:srgbClr val="000000"/>
                 </a:solidFill>
@@ -5128,14 +5127,14 @@
           </a:effectLst>
           <a:extLst>
             <a:ext uri="{909E8E84-426E-40dd-AFC4-6F175D3DCCD1}">
-              <a14:hiddenFill xmlns:a14="http://schemas.microsoft.com/office/drawing/2010/main" xmlns="">
+              <a14:hiddenFill xmlns="" xmlns:a14="http://schemas.microsoft.com/office/drawing/2010/main">
                 <a:solidFill>
                   <a:srgbClr val="FFFFFF"/>
                 </a:solidFill>
               </a14:hiddenFill>
             </a:ext>
             <a:ext uri="{91240B29-F687-4f45-9708-019B960494DF}">
-              <a14:hiddenLine xmlns:a14="http://schemas.microsoft.com/office/drawing/2010/main" xmlns="" w="9525">
+              <a14:hiddenLine xmlns="" xmlns:a14="http://schemas.microsoft.com/office/drawing/2010/main" w="9525">
                 <a:solidFill>
                   <a:srgbClr val="000000"/>
                 </a:solidFill>
@@ -5171,14 +5170,14 @@
           </a:ln>
           <a:extLst>
             <a:ext uri="{909E8E84-426E-40dd-AFC4-6F175D3DCCD1}">
-              <a14:hiddenFill xmlns:a14="http://schemas.microsoft.com/office/drawing/2010/main" xmlns="">
+              <a14:hiddenFill xmlns="" xmlns:a14="http://schemas.microsoft.com/office/drawing/2010/main">
                 <a:solidFill>
                   <a:srgbClr val="FFFFFF"/>
                 </a:solidFill>
               </a14:hiddenFill>
             </a:ext>
             <a:ext uri="{91240B29-F687-4f45-9708-019B960494DF}">
-              <a14:hiddenLine xmlns:a14="http://schemas.microsoft.com/office/drawing/2010/main" xmlns="" w="9525">
+              <a14:hiddenLine xmlns="" xmlns:a14="http://schemas.microsoft.com/office/drawing/2010/main" w="9525">
                 <a:solidFill>
                   <a:srgbClr val="000000"/>
                 </a:solidFill>
@@ -5961,381 +5960,6 @@
           <a:chExt cx="0" cy="0"/>
         </a:xfrm>
       </p:grpSpPr>
-      <p:pic>
-        <p:nvPicPr>
-          <p:cNvPr id="2" name="Picture 1"/>
-          <p:cNvPicPr>
-            <a:picLocks noChangeAspect="1"/>
-          </p:cNvPicPr>
-          <p:nvPr/>
-        </p:nvPicPr>
-        <p:blipFill>
-          <a:blip r:embed="rId2">
-            <a:extLst>
-              <a:ext uri="{28A0092B-C50C-407E-A947-70E740481C1C}">
-                <a14:useLocalDpi xmlns:a14="http://schemas.microsoft.com/office/drawing/2010/main" val="0"/>
-              </a:ext>
-            </a:extLst>
-          </a:blip>
-          <a:stretch>
-            <a:fillRect/>
-          </a:stretch>
-        </p:blipFill>
-        <p:spPr>
-          <a:xfrm>
-            <a:off x="2699792" y="2040541"/>
-            <a:ext cx="523948" cy="2210108"/>
-          </a:xfrm>
-          <a:prstGeom prst="rect">
-            <a:avLst/>
-          </a:prstGeom>
-          <a:ln>
-            <a:solidFill>
-              <a:schemeClr val="tx1"/>
-            </a:solidFill>
-          </a:ln>
-          <a:effectLst>
-            <a:outerShdw blurRad="50800" dist="38100" dir="2700000" algn="tl" rotWithShape="0">
-              <a:prstClr val="black">
-                <a:alpha val="40000"/>
-              </a:prstClr>
-            </a:outerShdw>
-          </a:effectLst>
-        </p:spPr>
-      </p:pic>
-      <p:sp>
-        <p:nvSpPr>
-          <p:cNvPr id="7" name="Title 6"/>
-          <p:cNvSpPr>
-            <a:spLocks noGrp="1"/>
-          </p:cNvSpPr>
-          <p:nvPr>
-            <p:ph type="title"/>
-          </p:nvPr>
-        </p:nvSpPr>
-        <p:spPr/>
-        <p:txBody>
-          <a:bodyPr/>
-          <a:lstStyle/>
-          <a:p>
-            <a:r>
-              <a:rPr lang="en-US" dirty="0" smtClean="0"/>
-              <a:t>Mini Graphical User Interface</a:t>
-            </a:r>
-            <a:endParaRPr lang="en-US" dirty="0"/>
-          </a:p>
-        </p:txBody>
-      </p:sp>
-      <p:sp>
-        <p:nvSpPr>
-          <p:cNvPr id="5" name="Slide Number Placeholder 4"/>
-          <p:cNvSpPr>
-            <a:spLocks noGrp="1"/>
-          </p:cNvSpPr>
-          <p:nvPr>
-            <p:ph type="sldNum" sz="quarter" idx="10"/>
-          </p:nvPr>
-        </p:nvSpPr>
-        <p:spPr/>
-        <p:txBody>
-          <a:bodyPr/>
-          <a:lstStyle/>
-          <a:p>
-            <a:pPr>
-              <a:defRPr/>
-            </a:pPr>
-            <a:fld id="{3F9FD513-5D4A-4BCF-8AE8-1EA4ADEA97B0}" type="slidenum">
-              <a:rPr lang="en-US" smtClean="0"/>
-              <a:pPr>
-                <a:defRPr/>
-              </a:pPr>
-              <a:t>10</a:t>
-            </a:fld>
-            <a:endParaRPr lang="en-US" dirty="0"/>
-          </a:p>
-        </p:txBody>
-      </p:sp>
-      <p:cxnSp>
-        <p:nvCxnSpPr>
-          <p:cNvPr id="26" name="Straight Arrow Connector 25"/>
-          <p:cNvCxnSpPr/>
-          <p:nvPr/>
-        </p:nvCxnSpPr>
-        <p:spPr>
-          <a:xfrm flipH="1">
-            <a:off x="3181327" y="3103148"/>
-            <a:ext cx="648072" cy="0"/>
-          </a:xfrm>
-          <a:prstGeom prst="straightConnector1">
-            <a:avLst/>
-          </a:prstGeom>
-          <a:ln w="38100">
-            <a:tailEnd type="triangle"/>
-          </a:ln>
-        </p:spPr>
-        <p:style>
-          <a:lnRef idx="1">
-            <a:schemeClr val="accent1"/>
-          </a:lnRef>
-          <a:fillRef idx="0">
-            <a:schemeClr val="accent1"/>
-          </a:fillRef>
-          <a:effectRef idx="0">
-            <a:schemeClr val="accent1"/>
-          </a:effectRef>
-          <a:fontRef idx="minor">
-            <a:schemeClr val="tx1"/>
-          </a:fontRef>
-        </p:style>
-      </p:cxnSp>
-      <p:cxnSp>
-        <p:nvCxnSpPr>
-          <p:cNvPr id="28" name="Straight Arrow Connector 27"/>
-          <p:cNvCxnSpPr/>
-          <p:nvPr/>
-        </p:nvCxnSpPr>
-        <p:spPr>
-          <a:xfrm flipH="1">
-            <a:off x="3181327" y="3535196"/>
-            <a:ext cx="648072" cy="0"/>
-          </a:xfrm>
-          <a:prstGeom prst="straightConnector1">
-            <a:avLst/>
-          </a:prstGeom>
-          <a:ln w="38100">
-            <a:tailEnd type="triangle"/>
-          </a:ln>
-        </p:spPr>
-        <p:style>
-          <a:lnRef idx="1">
-            <a:schemeClr val="accent1"/>
-          </a:lnRef>
-          <a:fillRef idx="0">
-            <a:schemeClr val="accent1"/>
-          </a:fillRef>
-          <a:effectRef idx="0">
-            <a:schemeClr val="accent1"/>
-          </a:effectRef>
-          <a:fontRef idx="minor">
-            <a:schemeClr val="tx1"/>
-          </a:fontRef>
-        </p:style>
-      </p:cxnSp>
-      <p:cxnSp>
-        <p:nvCxnSpPr>
-          <p:cNvPr id="29" name="Straight Arrow Connector 28"/>
-          <p:cNvCxnSpPr/>
-          <p:nvPr/>
-        </p:nvCxnSpPr>
-        <p:spPr>
-          <a:xfrm flipH="1">
-            <a:off x="3181327" y="3967244"/>
-            <a:ext cx="648072" cy="0"/>
-          </a:xfrm>
-          <a:prstGeom prst="straightConnector1">
-            <a:avLst/>
-          </a:prstGeom>
-          <a:ln w="38100">
-            <a:tailEnd type="triangle"/>
-          </a:ln>
-        </p:spPr>
-        <p:style>
-          <a:lnRef idx="1">
-            <a:schemeClr val="accent1"/>
-          </a:lnRef>
-          <a:fillRef idx="0">
-            <a:schemeClr val="accent1"/>
-          </a:fillRef>
-          <a:effectRef idx="0">
-            <a:schemeClr val="accent1"/>
-          </a:effectRef>
-          <a:fontRef idx="minor">
-            <a:schemeClr val="tx1"/>
-          </a:fontRef>
-        </p:style>
-      </p:cxnSp>
-      <p:sp>
-        <p:nvSpPr>
-          <p:cNvPr id="30" name="TextBox 29"/>
-          <p:cNvSpPr txBox="1"/>
-          <p:nvPr/>
-        </p:nvSpPr>
-        <p:spPr>
-          <a:xfrm>
-            <a:off x="3853679" y="2887124"/>
-            <a:ext cx="3603727" cy="369332"/>
-          </a:xfrm>
-          <a:prstGeom prst="rect">
-            <a:avLst/>
-          </a:prstGeom>
-          <a:noFill/>
-        </p:spPr>
-        <p:txBody>
-          <a:bodyPr wrap="square" rtlCol="0">
-            <a:spAutoFit/>
-          </a:bodyPr>
-          <a:lstStyle/>
-          <a:p>
-            <a:r>
-              <a:rPr lang="en-US" dirty="0" smtClean="0"/>
-              <a:t>Measure and plot traces</a:t>
-            </a:r>
-            <a:endParaRPr lang="en-US" dirty="0"/>
-          </a:p>
-        </p:txBody>
-      </p:sp>
-      <p:sp>
-        <p:nvSpPr>
-          <p:cNvPr id="42" name="TextBox 41"/>
-          <p:cNvSpPr txBox="1"/>
-          <p:nvPr/>
-        </p:nvSpPr>
-        <p:spPr>
-          <a:xfrm>
-            <a:off x="3856037" y="3350530"/>
-            <a:ext cx="3725513" cy="369332"/>
-          </a:xfrm>
-          <a:prstGeom prst="rect">
-            <a:avLst/>
-          </a:prstGeom>
-          <a:noFill/>
-        </p:spPr>
-        <p:txBody>
-          <a:bodyPr wrap="square" rtlCol="0">
-            <a:spAutoFit/>
-          </a:bodyPr>
-          <a:lstStyle/>
-          <a:p>
-            <a:r>
-              <a:rPr lang="en-US" dirty="0" smtClean="0"/>
-              <a:t>Export results (Touchstone, CSV)</a:t>
-            </a:r>
-            <a:endParaRPr lang="en-US" dirty="0"/>
-          </a:p>
-        </p:txBody>
-      </p:sp>
-      <p:sp>
-        <p:nvSpPr>
-          <p:cNvPr id="43" name="TextBox 42"/>
-          <p:cNvSpPr txBox="1"/>
-          <p:nvPr/>
-        </p:nvSpPr>
-        <p:spPr>
-          <a:xfrm>
-            <a:off x="3856038" y="3780743"/>
-            <a:ext cx="3456384" cy="369332"/>
-          </a:xfrm>
-          <a:prstGeom prst="rect">
-            <a:avLst/>
-          </a:prstGeom>
-          <a:noFill/>
-        </p:spPr>
-        <p:txBody>
-          <a:bodyPr wrap="square" rtlCol="0">
-            <a:spAutoFit/>
-          </a:bodyPr>
-          <a:lstStyle/>
-          <a:p>
-            <a:r>
-              <a:rPr lang="en-US" dirty="0" smtClean="0"/>
-              <a:t>Exit</a:t>
-            </a:r>
-            <a:endParaRPr lang="en-US" dirty="0"/>
-          </a:p>
-        </p:txBody>
-      </p:sp>
-      <p:cxnSp>
-        <p:nvCxnSpPr>
-          <p:cNvPr id="44" name="Straight Arrow Connector 43"/>
-          <p:cNvCxnSpPr/>
-          <p:nvPr/>
-        </p:nvCxnSpPr>
-        <p:spPr>
-          <a:xfrm flipH="1">
-            <a:off x="3181327" y="2671100"/>
-            <a:ext cx="648072" cy="0"/>
-          </a:xfrm>
-          <a:prstGeom prst="straightConnector1">
-            <a:avLst/>
-          </a:prstGeom>
-          <a:ln w="38100">
-            <a:tailEnd type="triangle"/>
-          </a:ln>
-        </p:spPr>
-        <p:style>
-          <a:lnRef idx="1">
-            <a:schemeClr val="accent1"/>
-          </a:lnRef>
-          <a:fillRef idx="0">
-            <a:schemeClr val="accent1"/>
-          </a:fillRef>
-          <a:effectRef idx="0">
-            <a:schemeClr val="accent1"/>
-          </a:effectRef>
-          <a:fontRef idx="minor">
-            <a:schemeClr val="tx1"/>
-          </a:fontRef>
-        </p:style>
-      </p:cxnSp>
-      <p:sp>
-        <p:nvSpPr>
-          <p:cNvPr id="45" name="TextBox 44"/>
-          <p:cNvSpPr txBox="1"/>
-          <p:nvPr/>
-        </p:nvSpPr>
-        <p:spPr>
-          <a:xfrm>
-            <a:off x="3824540" y="2455077"/>
-            <a:ext cx="3603727" cy="369332"/>
-          </a:xfrm>
-          <a:prstGeom prst="rect">
-            <a:avLst/>
-          </a:prstGeom>
-          <a:noFill/>
-        </p:spPr>
-        <p:txBody>
-          <a:bodyPr wrap="square" rtlCol="0">
-            <a:spAutoFit/>
-          </a:bodyPr>
-          <a:lstStyle/>
-          <a:p>
-            <a:r>
-              <a:rPr lang="en-US" dirty="0" smtClean="0"/>
-              <a:t>Toggle Mini-GUI</a:t>
-            </a:r>
-          </a:p>
-        </p:txBody>
-      </p:sp>
-    </p:spTree>
-    <p:extLst>
-      <p:ext uri="{BB962C8B-B14F-4D97-AF65-F5344CB8AC3E}">
-        <p14:creationId xmlns:p14="http://schemas.microsoft.com/office/powerpoint/2010/main" val="844072281"/>
-      </p:ext>
-    </p:extLst>
-  </p:cSld>
-  <p:clrMapOvr>
-    <a:masterClrMapping/>
-  </p:clrMapOvr>
-</p:sld>
-</file>
-
-<file path=ppt/slides/slide11.xml><?xml version="1.0" encoding="utf-8"?>
-<p:sld xmlns:a="http://schemas.openxmlformats.org/drawingml/2006/main" xmlns:r="http://schemas.openxmlformats.org/officeDocument/2006/relationships" xmlns:p="http://schemas.openxmlformats.org/presentationml/2006/main">
-  <p:cSld>
-    <p:spTree>
-      <p:nvGrpSpPr>
-        <p:cNvPr id="1" name=""/>
-        <p:cNvGrpSpPr/>
-        <p:nvPr/>
-      </p:nvGrpSpPr>
-      <p:grpSpPr>
-        <a:xfrm>
-          <a:off x="0" y="0"/>
-          <a:ext cx="0" cy="0"/>
-          <a:chOff x="0" y="0"/>
-          <a:chExt cx="0" cy="0"/>
-        </a:xfrm>
-      </p:grpSpPr>
       <p:sp>
         <p:nvSpPr>
           <p:cNvPr id="2" name="Title 1"/>
@@ -6467,7 +6091,7 @@
               <a:pPr>
                 <a:defRPr/>
               </a:pPr>
-              <a:t>11</a:t>
+              <a:t>10</a:t>
             </a:fld>
             <a:endParaRPr lang="en-US" dirty="0"/>
           </a:p>
@@ -6524,7 +6148,7 @@
 </p:sld>
 </file>
 
-<file path=ppt/slides/slide12.xml><?xml version="1.0" encoding="utf-8"?>
+<file path=ppt/slides/slide11.xml><?xml version="1.0" encoding="utf-8"?>
 <p:sld xmlns:a="http://schemas.openxmlformats.org/drawingml/2006/main" xmlns:r="http://schemas.openxmlformats.org/officeDocument/2006/relationships" xmlns:p="http://schemas.openxmlformats.org/presentationml/2006/main">
   <p:cSld>
     <p:spTree>
@@ -6659,7 +6283,6 @@
               <a:rPr lang="en-US" dirty="0" smtClean="0"/>
               <a:t> the resulting matrix will not be “square”)</a:t>
             </a:r>
-            <a:endParaRPr lang="en-US" dirty="0" smtClean="0"/>
           </a:p>
           <a:p>
             <a:endParaRPr lang="en-US" dirty="0" smtClean="0"/>
@@ -6720,7 +6343,7 @@
               <a:pPr>
                 <a:defRPr/>
               </a:pPr>
-              <a:t>12</a:t>
+              <a:t>11</a:t>
             </a:fld>
             <a:endParaRPr lang="en-US" dirty="0"/>
           </a:p>
@@ -6777,7 +6400,7 @@
 </p:sld>
 </file>
 
-<file path=ppt/slides/slide13.xml><?xml version="1.0" encoding="utf-8"?>
+<file path=ppt/slides/slide12.xml><?xml version="1.0" encoding="utf-8"?>
 <p:sld xmlns:a="http://schemas.openxmlformats.org/drawingml/2006/main" xmlns:r="http://schemas.openxmlformats.org/officeDocument/2006/relationships" xmlns:p="http://schemas.openxmlformats.org/presentationml/2006/main">
   <p:cSld>
     <p:spTree>
@@ -6813,7 +6436,6 @@
               <a:rPr lang="en-US" dirty="0"/>
               <a:t>Settings</a:t>
             </a:r>
-            <a:endParaRPr lang="en-US" dirty="0"/>
           </a:p>
         </p:txBody>
       </p:sp>
@@ -6852,7 +6474,6 @@
               <a:rPr lang="en-US" dirty="0" smtClean="0"/>
               <a:t>When unchecked, the gain at the lowest power level is used for each frequency. For PAs that include gain expansion (gain can increase as power increases), this option finds the power level of maximum gain, and uses that gain value to find compression.</a:t>
             </a:r>
-            <a:endParaRPr lang="en-US" dirty="0" smtClean="0"/>
           </a:p>
           <a:p>
             <a:pPr lvl="1"/>
@@ -6910,7 +6531,7 @@
               <a:pPr>
                 <a:defRPr/>
               </a:pPr>
-              <a:t>13</a:t>
+              <a:t>12</a:t>
             </a:fld>
             <a:endParaRPr lang="en-US" dirty="0"/>
           </a:p>
@@ -6967,7 +6588,7 @@
 </p:sld>
 </file>
 
-<file path=ppt/slides/slide14.xml><?xml version="1.0" encoding="utf-8"?>
+<file path=ppt/slides/slide13.xml><?xml version="1.0" encoding="utf-8"?>
 <p:sld xmlns:a="http://schemas.openxmlformats.org/drawingml/2006/main" xmlns:r="http://schemas.openxmlformats.org/officeDocument/2006/relationships" xmlns:p="http://schemas.openxmlformats.org/presentationml/2006/main">
   <p:cSld>
     <p:spTree>
@@ -7003,7 +6624,6 @@
               <a:rPr lang="en-US" dirty="0"/>
               <a:t>Settings</a:t>
             </a:r>
-            <a:endParaRPr lang="en-US" dirty="0"/>
           </a:p>
         </p:txBody>
       </p:sp>
@@ -7110,7 +6730,7 @@
               <a:pPr>
                 <a:defRPr/>
               </a:pPr>
-              <a:t>14</a:t>
+              <a:t>13</a:t>
             </a:fld>
             <a:endParaRPr lang="en-US" dirty="0"/>
           </a:p>
@@ -7167,7 +6787,7 @@
 </p:sld>
 </file>
 
-<file path=ppt/slides/slide15.xml><?xml version="1.0" encoding="utf-8"?>
+<file path=ppt/slides/slide14.xml><?xml version="1.0" encoding="utf-8"?>
 <p:sld xmlns:a="http://schemas.openxmlformats.org/drawingml/2006/main" xmlns:r="http://schemas.openxmlformats.org/officeDocument/2006/relationships" xmlns:p="http://schemas.openxmlformats.org/presentationml/2006/main">
   <p:cSld>
     <p:spTree>
@@ -7203,7 +6823,6 @@
               <a:rPr lang="en-US" dirty="0"/>
               <a:t>Settings</a:t>
             </a:r>
-            <a:endParaRPr lang="en-US" dirty="0"/>
           </a:p>
         </p:txBody>
       </p:sp>
@@ -7343,7 +6962,7 @@
               <a:pPr>
                 <a:defRPr/>
               </a:pPr>
-              <a:t>15</a:t>
+              <a:t>14</a:t>
             </a:fld>
             <a:endParaRPr lang="en-US" dirty="0"/>
           </a:p>
@@ -7411,7 +7030,7 @@
 </p:sld>
 </file>
 
-<file path=ppt/slides/slide16.xml><?xml version="1.0" encoding="utf-8"?>
+<file path=ppt/slides/slide15.xml><?xml version="1.0" encoding="utf-8"?>
 <p:sld xmlns:a="http://schemas.openxmlformats.org/drawingml/2006/main" xmlns:r="http://schemas.openxmlformats.org/officeDocument/2006/relationships" xmlns:p="http://schemas.openxmlformats.org/presentationml/2006/main">
   <p:cSld>
     <p:spTree>
@@ -7447,7 +7066,6 @@
               <a:rPr lang="en-US" dirty="0"/>
               <a:t>Settings</a:t>
             </a:r>
-            <a:endParaRPr lang="en-US" dirty="0"/>
           </a:p>
         </p:txBody>
       </p:sp>
@@ -7480,11 +7098,7 @@
             <a:pPr lvl="1"/>
             <a:r>
               <a:rPr lang="en-US" dirty="0" smtClean="0"/>
-              <a:t>Settings outside th</a:t>
-            </a:r>
-            <a:r>
-              <a:rPr lang="en-US" dirty="0" smtClean="0"/>
-              <a:t>e scope of PA Compression Test should be set in a reference channel before measurement</a:t>
+              <a:t>Settings outside the scope of PA Compression Test should be set in a reference channel before measurement</a:t>
             </a:r>
           </a:p>
           <a:p>
@@ -7538,7 +7152,6 @@
               <a:rPr lang="en-US" dirty="0" smtClean="0"/>
               <a:t>… Anything not explicitly overwritten in Settings</a:t>
             </a:r>
-            <a:endParaRPr lang="en-US" dirty="0" smtClean="0"/>
           </a:p>
           <a:p>
             <a:pPr lvl="1"/>
@@ -7592,7 +7205,7 @@
               <a:pPr>
                 <a:defRPr/>
               </a:pPr>
-              <a:t>16</a:t>
+              <a:t>15</a:t>
             </a:fld>
             <a:endParaRPr lang="en-US" dirty="0"/>
           </a:p>
@@ -7649,7 +7262,7 @@
 </p:sld>
 </file>
 
-<file path=ppt/slides/slide17.xml><?xml version="1.0" encoding="utf-8"?>
+<file path=ppt/slides/slide16.xml><?xml version="1.0" encoding="utf-8"?>
 <p:sld xmlns:a="http://schemas.openxmlformats.org/drawingml/2006/main" xmlns:r="http://schemas.openxmlformats.org/officeDocument/2006/relationships" xmlns:p="http://schemas.openxmlformats.org/presentationml/2006/main">
   <p:cSld>
     <p:spTree>
@@ -7685,7 +7298,6 @@
               <a:rPr lang="en-US" dirty="0"/>
               <a:t>Settings</a:t>
             </a:r>
-            <a:endParaRPr lang="en-US" dirty="0"/>
           </a:p>
         </p:txBody>
       </p:sp>
@@ -7741,7 +7353,6 @@
               <a:rPr lang="en-US" dirty="0" smtClean="0"/>
               <a:t>When Stop at Compression is selected, frequencies that have reached compression are removed from subsequent segmented frequency sweeps.</a:t>
             </a:r>
-            <a:endParaRPr lang="en-US" dirty="0" smtClean="0"/>
           </a:p>
           <a:p>
             <a:pPr lvl="1"/>
@@ -7756,7 +7367,6 @@
               <a:rPr lang="en-US" dirty="0" smtClean="0"/>
               <a:t>For a fixed frequency, a power sweep is performed per Power Settings</a:t>
             </a:r>
-            <a:endParaRPr lang="en-US" dirty="0" smtClean="0"/>
           </a:p>
         </p:txBody>
       </p:sp>
@@ -7806,7 +7416,7 @@
               <a:pPr>
                 <a:defRPr/>
               </a:pPr>
-              <a:t>17</a:t>
+              <a:t>16</a:t>
             </a:fld>
             <a:endParaRPr lang="en-US" dirty="0"/>
           </a:p>
@@ -7863,7 +7473,7 @@
 </p:sld>
 </file>
 
-<file path=ppt/slides/slide18.xml><?xml version="1.0" encoding="utf-8"?>
+<file path=ppt/slides/slide17.xml><?xml version="1.0" encoding="utf-8"?>
 <p:sld xmlns:a="http://schemas.openxmlformats.org/drawingml/2006/main" xmlns:r="http://schemas.openxmlformats.org/officeDocument/2006/relationships" xmlns:p="http://schemas.openxmlformats.org/presentationml/2006/main">
   <p:cSld>
     <p:spTree>
@@ -8064,7 +7674,7 @@
               <a:pPr>
                 <a:defRPr/>
               </a:pPr>
-              <a:t>18</a:t>
+              <a:t>17</a:t>
             </a:fld>
             <a:endParaRPr lang="en-US" dirty="0"/>
           </a:p>
@@ -8121,7 +7731,7 @@
 </p:sld>
 </file>
 
-<file path=ppt/slides/slide19.xml><?xml version="1.0" encoding="utf-8"?>
+<file path=ppt/slides/slide18.xml><?xml version="1.0" encoding="utf-8"?>
 <p:sld xmlns:a="http://schemas.openxmlformats.org/drawingml/2006/main" xmlns:r="http://schemas.openxmlformats.org/officeDocument/2006/relationships" xmlns:p="http://schemas.openxmlformats.org/presentationml/2006/main">
   <p:cSld>
     <p:spTree>
@@ -8205,7 +7815,6 @@
               <a:rPr lang="en-US" dirty="0" smtClean="0"/>
               <a:t>Subsequent replotting will update trace values without disturbing customization.</a:t>
             </a:r>
-            <a:endParaRPr lang="en-US" dirty="0" smtClean="0"/>
           </a:p>
         </p:txBody>
       </p:sp>
@@ -8232,7 +7841,7 @@
               <a:pPr>
                 <a:defRPr/>
               </a:pPr>
-              <a:t>19</a:t>
+              <a:t>18</a:t>
             </a:fld>
             <a:endParaRPr lang="en-US" dirty="0"/>
           </a:p>
@@ -8300,3255 +7909,7 @@
 </p:sld>
 </file>
 
-<file path=ppt/slides/slide2.xml><?xml version="1.0" encoding="utf-8"?>
-<p:sld xmlns:a="http://schemas.openxmlformats.org/drawingml/2006/main" xmlns:r="http://schemas.openxmlformats.org/officeDocument/2006/relationships" xmlns:p="http://schemas.openxmlformats.org/presentationml/2006/main">
-  <p:cSld>
-    <p:spTree>
-      <p:nvGrpSpPr>
-        <p:cNvPr id="1" name=""/>
-        <p:cNvGrpSpPr/>
-        <p:nvPr/>
-      </p:nvGrpSpPr>
-      <p:grpSpPr>
-        <a:xfrm>
-          <a:off x="0" y="0"/>
-          <a:ext cx="0" cy="0"/>
-          <a:chOff x="0" y="0"/>
-          <a:chExt cx="0" cy="0"/>
-        </a:xfrm>
-      </p:grpSpPr>
-      <p:sp>
-        <p:nvSpPr>
-          <p:cNvPr id="4" name="Title 3"/>
-          <p:cNvSpPr>
-            <a:spLocks noGrp="1"/>
-          </p:cNvSpPr>
-          <p:nvPr>
-            <p:ph type="title"/>
-          </p:nvPr>
-        </p:nvSpPr>
-        <p:spPr/>
-        <p:txBody>
-          <a:bodyPr/>
-          <a:lstStyle/>
-          <a:p>
-            <a:r>
-              <a:rPr lang="en-US" dirty="0" smtClean="0"/>
-              <a:t>REMOVE</a:t>
-            </a:r>
-            <a:endParaRPr lang="en-US" dirty="0"/>
-          </a:p>
-        </p:txBody>
-      </p:sp>
-      <p:sp>
-        <p:nvSpPr>
-          <p:cNvPr id="5" name="Content Placeholder 4"/>
-          <p:cNvSpPr>
-            <a:spLocks noGrp="1"/>
-          </p:cNvSpPr>
-          <p:nvPr>
-            <p:ph idx="1"/>
-          </p:nvPr>
-        </p:nvSpPr>
-        <p:spPr/>
-        <p:txBody>
-          <a:bodyPr/>
-          <a:lstStyle/>
-          <a:p>
-            <a:r>
-              <a:rPr lang="en-US" dirty="0" smtClean="0"/>
-              <a:t>Schematic</a:t>
-            </a:r>
-          </a:p>
-        </p:txBody>
-      </p:sp>
-      <p:sp>
-        <p:nvSpPr>
-          <p:cNvPr id="3" name="Slide Number Placeholder 2"/>
-          <p:cNvSpPr>
-            <a:spLocks noGrp="1"/>
-          </p:cNvSpPr>
-          <p:nvPr>
-            <p:ph type="sldNum" sz="quarter" idx="10"/>
-          </p:nvPr>
-        </p:nvSpPr>
-        <p:spPr/>
-        <p:txBody>
-          <a:bodyPr/>
-          <a:lstStyle/>
-          <a:p>
-            <a:pPr>
-              <a:defRPr/>
-            </a:pPr>
-            <a:fld id="{41901FB5-971D-4673-A8C8-8D13D33A226A}" type="slidenum">
-              <a:rPr lang="en-US" smtClean="0"/>
-              <a:pPr>
-                <a:defRPr/>
-              </a:pPr>
-              <a:t>2</a:t>
-            </a:fld>
-            <a:endParaRPr lang="en-US" dirty="0"/>
-          </a:p>
-        </p:txBody>
-      </p:sp>
-      <p:grpSp>
-        <p:nvGrpSpPr>
-          <p:cNvPr id="151" name="Group 150"/>
-          <p:cNvGrpSpPr/>
-          <p:nvPr/>
-        </p:nvGrpSpPr>
-        <p:grpSpPr>
-          <a:xfrm>
-            <a:off x="708634" y="2137833"/>
-            <a:ext cx="7811951" cy="3246066"/>
-            <a:chOff x="251520" y="1897992"/>
-            <a:chExt cx="7811951" cy="3246066"/>
-          </a:xfrm>
-        </p:grpSpPr>
-        <p:sp>
-          <p:nvSpPr>
-            <p:cNvPr id="13" name="Text Box 2"/>
-            <p:cNvSpPr txBox="1">
-              <a:spLocks noChangeArrowheads="1"/>
-            </p:cNvSpPr>
-            <p:nvPr/>
-          </p:nvSpPr>
-          <p:spPr bwMode="auto">
-            <a:xfrm>
-              <a:off x="3889246" y="2738825"/>
-              <a:ext cx="357396" cy="289560"/>
-            </a:xfrm>
-            <a:prstGeom prst="rect">
-              <a:avLst/>
-            </a:prstGeom>
-            <a:noFill/>
-            <a:ln w="9525">
-              <a:noFill/>
-              <a:miter lim="800000"/>
-              <a:headEnd/>
-              <a:tailEnd/>
-            </a:ln>
-          </p:spPr>
-          <p:txBody>
-            <a:bodyPr rot="0" vert="horz" wrap="square" lIns="91440" tIns="45720" rIns="91440" bIns="45720" anchor="t" anchorCtr="0">
-              <a:noAutofit/>
-            </a:bodyPr>
-            <a:lstStyle/>
-            <a:p>
-              <a:pPr marL="0" marR="0">
-                <a:lnSpc>
-                  <a:spcPct val="112000"/>
-                </a:lnSpc>
-                <a:spcBef>
-                  <a:spcPts val="0"/>
-                </a:spcBef>
-                <a:spcAft>
-                  <a:spcPts val="600"/>
-                </a:spcAft>
-              </a:pPr>
-              <a:r>
-                <a:rPr lang="en-US" sz="1000" dirty="0" smtClean="0">
-                  <a:effectLst/>
-                  <a:latin typeface="Arial" panose="020B0604020202020204" pitchFamily="34" charset="0"/>
-                  <a:ea typeface="Times New Roman" panose="02020603050405020304" pitchFamily="18" charset="0"/>
-                  <a:cs typeface="Times New Roman" panose="02020603050405020304" pitchFamily="18" charset="0"/>
-                </a:rPr>
-                <a:t>P</a:t>
-              </a:r>
-              <a:r>
-                <a:rPr lang="en-US" sz="1000" baseline="-25000" dirty="0" smtClean="0">
-                  <a:effectLst/>
-                  <a:latin typeface="Arial" panose="020B0604020202020204" pitchFamily="34" charset="0"/>
-                  <a:ea typeface="Times New Roman" panose="02020603050405020304" pitchFamily="18" charset="0"/>
-                  <a:cs typeface="Times New Roman" panose="02020603050405020304" pitchFamily="18" charset="0"/>
-                </a:rPr>
-                <a:t>in</a:t>
-              </a:r>
-              <a:endParaRPr lang="en-US" sz="1000" dirty="0">
-                <a:effectLst/>
-                <a:latin typeface="Arial" panose="020B0604020202020204" pitchFamily="34" charset="0"/>
-                <a:ea typeface="Times New Roman" panose="02020603050405020304" pitchFamily="18" charset="0"/>
-                <a:cs typeface="Times New Roman" panose="02020603050405020304" pitchFamily="18" charset="0"/>
-              </a:endParaRPr>
-            </a:p>
-            <a:p>
-              <a:pPr marL="0" marR="0">
-                <a:lnSpc>
-                  <a:spcPct val="112000"/>
-                </a:lnSpc>
-                <a:spcBef>
-                  <a:spcPts val="0"/>
-                </a:spcBef>
-                <a:spcAft>
-                  <a:spcPts val="600"/>
-                </a:spcAft>
-              </a:pPr>
-              <a:r>
-                <a:rPr lang="en-US" sz="1000" dirty="0">
-                  <a:effectLst/>
-                  <a:latin typeface="Arial" panose="020B0604020202020204" pitchFamily="34" charset="0"/>
-                  <a:ea typeface="Times New Roman" panose="02020603050405020304" pitchFamily="18" charset="0"/>
-                  <a:cs typeface="Times New Roman" panose="02020603050405020304" pitchFamily="18" charset="0"/>
-                </a:rPr>
-                <a:t> </a:t>
-              </a:r>
-            </a:p>
-          </p:txBody>
-        </p:sp>
-        <p:sp>
-          <p:nvSpPr>
-            <p:cNvPr id="14" name="Text Box 2"/>
-            <p:cNvSpPr txBox="1">
-              <a:spLocks noChangeArrowheads="1"/>
-            </p:cNvSpPr>
-            <p:nvPr/>
-          </p:nvSpPr>
-          <p:spPr bwMode="auto">
-            <a:xfrm>
-              <a:off x="5195979" y="2738825"/>
-              <a:ext cx="420504" cy="258127"/>
-            </a:xfrm>
-            <a:prstGeom prst="rect">
-              <a:avLst/>
-            </a:prstGeom>
-            <a:noFill/>
-            <a:ln w="9525">
-              <a:noFill/>
-              <a:miter lim="800000"/>
-              <a:headEnd/>
-              <a:tailEnd/>
-            </a:ln>
-          </p:spPr>
-          <p:txBody>
-            <a:bodyPr rot="0" vert="horz" wrap="square" lIns="91440" tIns="45720" rIns="91440" bIns="45720" anchor="t" anchorCtr="0">
-              <a:noAutofit/>
-            </a:bodyPr>
-            <a:lstStyle/>
-            <a:p>
-              <a:pPr marL="0" marR="0">
-                <a:lnSpc>
-                  <a:spcPct val="112000"/>
-                </a:lnSpc>
-                <a:spcBef>
-                  <a:spcPts val="0"/>
-                </a:spcBef>
-                <a:spcAft>
-                  <a:spcPts val="600"/>
-                </a:spcAft>
-              </a:pPr>
-              <a:r>
-                <a:rPr lang="en-US" sz="1000" dirty="0" smtClean="0">
-                  <a:effectLst/>
-                  <a:latin typeface="Arial" panose="020B0604020202020204" pitchFamily="34" charset="0"/>
-                  <a:ea typeface="Times New Roman" panose="02020603050405020304" pitchFamily="18" charset="0"/>
-                  <a:cs typeface="Times New Roman" panose="02020603050405020304" pitchFamily="18" charset="0"/>
-                </a:rPr>
-                <a:t>P</a:t>
-              </a:r>
-              <a:r>
-                <a:rPr lang="en-US" sz="1000" baseline="-25000" dirty="0" smtClean="0">
-                  <a:effectLst/>
-                  <a:latin typeface="Arial" panose="020B0604020202020204" pitchFamily="34" charset="0"/>
-                  <a:ea typeface="Times New Roman" panose="02020603050405020304" pitchFamily="18" charset="0"/>
-                  <a:cs typeface="Times New Roman" panose="02020603050405020304" pitchFamily="18" charset="0"/>
-                </a:rPr>
-                <a:t>out</a:t>
-              </a:r>
-              <a:endParaRPr lang="en-US" sz="1000" dirty="0">
-                <a:effectLst/>
-                <a:latin typeface="Arial" panose="020B0604020202020204" pitchFamily="34" charset="0"/>
-                <a:ea typeface="Times New Roman" panose="02020603050405020304" pitchFamily="18" charset="0"/>
-                <a:cs typeface="Times New Roman" panose="02020603050405020304" pitchFamily="18" charset="0"/>
-              </a:endParaRPr>
-            </a:p>
-          </p:txBody>
-        </p:sp>
-        <p:grpSp>
-          <p:nvGrpSpPr>
-            <p:cNvPr id="21" name="Group 20"/>
-            <p:cNvGrpSpPr/>
-            <p:nvPr/>
-          </p:nvGrpSpPr>
-          <p:grpSpPr>
-            <a:xfrm>
-              <a:off x="4313021" y="3110241"/>
-              <a:ext cx="825500" cy="899160"/>
-              <a:chOff x="0" y="0"/>
-              <a:chExt cx="825500" cy="899160"/>
-            </a:xfrm>
-          </p:grpSpPr>
-          <p:sp>
-            <p:nvSpPr>
-              <p:cNvPr id="63" name="Isosceles Triangle 62"/>
-              <p:cNvSpPr/>
-              <p:nvPr/>
-            </p:nvSpPr>
-            <p:spPr>
-              <a:xfrm rot="5400000">
-                <a:off x="-11430" y="62230"/>
-                <a:ext cx="899160" cy="774700"/>
-              </a:xfrm>
-              <a:prstGeom prst="triangle">
-                <a:avLst/>
-              </a:prstGeom>
-              <a:solidFill>
-                <a:schemeClr val="bg1"/>
-              </a:solidFill>
-              <a:ln w="19050">
-                <a:solidFill>
-                  <a:schemeClr val="tx1"/>
-                </a:solidFill>
-              </a:ln>
-            </p:spPr>
-            <p:style>
-              <a:lnRef idx="2">
-                <a:schemeClr val="accent1">
-                  <a:shade val="50000"/>
-                </a:schemeClr>
-              </a:lnRef>
-              <a:fillRef idx="1">
-                <a:schemeClr val="accent1"/>
-              </a:fillRef>
-              <a:effectRef idx="0">
-                <a:schemeClr val="accent1"/>
-              </a:effectRef>
-              <a:fontRef idx="minor">
-                <a:schemeClr val="lt1"/>
-              </a:fontRef>
-            </p:style>
-            <p:txBody>
-              <a:bodyPr rot="0" spcFirstLastPara="0" vert="horz" wrap="square" lIns="0" tIns="0" rIns="0" bIns="0" numCol="1" spcCol="0" rtlCol="0" fromWordArt="0" anchor="t" anchorCtr="0" forceAA="0" compatLnSpc="1">
-                <a:prstTxWarp prst="textNoShape">
-                  <a:avLst/>
-                </a:prstTxWarp>
-                <a:noAutofit/>
-              </a:bodyPr>
-              <a:lstStyle/>
-              <a:p>
-                <a:endParaRPr lang="en-US"/>
-              </a:p>
-            </p:txBody>
-          </p:sp>
-          <p:sp>
-            <p:nvSpPr>
-              <p:cNvPr id="64" name="Text Box 2"/>
-              <p:cNvSpPr txBox="1">
-                <a:spLocks noChangeArrowheads="1"/>
-              </p:cNvSpPr>
-              <p:nvPr/>
-            </p:nvSpPr>
-            <p:spPr bwMode="auto">
-              <a:xfrm>
-                <a:off x="0" y="233680"/>
-                <a:ext cx="739140" cy="441960"/>
-              </a:xfrm>
-              <a:prstGeom prst="rect">
-                <a:avLst/>
-              </a:prstGeom>
-              <a:noFill/>
-              <a:ln w="9525">
-                <a:noFill/>
-                <a:miter lim="800000"/>
-                <a:headEnd/>
-                <a:tailEnd/>
-              </a:ln>
-            </p:spPr>
-            <p:txBody>
-              <a:bodyPr rot="0" vert="horz" wrap="square" lIns="91440" tIns="45720" rIns="91440" bIns="45720" anchor="t" anchorCtr="0">
-                <a:noAutofit/>
-              </a:bodyPr>
-              <a:lstStyle/>
-              <a:p>
-                <a:pPr marL="0" marR="0">
-                  <a:lnSpc>
-                    <a:spcPct val="112000"/>
-                  </a:lnSpc>
-                  <a:spcBef>
-                    <a:spcPts val="0"/>
-                  </a:spcBef>
-                  <a:spcAft>
-                    <a:spcPts val="600"/>
-                  </a:spcAft>
-                </a:pPr>
-                <a:r>
-                  <a:rPr lang="en-US" sz="1000" dirty="0" smtClean="0">
-                    <a:effectLst/>
-                    <a:latin typeface="Arial" panose="020B0604020202020204" pitchFamily="34" charset="0"/>
-                    <a:ea typeface="Times New Roman" panose="02020603050405020304" pitchFamily="18" charset="0"/>
-                    <a:cs typeface="Times New Roman" panose="02020603050405020304" pitchFamily="18" charset="0"/>
-                  </a:rPr>
-                  <a:t>DUT</a:t>
-                </a:r>
-                <a:r>
-                  <a:rPr lang="en-US" sz="1000" dirty="0">
-                    <a:effectLst/>
-                    <a:latin typeface="Arial" panose="020B0604020202020204" pitchFamily="34" charset="0"/>
-                    <a:ea typeface="Times New Roman" panose="02020603050405020304" pitchFamily="18" charset="0"/>
-                    <a:cs typeface="Times New Roman" panose="02020603050405020304" pitchFamily="18" charset="0"/>
-                  </a:rPr>
-                  <a:t/>
-                </a:r>
-                <a:br>
-                  <a:rPr lang="en-US" sz="1000" dirty="0">
-                    <a:effectLst/>
-                    <a:latin typeface="Arial" panose="020B0604020202020204" pitchFamily="34" charset="0"/>
-                    <a:ea typeface="Times New Roman" panose="02020603050405020304" pitchFamily="18" charset="0"/>
-                    <a:cs typeface="Times New Roman" panose="02020603050405020304" pitchFamily="18" charset="0"/>
-                  </a:rPr>
-                </a:br>
-                <a:r>
-                  <a:rPr lang="en-US" sz="1000" dirty="0" smtClean="0">
-                    <a:effectLst/>
-                    <a:latin typeface="Arial" panose="020B0604020202020204" pitchFamily="34" charset="0"/>
-                    <a:ea typeface="Times New Roman" panose="02020603050405020304" pitchFamily="18" charset="0"/>
-                    <a:cs typeface="Times New Roman" panose="02020603050405020304" pitchFamily="18" charset="0"/>
-                  </a:rPr>
-                  <a:t>S(f</a:t>
-                </a:r>
-                <a:r>
-                  <a:rPr lang="en-US" sz="1000" dirty="0">
-                    <a:effectLst/>
-                    <a:latin typeface="Arial" panose="020B0604020202020204" pitchFamily="34" charset="0"/>
-                    <a:ea typeface="Times New Roman" panose="02020603050405020304" pitchFamily="18" charset="0"/>
-                    <a:cs typeface="Times New Roman" panose="02020603050405020304" pitchFamily="18" charset="0"/>
-                  </a:rPr>
-                  <a:t>, P</a:t>
-                </a:r>
-                <a:r>
-                  <a:rPr lang="en-US" sz="1000" baseline="-25000" dirty="0">
-                    <a:effectLst/>
-                    <a:latin typeface="Arial" panose="020B0604020202020204" pitchFamily="34" charset="0"/>
-                    <a:ea typeface="Times New Roman" panose="02020603050405020304" pitchFamily="18" charset="0"/>
-                    <a:cs typeface="Times New Roman" panose="02020603050405020304" pitchFamily="18" charset="0"/>
-                  </a:rPr>
-                  <a:t>in</a:t>
-                </a:r>
-                <a:r>
-                  <a:rPr lang="en-US" sz="1000" dirty="0">
-                    <a:effectLst/>
-                    <a:latin typeface="Arial" panose="020B0604020202020204" pitchFamily="34" charset="0"/>
-                    <a:ea typeface="Times New Roman" panose="02020603050405020304" pitchFamily="18" charset="0"/>
-                    <a:cs typeface="Times New Roman" panose="02020603050405020304" pitchFamily="18" charset="0"/>
-                  </a:rPr>
-                  <a:t>)</a:t>
-                </a:r>
-              </a:p>
-            </p:txBody>
-          </p:sp>
-        </p:grpSp>
-        <p:grpSp>
-          <p:nvGrpSpPr>
-            <p:cNvPr id="25" name="Group 24"/>
-            <p:cNvGrpSpPr/>
-            <p:nvPr/>
-          </p:nvGrpSpPr>
-          <p:grpSpPr>
-            <a:xfrm flipH="1">
-              <a:off x="3144369" y="3252396"/>
-              <a:ext cx="617220" cy="464820"/>
-              <a:chOff x="0" y="0"/>
-              <a:chExt cx="617220" cy="464820"/>
-            </a:xfrm>
-          </p:grpSpPr>
-          <p:sp>
-            <p:nvSpPr>
-              <p:cNvPr id="54" name="Rectangle 53"/>
-              <p:cNvSpPr/>
-              <p:nvPr/>
-            </p:nvSpPr>
-            <p:spPr>
-              <a:xfrm rot="10800000">
-                <a:off x="7620" y="137160"/>
-                <a:ext cx="609600" cy="327660"/>
-              </a:xfrm>
-              <a:prstGeom prst="rect">
-                <a:avLst/>
-              </a:prstGeom>
-              <a:noFill/>
-              <a:ln w="19050">
-                <a:solidFill>
-                  <a:schemeClr val="accent1"/>
-                </a:solidFill>
-              </a:ln>
-            </p:spPr>
-            <p:style>
-              <a:lnRef idx="2">
-                <a:schemeClr val="accent1">
-                  <a:shade val="50000"/>
-                </a:schemeClr>
-              </a:lnRef>
-              <a:fillRef idx="1">
-                <a:schemeClr val="accent1"/>
-              </a:fillRef>
-              <a:effectRef idx="0">
-                <a:schemeClr val="accent1"/>
-              </a:effectRef>
-              <a:fontRef idx="minor">
-                <a:schemeClr val="lt1"/>
-              </a:fontRef>
-            </p:style>
-            <p:txBody>
-              <a:bodyPr rot="0" spcFirstLastPara="0" vert="horz" wrap="square" lIns="0" tIns="0" rIns="0" bIns="0" numCol="1" spcCol="0" rtlCol="0" fromWordArt="0" anchor="t" anchorCtr="0" forceAA="0" compatLnSpc="1">
-                <a:prstTxWarp prst="textNoShape">
-                  <a:avLst/>
-                </a:prstTxWarp>
-                <a:noAutofit/>
-              </a:bodyPr>
-              <a:lstStyle/>
-              <a:p>
-                <a:endParaRPr lang="en-US"/>
-              </a:p>
-            </p:txBody>
-          </p:sp>
-          <p:cxnSp>
-            <p:nvCxnSpPr>
-              <p:cNvPr id="55" name="Straight Connector 54"/>
-              <p:cNvCxnSpPr/>
-              <p:nvPr/>
-            </p:nvCxnSpPr>
-            <p:spPr>
-              <a:xfrm>
-                <a:off x="0" y="373380"/>
-                <a:ext cx="617220" cy="0"/>
-              </a:xfrm>
-              <a:prstGeom prst="line">
-                <a:avLst/>
-              </a:prstGeom>
-              <a:ln w="12700"/>
-            </p:spPr>
-            <p:style>
-              <a:lnRef idx="1">
-                <a:schemeClr val="accent1"/>
-              </a:lnRef>
-              <a:fillRef idx="0">
-                <a:schemeClr val="accent1"/>
-              </a:fillRef>
-              <a:effectRef idx="0">
-                <a:schemeClr val="accent1"/>
-              </a:effectRef>
-              <a:fontRef idx="minor">
-                <a:schemeClr val="tx1"/>
-              </a:fontRef>
-            </p:style>
-          </p:cxnSp>
-          <p:sp>
-            <p:nvSpPr>
-              <p:cNvPr id="56" name="Arc 55"/>
-              <p:cNvSpPr/>
-              <p:nvPr/>
-            </p:nvSpPr>
-            <p:spPr>
-              <a:xfrm flipV="1">
-                <a:off x="106680" y="0"/>
-                <a:ext cx="373380" cy="373380"/>
-              </a:xfrm>
-              <a:prstGeom prst="arc">
-                <a:avLst/>
-              </a:prstGeom>
-              <a:ln w="12700">
-                <a:headEnd type="none" w="med" len="med"/>
-                <a:tailEnd type="arrow" w="med" len="med"/>
-              </a:ln>
-            </p:spPr>
-            <p:style>
-              <a:lnRef idx="1">
-                <a:schemeClr val="accent1"/>
-              </a:lnRef>
-              <a:fillRef idx="0">
-                <a:schemeClr val="accent1"/>
-              </a:fillRef>
-              <a:effectRef idx="0">
-                <a:schemeClr val="accent1"/>
-              </a:effectRef>
-              <a:fontRef idx="minor">
-                <a:schemeClr val="tx1"/>
-              </a:fontRef>
-            </p:style>
-            <p:txBody>
-              <a:bodyPr rot="0" spcFirstLastPara="0" vert="horz" wrap="square" lIns="91440" tIns="45720" rIns="91440" bIns="45720" numCol="1" spcCol="0" rtlCol="0" fromWordArt="0" anchor="ctr" anchorCtr="0" forceAA="0" compatLnSpc="1">
-                <a:prstTxWarp prst="textNoShape">
-                  <a:avLst/>
-                </a:prstTxWarp>
-                <a:noAutofit/>
-              </a:bodyPr>
-              <a:lstStyle/>
-              <a:p>
-                <a:endParaRPr lang="en-US"/>
-              </a:p>
-            </p:txBody>
-          </p:sp>
-        </p:grpSp>
-        <p:grpSp>
-          <p:nvGrpSpPr>
-            <p:cNvPr id="44" name="Group 43"/>
-            <p:cNvGrpSpPr/>
-            <p:nvPr/>
-          </p:nvGrpSpPr>
-          <p:grpSpPr>
-            <a:xfrm>
-              <a:off x="590218" y="2263752"/>
-              <a:ext cx="457200" cy="457200"/>
-              <a:chOff x="-38100" y="0"/>
-              <a:chExt cx="457200" cy="457200"/>
-            </a:xfrm>
-          </p:grpSpPr>
-          <p:sp>
-            <p:nvSpPr>
-              <p:cNvPr id="52" name="Oval 51"/>
-              <p:cNvSpPr/>
-              <p:nvPr/>
-            </p:nvSpPr>
-            <p:spPr>
-              <a:xfrm>
-                <a:off x="-38100" y="0"/>
-                <a:ext cx="457200" cy="457200"/>
-              </a:xfrm>
-              <a:prstGeom prst="ellipse">
-                <a:avLst/>
-              </a:prstGeom>
-              <a:noFill/>
-              <a:ln w="19050">
-                <a:solidFill>
-                  <a:schemeClr val="accent1"/>
-                </a:solidFill>
-              </a:ln>
-            </p:spPr>
-            <p:style>
-              <a:lnRef idx="2">
-                <a:schemeClr val="accent1">
-                  <a:shade val="50000"/>
-                </a:schemeClr>
-              </a:lnRef>
-              <a:fillRef idx="1">
-                <a:schemeClr val="accent1"/>
-              </a:fillRef>
-              <a:effectRef idx="0">
-                <a:schemeClr val="accent1"/>
-              </a:effectRef>
-              <a:fontRef idx="minor">
-                <a:schemeClr val="lt1"/>
-              </a:fontRef>
-            </p:style>
-            <p:txBody>
-              <a:bodyPr rot="0" spcFirstLastPara="0" vert="horz" wrap="square" lIns="0" tIns="0" rIns="0" bIns="0" numCol="1" spcCol="0" rtlCol="0" fromWordArt="0" anchor="t" anchorCtr="0" forceAA="0" compatLnSpc="1">
-                <a:prstTxWarp prst="textNoShape">
-                  <a:avLst/>
-                </a:prstTxWarp>
-                <a:noAutofit/>
-              </a:bodyPr>
-              <a:lstStyle/>
-              <a:p>
-                <a:endParaRPr lang="en-US"/>
-              </a:p>
-            </p:txBody>
-          </p:sp>
-          <p:sp>
-            <p:nvSpPr>
-              <p:cNvPr id="53" name="Text Box 2"/>
-              <p:cNvSpPr txBox="1">
-                <a:spLocks noChangeArrowheads="1"/>
-              </p:cNvSpPr>
-              <p:nvPr/>
-            </p:nvSpPr>
-            <p:spPr bwMode="auto">
-              <a:xfrm>
-                <a:off x="31103" y="99060"/>
-                <a:ext cx="365760" cy="251460"/>
-              </a:xfrm>
-              <a:prstGeom prst="rect">
-                <a:avLst/>
-              </a:prstGeom>
-              <a:noFill/>
-              <a:ln w="9525">
-                <a:noFill/>
-                <a:miter lim="800000"/>
-                <a:headEnd/>
-                <a:tailEnd/>
-              </a:ln>
-            </p:spPr>
-            <p:txBody>
-              <a:bodyPr rot="0" vert="horz" wrap="square" lIns="91440" tIns="45720" rIns="91440" bIns="45720" anchor="t" anchorCtr="0">
-                <a:noAutofit/>
-              </a:bodyPr>
-              <a:lstStyle/>
-              <a:p>
-                <a:pPr marL="0" marR="0">
-                  <a:lnSpc>
-                    <a:spcPct val="112000"/>
-                  </a:lnSpc>
-                  <a:spcBef>
-                    <a:spcPts val="0"/>
-                  </a:spcBef>
-                  <a:spcAft>
-                    <a:spcPts val="600"/>
-                  </a:spcAft>
-                </a:pPr>
-                <a:r>
-                  <a:rPr lang="en-US" sz="1000" dirty="0">
-                    <a:solidFill>
-                      <a:srgbClr val="009DEC"/>
-                    </a:solidFill>
-                    <a:effectLst/>
-                    <a:latin typeface="Arial" panose="020B0604020202020204" pitchFamily="34" charset="0"/>
-                    <a:ea typeface="Times New Roman" panose="02020603050405020304" pitchFamily="18" charset="0"/>
-                    <a:cs typeface="Times New Roman" panose="02020603050405020304" pitchFamily="18" charset="0"/>
-                  </a:rPr>
-                  <a:t>S1</a:t>
-                </a:r>
-                <a:endParaRPr lang="en-US" sz="1000" dirty="0">
-                  <a:effectLst/>
-                  <a:latin typeface="Arial" panose="020B0604020202020204" pitchFamily="34" charset="0"/>
-                  <a:ea typeface="Times New Roman" panose="02020603050405020304" pitchFamily="18" charset="0"/>
-                  <a:cs typeface="Times New Roman" panose="02020603050405020304" pitchFamily="18" charset="0"/>
-                </a:endParaRPr>
-              </a:p>
-            </p:txBody>
-          </p:sp>
-        </p:grpSp>
-        <p:grpSp>
-          <p:nvGrpSpPr>
-            <p:cNvPr id="45" name="Group 44"/>
-            <p:cNvGrpSpPr/>
-            <p:nvPr/>
-          </p:nvGrpSpPr>
-          <p:grpSpPr>
-            <a:xfrm>
-              <a:off x="2551591" y="2282742"/>
-              <a:ext cx="396213" cy="388620"/>
-              <a:chOff x="0" y="0"/>
-              <a:chExt cx="396213" cy="388620"/>
-            </a:xfrm>
-          </p:grpSpPr>
-          <p:sp>
-            <p:nvSpPr>
-              <p:cNvPr id="50" name="Rectangle 49"/>
-              <p:cNvSpPr/>
-              <p:nvPr/>
-            </p:nvSpPr>
-            <p:spPr>
-              <a:xfrm>
-                <a:off x="0" y="0"/>
-                <a:ext cx="388620" cy="388620"/>
-              </a:xfrm>
-              <a:prstGeom prst="rect">
-                <a:avLst/>
-              </a:prstGeom>
-              <a:noFill/>
-              <a:ln w="19050">
-                <a:solidFill>
-                  <a:schemeClr val="accent1"/>
-                </a:solidFill>
-              </a:ln>
-            </p:spPr>
-            <p:style>
-              <a:lnRef idx="2">
-                <a:schemeClr val="accent1">
-                  <a:shade val="50000"/>
-                </a:schemeClr>
-              </a:lnRef>
-              <a:fillRef idx="1">
-                <a:schemeClr val="accent1"/>
-              </a:fillRef>
-              <a:effectRef idx="0">
-                <a:schemeClr val="accent1"/>
-              </a:effectRef>
-              <a:fontRef idx="minor">
-                <a:schemeClr val="lt1"/>
-              </a:fontRef>
-            </p:style>
-            <p:txBody>
-              <a:bodyPr rot="0" spcFirstLastPara="0" vert="horz" wrap="square" lIns="0" tIns="0" rIns="0" bIns="0" numCol="1" spcCol="0" rtlCol="0" fromWordArt="0" anchor="t" anchorCtr="0" forceAA="0" compatLnSpc="1">
-                <a:prstTxWarp prst="textNoShape">
-                  <a:avLst/>
-                </a:prstTxWarp>
-                <a:noAutofit/>
-              </a:bodyPr>
-              <a:lstStyle/>
-              <a:p>
-                <a:endParaRPr lang="en-US"/>
-              </a:p>
-            </p:txBody>
-          </p:sp>
-          <p:sp>
-            <p:nvSpPr>
-              <p:cNvPr id="51" name="Text Box 2"/>
-              <p:cNvSpPr txBox="1">
-                <a:spLocks noChangeArrowheads="1"/>
-              </p:cNvSpPr>
-              <p:nvPr/>
-            </p:nvSpPr>
-            <p:spPr bwMode="auto">
-              <a:xfrm>
-                <a:off x="30453" y="68580"/>
-                <a:ext cx="365760" cy="251460"/>
-              </a:xfrm>
-              <a:prstGeom prst="rect">
-                <a:avLst/>
-              </a:prstGeom>
-              <a:noFill/>
-              <a:ln w="9525">
-                <a:noFill/>
-                <a:miter lim="800000"/>
-                <a:headEnd/>
-                <a:tailEnd/>
-              </a:ln>
-            </p:spPr>
-            <p:txBody>
-              <a:bodyPr rot="0" vert="horz" wrap="square" lIns="91440" tIns="45720" rIns="91440" bIns="45720" anchor="t" anchorCtr="0">
-                <a:noAutofit/>
-              </a:bodyPr>
-              <a:lstStyle/>
-              <a:p>
-                <a:pPr marL="0" marR="0">
-                  <a:lnSpc>
-                    <a:spcPct val="112000"/>
-                  </a:lnSpc>
-                  <a:spcBef>
-                    <a:spcPts val="0"/>
-                  </a:spcBef>
-                  <a:spcAft>
-                    <a:spcPts val="600"/>
-                  </a:spcAft>
-                </a:pPr>
-                <a:r>
-                  <a:rPr lang="en-US" sz="1000" dirty="0">
-                    <a:solidFill>
-                      <a:srgbClr val="009DEC"/>
-                    </a:solidFill>
-                    <a:effectLst/>
-                    <a:latin typeface="Arial" panose="020B0604020202020204" pitchFamily="34" charset="0"/>
-                    <a:ea typeface="Times New Roman" panose="02020603050405020304" pitchFamily="18" charset="0"/>
-                    <a:cs typeface="Times New Roman" panose="02020603050405020304" pitchFamily="18" charset="0"/>
-                  </a:rPr>
-                  <a:t>a1</a:t>
-                </a:r>
-                <a:endParaRPr lang="en-US" sz="1000" dirty="0">
-                  <a:effectLst/>
-                  <a:latin typeface="Arial" panose="020B0604020202020204" pitchFamily="34" charset="0"/>
-                  <a:ea typeface="Times New Roman" panose="02020603050405020304" pitchFamily="18" charset="0"/>
-                  <a:cs typeface="Times New Roman" panose="02020603050405020304" pitchFamily="18" charset="0"/>
-                </a:endParaRPr>
-              </a:p>
-            </p:txBody>
-          </p:sp>
-        </p:grpSp>
-        <p:grpSp>
-          <p:nvGrpSpPr>
-            <p:cNvPr id="46" name="Group 45"/>
-            <p:cNvGrpSpPr/>
-            <p:nvPr/>
-          </p:nvGrpSpPr>
-          <p:grpSpPr>
-            <a:xfrm>
-              <a:off x="3138826" y="2294232"/>
-              <a:ext cx="395350" cy="388620"/>
-              <a:chOff x="0" y="0"/>
-              <a:chExt cx="395350" cy="388620"/>
-            </a:xfrm>
-          </p:grpSpPr>
-          <p:sp>
-            <p:nvSpPr>
-              <p:cNvPr id="48" name="Rectangle 47"/>
-              <p:cNvSpPr/>
-              <p:nvPr/>
-            </p:nvSpPr>
-            <p:spPr>
-              <a:xfrm>
-                <a:off x="0" y="0"/>
-                <a:ext cx="388620" cy="388620"/>
-              </a:xfrm>
-              <a:prstGeom prst="rect">
-                <a:avLst/>
-              </a:prstGeom>
-              <a:noFill/>
-              <a:ln w="19050">
-                <a:solidFill>
-                  <a:schemeClr val="accent1"/>
-                </a:solidFill>
-              </a:ln>
-            </p:spPr>
-            <p:style>
-              <a:lnRef idx="2">
-                <a:schemeClr val="accent1">
-                  <a:shade val="50000"/>
-                </a:schemeClr>
-              </a:lnRef>
-              <a:fillRef idx="1">
-                <a:schemeClr val="accent1"/>
-              </a:fillRef>
-              <a:effectRef idx="0">
-                <a:schemeClr val="accent1"/>
-              </a:effectRef>
-              <a:fontRef idx="minor">
-                <a:schemeClr val="lt1"/>
-              </a:fontRef>
-            </p:style>
-            <p:txBody>
-              <a:bodyPr rot="0" spcFirstLastPara="0" vert="horz" wrap="square" lIns="0" tIns="0" rIns="0" bIns="0" numCol="1" spcCol="0" rtlCol="0" fromWordArt="0" anchor="t" anchorCtr="0" forceAA="0" compatLnSpc="1">
-                <a:prstTxWarp prst="textNoShape">
-                  <a:avLst/>
-                </a:prstTxWarp>
-                <a:noAutofit/>
-              </a:bodyPr>
-              <a:lstStyle/>
-              <a:p>
-                <a:endParaRPr lang="en-US"/>
-              </a:p>
-            </p:txBody>
-          </p:sp>
-          <p:sp>
-            <p:nvSpPr>
-              <p:cNvPr id="49" name="Text Box 2"/>
-              <p:cNvSpPr txBox="1">
-                <a:spLocks noChangeArrowheads="1"/>
-              </p:cNvSpPr>
-              <p:nvPr/>
-            </p:nvSpPr>
-            <p:spPr bwMode="auto">
-              <a:xfrm>
-                <a:off x="29590" y="68580"/>
-                <a:ext cx="365760" cy="251460"/>
-              </a:xfrm>
-              <a:prstGeom prst="rect">
-                <a:avLst/>
-              </a:prstGeom>
-              <a:noFill/>
-              <a:ln w="9525">
-                <a:noFill/>
-                <a:miter lim="800000"/>
-                <a:headEnd/>
-                <a:tailEnd/>
-              </a:ln>
-            </p:spPr>
-            <p:txBody>
-              <a:bodyPr rot="0" vert="horz" wrap="square" lIns="91440" tIns="45720" rIns="91440" bIns="45720" anchor="t" anchorCtr="0">
-                <a:noAutofit/>
-              </a:bodyPr>
-              <a:lstStyle/>
-              <a:p>
-                <a:pPr marL="0" marR="0">
-                  <a:lnSpc>
-                    <a:spcPct val="112000"/>
-                  </a:lnSpc>
-                  <a:spcBef>
-                    <a:spcPts val="0"/>
-                  </a:spcBef>
-                  <a:spcAft>
-                    <a:spcPts val="600"/>
-                  </a:spcAft>
-                </a:pPr>
-                <a:r>
-                  <a:rPr lang="en-US" sz="1000" dirty="0">
-                    <a:solidFill>
-                      <a:srgbClr val="009DEC"/>
-                    </a:solidFill>
-                    <a:effectLst/>
-                    <a:latin typeface="Arial" panose="020B0604020202020204" pitchFamily="34" charset="0"/>
-                    <a:ea typeface="Times New Roman" panose="02020603050405020304" pitchFamily="18" charset="0"/>
-                    <a:cs typeface="Times New Roman" panose="02020603050405020304" pitchFamily="18" charset="0"/>
-                  </a:rPr>
-                  <a:t>b1</a:t>
-                </a:r>
-                <a:endParaRPr lang="en-US" sz="1000" dirty="0">
-                  <a:effectLst/>
-                  <a:latin typeface="Arial" panose="020B0604020202020204" pitchFamily="34" charset="0"/>
-                  <a:ea typeface="Times New Roman" panose="02020603050405020304" pitchFamily="18" charset="0"/>
-                  <a:cs typeface="Times New Roman" panose="02020603050405020304" pitchFamily="18" charset="0"/>
-                </a:endParaRPr>
-              </a:p>
-            </p:txBody>
-          </p:sp>
-        </p:grpSp>
-        <p:cxnSp>
-          <p:nvCxnSpPr>
-            <p:cNvPr id="30" name="Straight Connector 29"/>
-            <p:cNvCxnSpPr/>
-            <p:nvPr/>
-          </p:nvCxnSpPr>
-          <p:spPr>
-            <a:xfrm>
-              <a:off x="2825884" y="2682852"/>
-              <a:ext cx="0" cy="706083"/>
-            </a:xfrm>
-            <a:prstGeom prst="line">
-              <a:avLst/>
-            </a:prstGeom>
-            <a:ln w="19050"/>
-          </p:spPr>
-          <p:style>
-            <a:lnRef idx="1">
-              <a:schemeClr val="accent1"/>
-            </a:lnRef>
-            <a:fillRef idx="0">
-              <a:schemeClr val="accent1"/>
-            </a:fillRef>
-            <a:effectRef idx="0">
-              <a:schemeClr val="accent1"/>
-            </a:effectRef>
-            <a:fontRef idx="minor">
-              <a:schemeClr val="tx1"/>
-            </a:fontRef>
-          </p:style>
-        </p:cxnSp>
-        <p:cxnSp>
-          <p:nvCxnSpPr>
-            <p:cNvPr id="16" name="Straight Connector 15"/>
-            <p:cNvCxnSpPr/>
-            <p:nvPr/>
-          </p:nvCxnSpPr>
-          <p:spPr>
-            <a:xfrm>
-              <a:off x="4067944" y="2996952"/>
-              <a:ext cx="0" cy="1821180"/>
-            </a:xfrm>
-            <a:prstGeom prst="line">
-              <a:avLst/>
-            </a:prstGeom>
-            <a:ln w="38100">
-              <a:solidFill>
-                <a:schemeClr val="accent2"/>
-              </a:solidFill>
-              <a:prstDash val="sysDash"/>
-            </a:ln>
-          </p:spPr>
-          <p:style>
-            <a:lnRef idx="1">
-              <a:schemeClr val="accent1"/>
-            </a:lnRef>
-            <a:fillRef idx="0">
-              <a:schemeClr val="accent1"/>
-            </a:fillRef>
-            <a:effectRef idx="0">
-              <a:schemeClr val="accent1"/>
-            </a:effectRef>
-            <a:fontRef idx="minor">
-              <a:schemeClr val="tx1"/>
-            </a:fontRef>
-          </p:style>
-        </p:cxnSp>
-        <p:cxnSp>
-          <p:nvCxnSpPr>
-            <p:cNvPr id="17" name="Straight Connector 16"/>
-            <p:cNvCxnSpPr/>
-            <p:nvPr/>
-          </p:nvCxnSpPr>
-          <p:spPr>
-            <a:xfrm>
-              <a:off x="5396606" y="2996952"/>
-              <a:ext cx="0" cy="1821180"/>
-            </a:xfrm>
-            <a:prstGeom prst="line">
-              <a:avLst/>
-            </a:prstGeom>
-            <a:ln w="38100">
-              <a:solidFill>
-                <a:schemeClr val="accent1"/>
-              </a:solidFill>
-              <a:prstDash val="sysDash"/>
-            </a:ln>
-          </p:spPr>
-          <p:style>
-            <a:lnRef idx="1">
-              <a:schemeClr val="accent1"/>
-            </a:lnRef>
-            <a:fillRef idx="0">
-              <a:schemeClr val="accent1"/>
-            </a:fillRef>
-            <a:effectRef idx="0">
-              <a:schemeClr val="accent1"/>
-            </a:effectRef>
-            <a:fontRef idx="minor">
-              <a:schemeClr val="tx1"/>
-            </a:fontRef>
-          </p:style>
-        </p:cxnSp>
-        <p:sp>
-          <p:nvSpPr>
-            <p:cNvPr id="18" name="Text Box 2"/>
-            <p:cNvSpPr txBox="1">
-              <a:spLocks noChangeArrowheads="1"/>
-            </p:cNvSpPr>
-            <p:nvPr/>
-          </p:nvSpPr>
-          <p:spPr bwMode="auto">
-            <a:xfrm>
-              <a:off x="3487245" y="4854498"/>
-              <a:ext cx="1173480" cy="289560"/>
-            </a:xfrm>
-            <a:prstGeom prst="rect">
-              <a:avLst/>
-            </a:prstGeom>
-            <a:noFill/>
-            <a:ln w="9525">
-              <a:noFill/>
-              <a:miter lim="800000"/>
-              <a:headEnd/>
-              <a:tailEnd/>
-            </a:ln>
-          </p:spPr>
-          <p:txBody>
-            <a:bodyPr rot="0" vert="horz" wrap="square" lIns="91440" tIns="45720" rIns="91440" bIns="45720" anchor="t" anchorCtr="0">
-              <a:noAutofit/>
-            </a:bodyPr>
-            <a:lstStyle/>
-            <a:p>
-              <a:pPr marL="0" marR="0">
-                <a:lnSpc>
-                  <a:spcPct val="112000"/>
-                </a:lnSpc>
-                <a:spcBef>
-                  <a:spcPts val="0"/>
-                </a:spcBef>
-                <a:spcAft>
-                  <a:spcPts val="600"/>
-                </a:spcAft>
-              </a:pPr>
-              <a:r>
-                <a:rPr lang="en-US" sz="1000" dirty="0">
-                  <a:solidFill>
-                    <a:schemeClr val="accent2"/>
-                  </a:solidFill>
-                  <a:effectLst/>
-                  <a:latin typeface="Arial" panose="020B0604020202020204" pitchFamily="34" charset="0"/>
-                  <a:ea typeface="Times New Roman" panose="02020603050405020304" pitchFamily="18" charset="0"/>
-                  <a:cs typeface="Times New Roman" panose="02020603050405020304" pitchFamily="18" charset="0"/>
-                </a:rPr>
-                <a:t>Power Cal. Plane</a:t>
-              </a:r>
-            </a:p>
-            <a:p>
-              <a:pPr marL="0" marR="0">
-                <a:lnSpc>
-                  <a:spcPct val="112000"/>
-                </a:lnSpc>
-                <a:spcBef>
-                  <a:spcPts val="0"/>
-                </a:spcBef>
-                <a:spcAft>
-                  <a:spcPts val="600"/>
-                </a:spcAft>
-              </a:pPr>
-              <a:r>
-                <a:rPr lang="en-US" sz="1000" dirty="0">
-                  <a:solidFill>
-                    <a:schemeClr val="accent2"/>
-                  </a:solidFill>
-                  <a:effectLst/>
-                  <a:latin typeface="Arial" panose="020B0604020202020204" pitchFamily="34" charset="0"/>
-                  <a:ea typeface="Times New Roman" panose="02020603050405020304" pitchFamily="18" charset="0"/>
-                  <a:cs typeface="Times New Roman" panose="02020603050405020304" pitchFamily="18" charset="0"/>
-                </a:rPr>
-                <a:t> </a:t>
-              </a:r>
-            </a:p>
-          </p:txBody>
-        </p:sp>
-        <p:sp>
-          <p:nvSpPr>
-            <p:cNvPr id="19" name="Text Box 2"/>
-            <p:cNvSpPr txBox="1">
-              <a:spLocks noChangeArrowheads="1"/>
-            </p:cNvSpPr>
-            <p:nvPr/>
-          </p:nvSpPr>
-          <p:spPr bwMode="auto">
-            <a:xfrm>
-              <a:off x="4161858" y="4250447"/>
-              <a:ext cx="1272540" cy="289560"/>
-            </a:xfrm>
-            <a:prstGeom prst="rect">
-              <a:avLst/>
-            </a:prstGeom>
-            <a:noFill/>
-            <a:ln w="9525">
-              <a:noFill/>
-              <a:miter lim="800000"/>
-              <a:headEnd/>
-              <a:tailEnd/>
-            </a:ln>
-          </p:spPr>
-          <p:txBody>
-            <a:bodyPr rot="0" vert="horz" wrap="square" lIns="91440" tIns="45720" rIns="91440" bIns="45720" anchor="t" anchorCtr="0">
-              <a:noAutofit/>
-            </a:bodyPr>
-            <a:lstStyle/>
-            <a:p>
-              <a:pPr marL="0" marR="0">
-                <a:lnSpc>
-                  <a:spcPct val="112000"/>
-                </a:lnSpc>
-                <a:spcBef>
-                  <a:spcPts val="0"/>
-                </a:spcBef>
-                <a:spcAft>
-                  <a:spcPts val="600"/>
-                </a:spcAft>
-              </a:pPr>
-              <a:r>
-                <a:rPr lang="en-US" sz="1000" dirty="0" smtClean="0">
-                  <a:solidFill>
-                    <a:schemeClr val="accent1"/>
-                  </a:solidFill>
-                  <a:effectLst/>
-                  <a:latin typeface="Arial" panose="020B0604020202020204" pitchFamily="34" charset="0"/>
-                  <a:ea typeface="Times New Roman" panose="02020603050405020304" pitchFamily="18" charset="0"/>
-                  <a:cs typeface="Times New Roman" panose="02020603050405020304" pitchFamily="18" charset="0"/>
-                </a:rPr>
-                <a:t>Calibration </a:t>
-              </a:r>
-              <a:r>
-                <a:rPr lang="en-US" sz="1000" dirty="0">
-                  <a:solidFill>
-                    <a:schemeClr val="accent1"/>
-                  </a:solidFill>
-                  <a:effectLst/>
-                  <a:latin typeface="Arial" panose="020B0604020202020204" pitchFamily="34" charset="0"/>
-                  <a:ea typeface="Times New Roman" panose="02020603050405020304" pitchFamily="18" charset="0"/>
-                  <a:cs typeface="Times New Roman" panose="02020603050405020304" pitchFamily="18" charset="0"/>
-                </a:rPr>
-                <a:t>Planes</a:t>
-              </a:r>
-            </a:p>
-            <a:p>
-              <a:pPr marL="0" marR="0">
-                <a:lnSpc>
-                  <a:spcPct val="112000"/>
-                </a:lnSpc>
-                <a:spcBef>
-                  <a:spcPts val="0"/>
-                </a:spcBef>
-                <a:spcAft>
-                  <a:spcPts val="600"/>
-                </a:spcAft>
-              </a:pPr>
-              <a:r>
-                <a:rPr lang="en-US" sz="1000" dirty="0">
-                  <a:solidFill>
-                    <a:schemeClr val="accent1"/>
-                  </a:solidFill>
-                  <a:effectLst/>
-                  <a:latin typeface="Arial" panose="020B0604020202020204" pitchFamily="34" charset="0"/>
-                  <a:ea typeface="Times New Roman" panose="02020603050405020304" pitchFamily="18" charset="0"/>
-                  <a:cs typeface="Times New Roman" panose="02020603050405020304" pitchFamily="18" charset="0"/>
-                </a:rPr>
-                <a:t> </a:t>
-              </a:r>
-            </a:p>
-          </p:txBody>
-        </p:sp>
-        <p:grpSp>
-          <p:nvGrpSpPr>
-            <p:cNvPr id="97" name="Group 96"/>
-            <p:cNvGrpSpPr/>
-            <p:nvPr/>
-          </p:nvGrpSpPr>
-          <p:grpSpPr>
-            <a:xfrm>
-              <a:off x="471353" y="1897992"/>
-              <a:ext cx="3284693" cy="937260"/>
-              <a:chOff x="471354" y="1897992"/>
-              <a:chExt cx="3154630" cy="937260"/>
-            </a:xfrm>
-          </p:grpSpPr>
-          <p:sp>
-            <p:nvSpPr>
-              <p:cNvPr id="47" name="Rectangle 46"/>
-              <p:cNvSpPr/>
-              <p:nvPr/>
-            </p:nvSpPr>
-            <p:spPr>
-              <a:xfrm>
-                <a:off x="471354" y="2149452"/>
-                <a:ext cx="3154630" cy="685800"/>
-              </a:xfrm>
-              <a:prstGeom prst="rect">
-                <a:avLst/>
-              </a:prstGeom>
-              <a:noFill/>
-              <a:ln w="19050">
-                <a:solidFill>
-                  <a:schemeClr val="accent1"/>
-                </a:solidFill>
-                <a:prstDash val="sysDot"/>
-              </a:ln>
-            </p:spPr>
-            <p:style>
-              <a:lnRef idx="2">
-                <a:schemeClr val="accent1">
-                  <a:shade val="50000"/>
-                </a:schemeClr>
-              </a:lnRef>
-              <a:fillRef idx="1">
-                <a:schemeClr val="accent1"/>
-              </a:fillRef>
-              <a:effectRef idx="0">
-                <a:schemeClr val="accent1"/>
-              </a:effectRef>
-              <a:fontRef idx="minor">
-                <a:schemeClr val="lt1"/>
-              </a:fontRef>
-            </p:style>
-            <p:txBody>
-              <a:bodyPr rot="0" spcFirstLastPara="0" vert="horz" wrap="square" lIns="0" tIns="0" rIns="0" bIns="0" numCol="1" spcCol="0" rtlCol="0" fromWordArt="0" anchor="t" anchorCtr="0" forceAA="0" compatLnSpc="1">
-                <a:prstTxWarp prst="textNoShape">
-                  <a:avLst/>
-                </a:prstTxWarp>
-                <a:noAutofit/>
-              </a:bodyPr>
-              <a:lstStyle/>
-              <a:p>
-                <a:endParaRPr lang="en-US"/>
-              </a:p>
-            </p:txBody>
-          </p:sp>
-          <p:sp>
-            <p:nvSpPr>
-              <p:cNvPr id="8" name="Text Box 2"/>
-              <p:cNvSpPr txBox="1">
-                <a:spLocks noChangeArrowheads="1"/>
-              </p:cNvSpPr>
-              <p:nvPr/>
-            </p:nvSpPr>
-            <p:spPr bwMode="auto">
-              <a:xfrm>
-                <a:off x="471613" y="1897992"/>
-                <a:ext cx="556260" cy="251460"/>
-              </a:xfrm>
-              <a:prstGeom prst="rect">
-                <a:avLst/>
-              </a:prstGeom>
-              <a:noFill/>
-              <a:ln w="9525">
-                <a:noFill/>
-                <a:miter lim="800000"/>
-                <a:headEnd/>
-                <a:tailEnd/>
-              </a:ln>
-            </p:spPr>
-            <p:txBody>
-              <a:bodyPr rot="0" vert="horz" wrap="square" lIns="91440" tIns="45720" rIns="91440" bIns="45720" anchor="t" anchorCtr="0">
-                <a:noAutofit/>
-              </a:bodyPr>
-              <a:lstStyle/>
-              <a:p>
-                <a:pPr marL="0" marR="0">
-                  <a:lnSpc>
-                    <a:spcPct val="112000"/>
-                  </a:lnSpc>
-                  <a:spcBef>
-                    <a:spcPts val="0"/>
-                  </a:spcBef>
-                  <a:spcAft>
-                    <a:spcPts val="600"/>
-                  </a:spcAft>
-                </a:pPr>
-                <a:r>
-                  <a:rPr lang="en-US" sz="1000" dirty="0">
-                    <a:solidFill>
-                      <a:srgbClr val="009DEC"/>
-                    </a:solidFill>
-                    <a:effectLst/>
-                    <a:latin typeface="Arial" panose="020B0604020202020204" pitchFamily="34" charset="0"/>
-                    <a:ea typeface="Times New Roman" panose="02020603050405020304" pitchFamily="18" charset="0"/>
-                    <a:cs typeface="Times New Roman" panose="02020603050405020304" pitchFamily="18" charset="0"/>
-                  </a:rPr>
-                  <a:t>Port1</a:t>
-                </a:r>
-                <a:endParaRPr lang="en-US" sz="1000" dirty="0">
-                  <a:effectLst/>
-                  <a:latin typeface="Arial" panose="020B0604020202020204" pitchFamily="34" charset="0"/>
-                  <a:ea typeface="Times New Roman" panose="02020603050405020304" pitchFamily="18" charset="0"/>
-                  <a:cs typeface="Times New Roman" panose="02020603050405020304" pitchFamily="18" charset="0"/>
-                </a:endParaRPr>
-              </a:p>
-            </p:txBody>
-          </p:sp>
-        </p:grpSp>
-        <p:grpSp>
-          <p:nvGrpSpPr>
-            <p:cNvPr id="98" name="Group 97"/>
-            <p:cNvGrpSpPr/>
-            <p:nvPr/>
-          </p:nvGrpSpPr>
-          <p:grpSpPr>
-            <a:xfrm>
-              <a:off x="5580112" y="1897992"/>
-              <a:ext cx="2483359" cy="939800"/>
-              <a:chOff x="5580112" y="1844824"/>
-              <a:chExt cx="2483359" cy="939800"/>
-            </a:xfrm>
-          </p:grpSpPr>
-          <p:grpSp>
-            <p:nvGrpSpPr>
-              <p:cNvPr id="34" name="Group 33"/>
-              <p:cNvGrpSpPr/>
-              <p:nvPr/>
-            </p:nvGrpSpPr>
-            <p:grpSpPr>
-              <a:xfrm>
-                <a:off x="7452320" y="2209314"/>
-                <a:ext cx="457200" cy="457200"/>
-                <a:chOff x="-829320" y="0"/>
-                <a:chExt cx="457200" cy="457200"/>
-              </a:xfrm>
-            </p:grpSpPr>
-            <p:sp>
-              <p:nvSpPr>
-                <p:cNvPr id="42" name="Oval 41"/>
-                <p:cNvSpPr/>
-                <p:nvPr/>
-              </p:nvSpPr>
-              <p:spPr>
-                <a:xfrm>
-                  <a:off x="-829320" y="0"/>
-                  <a:ext cx="457200" cy="457200"/>
-                </a:xfrm>
-                <a:prstGeom prst="ellipse">
-                  <a:avLst/>
-                </a:prstGeom>
-                <a:noFill/>
-                <a:ln w="19050">
-                  <a:solidFill>
-                    <a:schemeClr val="accent1"/>
-                  </a:solidFill>
-                </a:ln>
-              </p:spPr>
-              <p:style>
-                <a:lnRef idx="2">
-                  <a:schemeClr val="accent1">
-                    <a:shade val="50000"/>
-                  </a:schemeClr>
-                </a:lnRef>
-                <a:fillRef idx="1">
-                  <a:schemeClr val="accent1"/>
-                </a:fillRef>
-                <a:effectRef idx="0">
-                  <a:schemeClr val="accent1"/>
-                </a:effectRef>
-                <a:fontRef idx="minor">
-                  <a:schemeClr val="lt1"/>
-                </a:fontRef>
-              </p:style>
-              <p:txBody>
-                <a:bodyPr rot="0" spcFirstLastPara="0" vert="horz" wrap="square" lIns="0" tIns="0" rIns="0" bIns="0" numCol="1" spcCol="0" rtlCol="0" fromWordArt="0" anchor="t" anchorCtr="0" forceAA="0" compatLnSpc="1">
-                  <a:prstTxWarp prst="textNoShape">
-                    <a:avLst/>
-                  </a:prstTxWarp>
-                  <a:noAutofit/>
-                </a:bodyPr>
-                <a:lstStyle/>
-                <a:p>
-                  <a:endParaRPr lang="en-US"/>
-                </a:p>
-              </p:txBody>
-            </p:sp>
-            <p:sp>
-              <p:nvSpPr>
-                <p:cNvPr id="43" name="Text Box 2"/>
-                <p:cNvSpPr txBox="1">
-                  <a:spLocks noChangeArrowheads="1"/>
-                </p:cNvSpPr>
-                <p:nvPr/>
-              </p:nvSpPr>
-              <p:spPr bwMode="auto">
-                <a:xfrm>
-                  <a:off x="-763560" y="96457"/>
-                  <a:ext cx="365760" cy="251460"/>
-                </a:xfrm>
-                <a:prstGeom prst="rect">
-                  <a:avLst/>
-                </a:prstGeom>
-                <a:noFill/>
-                <a:ln w="9525">
-                  <a:noFill/>
-                  <a:miter lim="800000"/>
-                  <a:headEnd/>
-                  <a:tailEnd/>
-                </a:ln>
-              </p:spPr>
-              <p:txBody>
-                <a:bodyPr rot="0" vert="horz" wrap="square" lIns="91440" tIns="45720" rIns="91440" bIns="45720" anchor="t" anchorCtr="0">
-                  <a:noAutofit/>
-                </a:bodyPr>
-                <a:lstStyle/>
-                <a:p>
-                  <a:pPr marL="0" marR="0">
-                    <a:lnSpc>
-                      <a:spcPct val="112000"/>
-                    </a:lnSpc>
-                    <a:spcBef>
-                      <a:spcPts val="0"/>
-                    </a:spcBef>
-                    <a:spcAft>
-                      <a:spcPts val="600"/>
-                    </a:spcAft>
-                  </a:pPr>
-                  <a:r>
-                    <a:rPr lang="en-US" sz="1000" dirty="0">
-                      <a:solidFill>
-                        <a:srgbClr val="009DEC"/>
-                      </a:solidFill>
-                      <a:effectLst/>
-                      <a:latin typeface="Arial" panose="020B0604020202020204" pitchFamily="34" charset="0"/>
-                      <a:ea typeface="Times New Roman" panose="02020603050405020304" pitchFamily="18" charset="0"/>
-                      <a:cs typeface="Times New Roman" panose="02020603050405020304" pitchFamily="18" charset="0"/>
-                    </a:rPr>
-                    <a:t>S2</a:t>
-                  </a:r>
-                  <a:endParaRPr lang="en-US" sz="1000" dirty="0">
-                    <a:effectLst/>
-                    <a:latin typeface="Arial" panose="020B0604020202020204" pitchFamily="34" charset="0"/>
-                    <a:ea typeface="Times New Roman" panose="02020603050405020304" pitchFamily="18" charset="0"/>
-                    <a:cs typeface="Times New Roman" panose="02020603050405020304" pitchFamily="18" charset="0"/>
-                  </a:endParaRPr>
-                </a:p>
-              </p:txBody>
-            </p:sp>
-          </p:grpSp>
-          <p:grpSp>
-            <p:nvGrpSpPr>
-              <p:cNvPr id="35" name="Group 34"/>
-              <p:cNvGrpSpPr/>
-              <p:nvPr/>
-            </p:nvGrpSpPr>
-            <p:grpSpPr>
-              <a:xfrm>
-                <a:off x="6440428" y="2236414"/>
-                <a:ext cx="396358" cy="388620"/>
-                <a:chOff x="0" y="-15088"/>
-                <a:chExt cx="396358" cy="388620"/>
-              </a:xfrm>
-            </p:grpSpPr>
-            <p:sp>
-              <p:nvSpPr>
-                <p:cNvPr id="40" name="Rectangle 39"/>
-                <p:cNvSpPr/>
-                <p:nvPr/>
-              </p:nvSpPr>
-              <p:spPr>
-                <a:xfrm>
-                  <a:off x="0" y="-15088"/>
-                  <a:ext cx="388620" cy="388620"/>
-                </a:xfrm>
-                <a:prstGeom prst="rect">
-                  <a:avLst/>
-                </a:prstGeom>
-                <a:noFill/>
-                <a:ln w="19050">
-                  <a:solidFill>
-                    <a:schemeClr val="accent1"/>
-                  </a:solidFill>
-                </a:ln>
-              </p:spPr>
-              <p:style>
-                <a:lnRef idx="2">
-                  <a:schemeClr val="accent1">
-                    <a:shade val="50000"/>
-                  </a:schemeClr>
-                </a:lnRef>
-                <a:fillRef idx="1">
-                  <a:schemeClr val="accent1"/>
-                </a:fillRef>
-                <a:effectRef idx="0">
-                  <a:schemeClr val="accent1"/>
-                </a:effectRef>
-                <a:fontRef idx="minor">
-                  <a:schemeClr val="lt1"/>
-                </a:fontRef>
-              </p:style>
-              <p:txBody>
-                <a:bodyPr rot="0" spcFirstLastPara="0" vert="horz" wrap="square" lIns="0" tIns="0" rIns="0" bIns="0" numCol="1" spcCol="0" rtlCol="0" fromWordArt="0" anchor="t" anchorCtr="0" forceAA="0" compatLnSpc="1">
-                  <a:prstTxWarp prst="textNoShape">
-                    <a:avLst/>
-                  </a:prstTxWarp>
-                  <a:noAutofit/>
-                </a:bodyPr>
-                <a:lstStyle/>
-                <a:p>
-                  <a:endParaRPr lang="en-US"/>
-                </a:p>
-              </p:txBody>
-            </p:sp>
-            <p:sp>
-              <p:nvSpPr>
-                <p:cNvPr id="41" name="Text Box 2"/>
-                <p:cNvSpPr txBox="1">
-                  <a:spLocks noChangeArrowheads="1"/>
-                </p:cNvSpPr>
-                <p:nvPr/>
-              </p:nvSpPr>
-              <p:spPr bwMode="auto">
-                <a:xfrm>
-                  <a:off x="30598" y="68580"/>
-                  <a:ext cx="365760" cy="251460"/>
-                </a:xfrm>
-                <a:prstGeom prst="rect">
-                  <a:avLst/>
-                </a:prstGeom>
-                <a:noFill/>
-                <a:ln w="9525">
-                  <a:noFill/>
-                  <a:miter lim="800000"/>
-                  <a:headEnd/>
-                  <a:tailEnd/>
-                </a:ln>
-              </p:spPr>
-              <p:txBody>
-                <a:bodyPr rot="0" vert="horz" wrap="square" lIns="91440" tIns="45720" rIns="91440" bIns="45720" anchor="t" anchorCtr="0">
-                  <a:noAutofit/>
-                </a:bodyPr>
-                <a:lstStyle/>
-                <a:p>
-                  <a:pPr marL="0" marR="0">
-                    <a:lnSpc>
-                      <a:spcPct val="112000"/>
-                    </a:lnSpc>
-                    <a:spcBef>
-                      <a:spcPts val="0"/>
-                    </a:spcBef>
-                    <a:spcAft>
-                      <a:spcPts val="600"/>
-                    </a:spcAft>
-                  </a:pPr>
-                  <a:r>
-                    <a:rPr lang="en-US" sz="1000" dirty="0">
-                      <a:solidFill>
-                        <a:srgbClr val="009DEC"/>
-                      </a:solidFill>
-                      <a:effectLst/>
-                      <a:latin typeface="Arial" panose="020B0604020202020204" pitchFamily="34" charset="0"/>
-                      <a:ea typeface="Times New Roman" panose="02020603050405020304" pitchFamily="18" charset="0"/>
-                      <a:cs typeface="Times New Roman" panose="02020603050405020304" pitchFamily="18" charset="0"/>
-                    </a:rPr>
-                    <a:t>a2</a:t>
-                  </a:r>
-                  <a:endParaRPr lang="en-US" sz="1000" dirty="0">
-                    <a:effectLst/>
-                    <a:latin typeface="Arial" panose="020B0604020202020204" pitchFamily="34" charset="0"/>
-                    <a:ea typeface="Times New Roman" panose="02020603050405020304" pitchFamily="18" charset="0"/>
-                    <a:cs typeface="Times New Roman" panose="02020603050405020304" pitchFamily="18" charset="0"/>
-                  </a:endParaRPr>
-                </a:p>
-              </p:txBody>
-            </p:sp>
-          </p:grpSp>
-          <p:grpSp>
-            <p:nvGrpSpPr>
-              <p:cNvPr id="36" name="Group 35"/>
-              <p:cNvGrpSpPr/>
-              <p:nvPr/>
-            </p:nvGrpSpPr>
-            <p:grpSpPr>
-              <a:xfrm>
-                <a:off x="5831626" y="2237231"/>
-                <a:ext cx="394830" cy="388620"/>
-                <a:chOff x="0" y="-16086"/>
-                <a:chExt cx="394830" cy="388620"/>
-              </a:xfrm>
-            </p:grpSpPr>
-            <p:sp>
-              <p:nvSpPr>
-                <p:cNvPr id="38" name="Rectangle 37"/>
-                <p:cNvSpPr/>
-                <p:nvPr/>
-              </p:nvSpPr>
-              <p:spPr>
-                <a:xfrm>
-                  <a:off x="0" y="-16086"/>
-                  <a:ext cx="388620" cy="388620"/>
-                </a:xfrm>
-                <a:prstGeom prst="rect">
-                  <a:avLst/>
-                </a:prstGeom>
-                <a:noFill/>
-                <a:ln w="19050">
-                  <a:solidFill>
-                    <a:schemeClr val="accent1"/>
-                  </a:solidFill>
-                </a:ln>
-              </p:spPr>
-              <p:style>
-                <a:lnRef idx="2">
-                  <a:schemeClr val="accent1">
-                    <a:shade val="50000"/>
-                  </a:schemeClr>
-                </a:lnRef>
-                <a:fillRef idx="1">
-                  <a:schemeClr val="accent1"/>
-                </a:fillRef>
-                <a:effectRef idx="0">
-                  <a:schemeClr val="accent1"/>
-                </a:effectRef>
-                <a:fontRef idx="minor">
-                  <a:schemeClr val="lt1"/>
-                </a:fontRef>
-              </p:style>
-              <p:txBody>
-                <a:bodyPr rot="0" spcFirstLastPara="0" vert="horz" wrap="square" lIns="0" tIns="0" rIns="0" bIns="0" numCol="1" spcCol="0" rtlCol="0" fromWordArt="0" anchor="t" anchorCtr="0" forceAA="0" compatLnSpc="1">
-                  <a:prstTxWarp prst="textNoShape">
-                    <a:avLst/>
-                  </a:prstTxWarp>
-                  <a:noAutofit/>
-                </a:bodyPr>
-                <a:lstStyle/>
-                <a:p>
-                  <a:endParaRPr lang="en-US"/>
-                </a:p>
-              </p:txBody>
-            </p:sp>
-            <p:sp>
-              <p:nvSpPr>
-                <p:cNvPr id="39" name="Text Box 2"/>
-                <p:cNvSpPr txBox="1">
-                  <a:spLocks noChangeArrowheads="1"/>
-                </p:cNvSpPr>
-                <p:nvPr/>
-              </p:nvSpPr>
-              <p:spPr bwMode="auto">
-                <a:xfrm>
-                  <a:off x="29070" y="68580"/>
-                  <a:ext cx="365760" cy="251460"/>
-                </a:xfrm>
-                <a:prstGeom prst="rect">
-                  <a:avLst/>
-                </a:prstGeom>
-                <a:noFill/>
-                <a:ln w="9525">
-                  <a:noFill/>
-                  <a:miter lim="800000"/>
-                  <a:headEnd/>
-                  <a:tailEnd/>
-                </a:ln>
-              </p:spPr>
-              <p:txBody>
-                <a:bodyPr rot="0" vert="horz" wrap="square" lIns="91440" tIns="45720" rIns="91440" bIns="45720" anchor="t" anchorCtr="0">
-                  <a:noAutofit/>
-                </a:bodyPr>
-                <a:lstStyle/>
-                <a:p>
-                  <a:pPr marL="0" marR="0">
-                    <a:lnSpc>
-                      <a:spcPct val="112000"/>
-                    </a:lnSpc>
-                    <a:spcBef>
-                      <a:spcPts val="0"/>
-                    </a:spcBef>
-                    <a:spcAft>
-                      <a:spcPts val="600"/>
-                    </a:spcAft>
-                  </a:pPr>
-                  <a:r>
-                    <a:rPr lang="en-US" sz="1000" dirty="0">
-                      <a:solidFill>
-                        <a:srgbClr val="009DEC"/>
-                      </a:solidFill>
-                      <a:effectLst/>
-                      <a:latin typeface="Arial" panose="020B0604020202020204" pitchFamily="34" charset="0"/>
-                      <a:ea typeface="Times New Roman" panose="02020603050405020304" pitchFamily="18" charset="0"/>
-                      <a:cs typeface="Times New Roman" panose="02020603050405020304" pitchFamily="18" charset="0"/>
-                    </a:rPr>
-                    <a:t>b2</a:t>
-                  </a:r>
-                  <a:endParaRPr lang="en-US" sz="1000" dirty="0">
-                    <a:effectLst/>
-                    <a:latin typeface="Arial" panose="020B0604020202020204" pitchFamily="34" charset="0"/>
-                    <a:ea typeface="Times New Roman" panose="02020603050405020304" pitchFamily="18" charset="0"/>
-                    <a:cs typeface="Times New Roman" panose="02020603050405020304" pitchFamily="18" charset="0"/>
-                  </a:endParaRPr>
-                </a:p>
-              </p:txBody>
-            </p:sp>
-          </p:grpSp>
-          <p:sp>
-            <p:nvSpPr>
-              <p:cNvPr id="37" name="Rectangle 36"/>
-              <p:cNvSpPr/>
-              <p:nvPr/>
-            </p:nvSpPr>
-            <p:spPr>
-              <a:xfrm>
-                <a:off x="5679172" y="2098824"/>
-                <a:ext cx="2384299" cy="685800"/>
-              </a:xfrm>
-              <a:prstGeom prst="rect">
-                <a:avLst/>
-              </a:prstGeom>
-              <a:noFill/>
-              <a:ln w="19050">
-                <a:solidFill>
-                  <a:schemeClr val="accent1"/>
-                </a:solidFill>
-                <a:prstDash val="sysDot"/>
-              </a:ln>
-            </p:spPr>
-            <p:style>
-              <a:lnRef idx="2">
-                <a:schemeClr val="accent1">
-                  <a:shade val="50000"/>
-                </a:schemeClr>
-              </a:lnRef>
-              <a:fillRef idx="1">
-                <a:schemeClr val="accent1"/>
-              </a:fillRef>
-              <a:effectRef idx="0">
-                <a:schemeClr val="accent1"/>
-              </a:effectRef>
-              <a:fontRef idx="minor">
-                <a:schemeClr val="lt1"/>
-              </a:fontRef>
-            </p:style>
-            <p:txBody>
-              <a:bodyPr rot="0" spcFirstLastPara="0" vert="horz" wrap="square" lIns="0" tIns="0" rIns="0" bIns="0" numCol="1" spcCol="0" rtlCol="0" fromWordArt="0" anchor="t" anchorCtr="0" forceAA="0" compatLnSpc="1">
-                <a:prstTxWarp prst="textNoShape">
-                  <a:avLst/>
-                </a:prstTxWarp>
-                <a:noAutofit/>
-              </a:bodyPr>
-              <a:lstStyle/>
-              <a:p>
-                <a:endParaRPr lang="en-US"/>
-              </a:p>
-            </p:txBody>
-          </p:sp>
-          <p:sp>
-            <p:nvSpPr>
-              <p:cNvPr id="9" name="Text Box 2"/>
-              <p:cNvSpPr txBox="1">
-                <a:spLocks noChangeArrowheads="1"/>
-              </p:cNvSpPr>
-              <p:nvPr/>
-            </p:nvSpPr>
-            <p:spPr bwMode="auto">
-              <a:xfrm>
-                <a:off x="5580112" y="1844824"/>
-                <a:ext cx="556260" cy="251460"/>
-              </a:xfrm>
-              <a:prstGeom prst="rect">
-                <a:avLst/>
-              </a:prstGeom>
-              <a:noFill/>
-              <a:ln w="9525">
-                <a:noFill/>
-                <a:miter lim="800000"/>
-                <a:headEnd/>
-                <a:tailEnd/>
-              </a:ln>
-            </p:spPr>
-            <p:txBody>
-              <a:bodyPr rot="0" vert="horz" wrap="square" lIns="91440" tIns="45720" rIns="91440" bIns="45720" anchor="t" anchorCtr="0">
-                <a:noAutofit/>
-              </a:bodyPr>
-              <a:lstStyle/>
-              <a:p>
-                <a:pPr marL="0" marR="0">
-                  <a:lnSpc>
-                    <a:spcPct val="112000"/>
-                  </a:lnSpc>
-                  <a:spcBef>
-                    <a:spcPts val="0"/>
-                  </a:spcBef>
-                  <a:spcAft>
-                    <a:spcPts val="600"/>
-                  </a:spcAft>
-                </a:pPr>
-                <a:r>
-                  <a:rPr lang="en-US" sz="1000" dirty="0" smtClean="0">
-                    <a:solidFill>
-                      <a:srgbClr val="009DEC"/>
-                    </a:solidFill>
-                    <a:effectLst/>
-                    <a:latin typeface="Arial" panose="020B0604020202020204" pitchFamily="34" charset="0"/>
-                    <a:ea typeface="Times New Roman" panose="02020603050405020304" pitchFamily="18" charset="0"/>
-                    <a:cs typeface="Times New Roman" panose="02020603050405020304" pitchFamily="18" charset="0"/>
-                  </a:rPr>
-                  <a:t>Port2</a:t>
-                </a:r>
-                <a:endParaRPr lang="en-US" sz="1000" dirty="0">
-                  <a:effectLst/>
-                  <a:latin typeface="Arial" panose="020B0604020202020204" pitchFamily="34" charset="0"/>
-                  <a:ea typeface="Times New Roman" panose="02020603050405020304" pitchFamily="18" charset="0"/>
-                  <a:cs typeface="Times New Roman" panose="02020603050405020304" pitchFamily="18" charset="0"/>
-                </a:endParaRPr>
-              </a:p>
-            </p:txBody>
-          </p:sp>
-        </p:grpSp>
-        <p:grpSp>
-          <p:nvGrpSpPr>
-            <p:cNvPr id="69" name="Group 68"/>
-            <p:cNvGrpSpPr/>
-            <p:nvPr/>
-          </p:nvGrpSpPr>
-          <p:grpSpPr>
-            <a:xfrm>
-              <a:off x="1372480" y="3118737"/>
-              <a:ext cx="774700" cy="899160"/>
-              <a:chOff x="50800" y="0"/>
-              <a:chExt cx="774700" cy="899160"/>
-            </a:xfrm>
-          </p:grpSpPr>
-          <p:sp>
-            <p:nvSpPr>
-              <p:cNvPr id="70" name="Isosceles Triangle 69"/>
-              <p:cNvSpPr/>
-              <p:nvPr/>
-            </p:nvSpPr>
-            <p:spPr>
-              <a:xfrm rot="5400000">
-                <a:off x="-11430" y="62230"/>
-                <a:ext cx="899160" cy="774700"/>
-              </a:xfrm>
-              <a:prstGeom prst="triangle">
-                <a:avLst/>
-              </a:prstGeom>
-              <a:solidFill>
-                <a:schemeClr val="bg1"/>
-              </a:solidFill>
-              <a:ln w="19050">
-                <a:solidFill>
-                  <a:schemeClr val="accent1"/>
-                </a:solidFill>
-              </a:ln>
-            </p:spPr>
-            <p:style>
-              <a:lnRef idx="2">
-                <a:schemeClr val="accent1">
-                  <a:shade val="50000"/>
-                </a:schemeClr>
-              </a:lnRef>
-              <a:fillRef idx="1">
-                <a:schemeClr val="accent1"/>
-              </a:fillRef>
-              <a:effectRef idx="0">
-                <a:schemeClr val="accent1"/>
-              </a:effectRef>
-              <a:fontRef idx="minor">
-                <a:schemeClr val="lt1"/>
-              </a:fontRef>
-            </p:style>
-            <p:txBody>
-              <a:bodyPr rot="0" spcFirstLastPara="0" vert="horz" wrap="square" lIns="0" tIns="0" rIns="0" bIns="0" numCol="1" spcCol="0" rtlCol="0" fromWordArt="0" anchor="t" anchorCtr="0" forceAA="0" compatLnSpc="1">
-                <a:prstTxWarp prst="textNoShape">
-                  <a:avLst/>
-                </a:prstTxWarp>
-                <a:noAutofit/>
-              </a:bodyPr>
-              <a:lstStyle/>
-              <a:p>
-                <a:endParaRPr lang="en-US"/>
-              </a:p>
-            </p:txBody>
-          </p:sp>
-          <p:sp>
-            <p:nvSpPr>
-              <p:cNvPr id="71" name="Text Box 2"/>
-              <p:cNvSpPr txBox="1">
-                <a:spLocks noChangeArrowheads="1"/>
-              </p:cNvSpPr>
-              <p:nvPr/>
-            </p:nvSpPr>
-            <p:spPr bwMode="auto">
-              <a:xfrm>
-                <a:off x="88900" y="332342"/>
-                <a:ext cx="532498" cy="219235"/>
-              </a:xfrm>
-              <a:prstGeom prst="rect">
-                <a:avLst/>
-              </a:prstGeom>
-              <a:noFill/>
-              <a:ln w="9525">
-                <a:noFill/>
-                <a:miter lim="800000"/>
-                <a:headEnd/>
-                <a:tailEnd/>
-              </a:ln>
-            </p:spPr>
-            <p:txBody>
-              <a:bodyPr rot="0" vert="horz" wrap="square" lIns="91440" tIns="45720" rIns="91440" bIns="45720" anchor="t" anchorCtr="0">
-                <a:noAutofit/>
-              </a:bodyPr>
-              <a:lstStyle/>
-              <a:p>
-                <a:pPr marL="0" marR="0">
-                  <a:lnSpc>
-                    <a:spcPct val="112000"/>
-                  </a:lnSpc>
-                  <a:spcBef>
-                    <a:spcPts val="0"/>
-                  </a:spcBef>
-                  <a:spcAft>
-                    <a:spcPts val="600"/>
-                  </a:spcAft>
-                </a:pPr>
-                <a:r>
-                  <a:rPr lang="en-US" sz="1000" dirty="0" smtClean="0">
-                    <a:solidFill>
-                      <a:schemeClr val="accent1"/>
-                    </a:solidFill>
-                    <a:effectLst/>
-                    <a:latin typeface="Arial" panose="020B0604020202020204" pitchFamily="34" charset="0"/>
-                    <a:ea typeface="Times New Roman" panose="02020603050405020304" pitchFamily="18" charset="0"/>
-                    <a:cs typeface="Times New Roman" panose="02020603050405020304" pitchFamily="18" charset="0"/>
-                  </a:rPr>
-                  <a:t>Driver</a:t>
-                </a:r>
-                <a:endParaRPr lang="en-US" sz="1000" dirty="0">
-                  <a:solidFill>
-                    <a:schemeClr val="accent1"/>
-                  </a:solidFill>
-                  <a:effectLst/>
-                  <a:latin typeface="Arial" panose="020B0604020202020204" pitchFamily="34" charset="0"/>
-                  <a:ea typeface="Times New Roman" panose="02020603050405020304" pitchFamily="18" charset="0"/>
-                  <a:cs typeface="Times New Roman" panose="02020603050405020304" pitchFamily="18" charset="0"/>
-                </a:endParaRPr>
-              </a:p>
-            </p:txBody>
-          </p:sp>
-        </p:grpSp>
-        <p:grpSp>
-          <p:nvGrpSpPr>
-            <p:cNvPr id="65" name="Group 64"/>
-            <p:cNvGrpSpPr/>
-            <p:nvPr/>
-          </p:nvGrpSpPr>
-          <p:grpSpPr>
-            <a:xfrm>
-              <a:off x="2330584" y="3252396"/>
-              <a:ext cx="617220" cy="464820"/>
-              <a:chOff x="0" y="0"/>
-              <a:chExt cx="617220" cy="464820"/>
-            </a:xfrm>
-          </p:grpSpPr>
-          <p:sp>
-            <p:nvSpPr>
-              <p:cNvPr id="66" name="Rectangle 65"/>
-              <p:cNvSpPr/>
-              <p:nvPr/>
-            </p:nvSpPr>
-            <p:spPr>
-              <a:xfrm rot="10800000">
-                <a:off x="7620" y="137160"/>
-                <a:ext cx="609600" cy="327660"/>
-              </a:xfrm>
-              <a:prstGeom prst="rect">
-                <a:avLst/>
-              </a:prstGeom>
-              <a:noFill/>
-              <a:ln w="19050">
-                <a:solidFill>
-                  <a:schemeClr val="accent1"/>
-                </a:solidFill>
-              </a:ln>
-            </p:spPr>
-            <p:style>
-              <a:lnRef idx="2">
-                <a:schemeClr val="accent1">
-                  <a:shade val="50000"/>
-                </a:schemeClr>
-              </a:lnRef>
-              <a:fillRef idx="1">
-                <a:schemeClr val="accent1"/>
-              </a:fillRef>
-              <a:effectRef idx="0">
-                <a:schemeClr val="accent1"/>
-              </a:effectRef>
-              <a:fontRef idx="minor">
-                <a:schemeClr val="lt1"/>
-              </a:fontRef>
-            </p:style>
-            <p:txBody>
-              <a:bodyPr rot="0" spcFirstLastPara="0" vert="horz" wrap="square" lIns="0" tIns="0" rIns="0" bIns="0" numCol="1" spcCol="0" rtlCol="0" fromWordArt="0" anchor="t" anchorCtr="0" forceAA="0" compatLnSpc="1">
-                <a:prstTxWarp prst="textNoShape">
-                  <a:avLst/>
-                </a:prstTxWarp>
-                <a:noAutofit/>
-              </a:bodyPr>
-              <a:lstStyle/>
-              <a:p>
-                <a:endParaRPr lang="en-US"/>
-              </a:p>
-            </p:txBody>
-          </p:sp>
-          <p:cxnSp>
-            <p:nvCxnSpPr>
-              <p:cNvPr id="67" name="Straight Connector 66"/>
-              <p:cNvCxnSpPr/>
-              <p:nvPr/>
-            </p:nvCxnSpPr>
-            <p:spPr>
-              <a:xfrm>
-                <a:off x="0" y="373380"/>
-                <a:ext cx="617220" cy="0"/>
-              </a:xfrm>
-              <a:prstGeom prst="line">
-                <a:avLst/>
-              </a:prstGeom>
-              <a:ln w="12700"/>
-            </p:spPr>
-            <p:style>
-              <a:lnRef idx="1">
-                <a:schemeClr val="accent1"/>
-              </a:lnRef>
-              <a:fillRef idx="0">
-                <a:schemeClr val="accent1"/>
-              </a:fillRef>
-              <a:effectRef idx="0">
-                <a:schemeClr val="accent1"/>
-              </a:effectRef>
-              <a:fontRef idx="minor">
-                <a:schemeClr val="tx1"/>
-              </a:fontRef>
-            </p:style>
-          </p:cxnSp>
-          <p:sp>
-            <p:nvSpPr>
-              <p:cNvPr id="68" name="Arc 67"/>
-              <p:cNvSpPr/>
-              <p:nvPr/>
-            </p:nvSpPr>
-            <p:spPr>
-              <a:xfrm flipV="1">
-                <a:off x="106680" y="0"/>
-                <a:ext cx="373380" cy="373380"/>
-              </a:xfrm>
-              <a:prstGeom prst="arc">
-                <a:avLst/>
-              </a:prstGeom>
-              <a:ln w="12700">
-                <a:headEnd type="none" w="med" len="med"/>
-                <a:tailEnd type="arrow" w="med" len="med"/>
-              </a:ln>
-            </p:spPr>
-            <p:style>
-              <a:lnRef idx="1">
-                <a:schemeClr val="accent1"/>
-              </a:lnRef>
-              <a:fillRef idx="0">
-                <a:schemeClr val="accent1"/>
-              </a:fillRef>
-              <a:effectRef idx="0">
-                <a:schemeClr val="accent1"/>
-              </a:effectRef>
-              <a:fontRef idx="minor">
-                <a:schemeClr val="tx1"/>
-              </a:fontRef>
-            </p:style>
-            <p:txBody>
-              <a:bodyPr rot="0" spcFirstLastPara="0" vert="horz" wrap="square" lIns="91440" tIns="45720" rIns="91440" bIns="45720" numCol="1" spcCol="0" rtlCol="0" fromWordArt="0" anchor="ctr" anchorCtr="0" forceAA="0" compatLnSpc="1">
-                <a:prstTxWarp prst="textNoShape">
-                  <a:avLst/>
-                </a:prstTxWarp>
-                <a:noAutofit/>
-              </a:bodyPr>
-              <a:lstStyle/>
-              <a:p>
-                <a:endParaRPr lang="en-US"/>
-              </a:p>
-            </p:txBody>
-          </p:sp>
-        </p:grpSp>
-        <p:grpSp>
-          <p:nvGrpSpPr>
-            <p:cNvPr id="96" name="Group 95"/>
-            <p:cNvGrpSpPr/>
-            <p:nvPr/>
-          </p:nvGrpSpPr>
-          <p:grpSpPr>
-            <a:xfrm>
-              <a:off x="543029" y="3293997"/>
-              <a:ext cx="548640" cy="548640"/>
-              <a:chOff x="614888" y="3269734"/>
-              <a:chExt cx="548640" cy="548640"/>
-            </a:xfrm>
-          </p:grpSpPr>
-          <p:sp>
-            <p:nvSpPr>
-              <p:cNvPr id="84" name="Rectangle 83"/>
-              <p:cNvSpPr/>
-              <p:nvPr/>
-            </p:nvSpPr>
-            <p:spPr>
-              <a:xfrm>
-                <a:off x="614888" y="3269734"/>
-                <a:ext cx="548640" cy="548640"/>
-              </a:xfrm>
-              <a:prstGeom prst="rect">
-                <a:avLst/>
-              </a:prstGeom>
-              <a:noFill/>
-              <a:ln w="19050">
-                <a:solidFill>
-                  <a:schemeClr val="accent1"/>
-                </a:solidFill>
-              </a:ln>
-            </p:spPr>
-            <p:style>
-              <a:lnRef idx="2">
-                <a:schemeClr val="accent1">
-                  <a:shade val="50000"/>
-                </a:schemeClr>
-              </a:lnRef>
-              <a:fillRef idx="1">
-                <a:schemeClr val="accent1"/>
-              </a:fillRef>
-              <a:effectRef idx="0">
-                <a:schemeClr val="accent1"/>
-              </a:effectRef>
-              <a:fontRef idx="minor">
-                <a:schemeClr val="lt1"/>
-              </a:fontRef>
-            </p:style>
-            <p:txBody>
-              <a:bodyPr rot="0" spcFirstLastPara="0" vert="horz" wrap="square" lIns="0" tIns="0" rIns="0" bIns="0" numCol="1" spcCol="0" rtlCol="0" fromWordArt="0" anchor="t" anchorCtr="0" forceAA="0" compatLnSpc="1">
-                <a:prstTxWarp prst="textNoShape">
-                  <a:avLst/>
-                </a:prstTxWarp>
-                <a:noAutofit/>
-              </a:bodyPr>
-              <a:lstStyle/>
-              <a:p>
-                <a:endParaRPr lang="en-US"/>
-              </a:p>
-            </p:txBody>
-          </p:sp>
-          <p:cxnSp>
-            <p:nvCxnSpPr>
-              <p:cNvPr id="86" name="Straight Connector 85"/>
-              <p:cNvCxnSpPr/>
-              <p:nvPr/>
-            </p:nvCxnSpPr>
-            <p:spPr>
-              <a:xfrm>
-                <a:off x="614888" y="3704475"/>
-                <a:ext cx="134855" cy="0"/>
-              </a:xfrm>
-              <a:prstGeom prst="line">
-                <a:avLst/>
-              </a:prstGeom>
-              <a:ln w="19050"/>
-            </p:spPr>
-            <p:style>
-              <a:lnRef idx="1">
-                <a:schemeClr val="accent1"/>
-              </a:lnRef>
-              <a:fillRef idx="0">
-                <a:schemeClr val="accent1"/>
-              </a:fillRef>
-              <a:effectRef idx="0">
-                <a:schemeClr val="accent1"/>
-              </a:effectRef>
-              <a:fontRef idx="minor">
-                <a:schemeClr val="tx1"/>
-              </a:fontRef>
-            </p:style>
-          </p:cxnSp>
-          <p:cxnSp>
-            <p:nvCxnSpPr>
-              <p:cNvPr id="88" name="Straight Connector 87"/>
-              <p:cNvCxnSpPr/>
-              <p:nvPr/>
-            </p:nvCxnSpPr>
-            <p:spPr>
-              <a:xfrm>
-                <a:off x="749743" y="3407790"/>
-                <a:ext cx="0" cy="297797"/>
-              </a:xfrm>
-              <a:prstGeom prst="line">
-                <a:avLst/>
-              </a:prstGeom>
-              <a:ln w="19050"/>
-            </p:spPr>
-            <p:style>
-              <a:lnRef idx="1">
-                <a:schemeClr val="accent1"/>
-              </a:lnRef>
-              <a:fillRef idx="0">
-                <a:schemeClr val="accent1"/>
-              </a:fillRef>
-              <a:effectRef idx="0">
-                <a:schemeClr val="accent1"/>
-              </a:effectRef>
-              <a:fontRef idx="minor">
-                <a:schemeClr val="tx1"/>
-              </a:fontRef>
-            </p:style>
-          </p:cxnSp>
-          <p:cxnSp>
-            <p:nvCxnSpPr>
-              <p:cNvPr id="90" name="Straight Connector 89"/>
-              <p:cNvCxnSpPr/>
-              <p:nvPr/>
-            </p:nvCxnSpPr>
-            <p:spPr>
-              <a:xfrm>
-                <a:off x="749743" y="3407790"/>
-                <a:ext cx="278130" cy="0"/>
-              </a:xfrm>
-              <a:prstGeom prst="line">
-                <a:avLst/>
-              </a:prstGeom>
-              <a:ln w="19050"/>
-            </p:spPr>
-            <p:style>
-              <a:lnRef idx="1">
-                <a:schemeClr val="accent1"/>
-              </a:lnRef>
-              <a:fillRef idx="0">
-                <a:schemeClr val="accent1"/>
-              </a:fillRef>
-              <a:effectRef idx="0">
-                <a:schemeClr val="accent1"/>
-              </a:effectRef>
-              <a:fontRef idx="minor">
-                <a:schemeClr val="tx1"/>
-              </a:fontRef>
-            </p:style>
-          </p:cxnSp>
-          <p:cxnSp>
-            <p:nvCxnSpPr>
-              <p:cNvPr id="92" name="Straight Connector 91"/>
-              <p:cNvCxnSpPr/>
-              <p:nvPr/>
-            </p:nvCxnSpPr>
-            <p:spPr>
-              <a:xfrm>
-                <a:off x="1027873" y="3407790"/>
-                <a:ext cx="0" cy="296685"/>
-              </a:xfrm>
-              <a:prstGeom prst="line">
-                <a:avLst/>
-              </a:prstGeom>
-              <a:ln w="19050"/>
-            </p:spPr>
-            <p:style>
-              <a:lnRef idx="1">
-                <a:schemeClr val="accent1"/>
-              </a:lnRef>
-              <a:fillRef idx="0">
-                <a:schemeClr val="accent1"/>
-              </a:fillRef>
-              <a:effectRef idx="0">
-                <a:schemeClr val="accent1"/>
-              </a:effectRef>
-              <a:fontRef idx="minor">
-                <a:schemeClr val="tx1"/>
-              </a:fontRef>
-            </p:style>
-          </p:cxnSp>
-          <p:cxnSp>
-            <p:nvCxnSpPr>
-              <p:cNvPr id="93" name="Straight Connector 92"/>
-              <p:cNvCxnSpPr/>
-              <p:nvPr/>
-            </p:nvCxnSpPr>
-            <p:spPr>
-              <a:xfrm>
-                <a:off x="1027873" y="3708253"/>
-                <a:ext cx="134855" cy="0"/>
-              </a:xfrm>
-              <a:prstGeom prst="line">
-                <a:avLst/>
-              </a:prstGeom>
-              <a:ln w="19050"/>
-            </p:spPr>
-            <p:style>
-              <a:lnRef idx="1">
-                <a:schemeClr val="accent1"/>
-              </a:lnRef>
-              <a:fillRef idx="0">
-                <a:schemeClr val="accent1"/>
-              </a:fillRef>
-              <a:effectRef idx="0">
-                <a:schemeClr val="accent1"/>
-              </a:effectRef>
-              <a:fontRef idx="minor">
-                <a:schemeClr val="tx1"/>
-              </a:fontRef>
-            </p:style>
-          </p:cxnSp>
-        </p:grpSp>
-        <p:grpSp>
-          <p:nvGrpSpPr>
-            <p:cNvPr id="107" name="Group 106"/>
-            <p:cNvGrpSpPr/>
-            <p:nvPr/>
-          </p:nvGrpSpPr>
-          <p:grpSpPr>
-            <a:xfrm flipH="1">
-              <a:off x="6440428" y="3252396"/>
-              <a:ext cx="617220" cy="464820"/>
-              <a:chOff x="0" y="0"/>
-              <a:chExt cx="617220" cy="464820"/>
-            </a:xfrm>
-          </p:grpSpPr>
-          <p:sp>
-            <p:nvSpPr>
-              <p:cNvPr id="108" name="Rectangle 107"/>
-              <p:cNvSpPr/>
-              <p:nvPr/>
-            </p:nvSpPr>
-            <p:spPr>
-              <a:xfrm rot="10800000">
-                <a:off x="7620" y="137160"/>
-                <a:ext cx="609600" cy="327660"/>
-              </a:xfrm>
-              <a:prstGeom prst="rect">
-                <a:avLst/>
-              </a:prstGeom>
-              <a:noFill/>
-              <a:ln w="19050">
-                <a:solidFill>
-                  <a:schemeClr val="accent1"/>
-                </a:solidFill>
-              </a:ln>
-            </p:spPr>
-            <p:style>
-              <a:lnRef idx="2">
-                <a:schemeClr val="accent1">
-                  <a:shade val="50000"/>
-                </a:schemeClr>
-              </a:lnRef>
-              <a:fillRef idx="1">
-                <a:schemeClr val="accent1"/>
-              </a:fillRef>
-              <a:effectRef idx="0">
-                <a:schemeClr val="accent1"/>
-              </a:effectRef>
-              <a:fontRef idx="minor">
-                <a:schemeClr val="lt1"/>
-              </a:fontRef>
-            </p:style>
-            <p:txBody>
-              <a:bodyPr rot="0" spcFirstLastPara="0" vert="horz" wrap="square" lIns="0" tIns="0" rIns="0" bIns="0" numCol="1" spcCol="0" rtlCol="0" fromWordArt="0" anchor="t" anchorCtr="0" forceAA="0" compatLnSpc="1">
-                <a:prstTxWarp prst="textNoShape">
-                  <a:avLst/>
-                </a:prstTxWarp>
-                <a:noAutofit/>
-              </a:bodyPr>
-              <a:lstStyle/>
-              <a:p>
-                <a:endParaRPr lang="en-US"/>
-              </a:p>
-            </p:txBody>
-          </p:sp>
-          <p:cxnSp>
-            <p:nvCxnSpPr>
-              <p:cNvPr id="109" name="Straight Connector 108"/>
-              <p:cNvCxnSpPr/>
-              <p:nvPr/>
-            </p:nvCxnSpPr>
-            <p:spPr>
-              <a:xfrm>
-                <a:off x="0" y="373380"/>
-                <a:ext cx="617220" cy="0"/>
-              </a:xfrm>
-              <a:prstGeom prst="line">
-                <a:avLst/>
-              </a:prstGeom>
-              <a:ln w="12700"/>
-            </p:spPr>
-            <p:style>
-              <a:lnRef idx="1">
-                <a:schemeClr val="accent1"/>
-              </a:lnRef>
-              <a:fillRef idx="0">
-                <a:schemeClr val="accent1"/>
-              </a:fillRef>
-              <a:effectRef idx="0">
-                <a:schemeClr val="accent1"/>
-              </a:effectRef>
-              <a:fontRef idx="minor">
-                <a:schemeClr val="tx1"/>
-              </a:fontRef>
-            </p:style>
-          </p:cxnSp>
-          <p:sp>
-            <p:nvSpPr>
-              <p:cNvPr id="110" name="Arc 109"/>
-              <p:cNvSpPr/>
-              <p:nvPr/>
-            </p:nvSpPr>
-            <p:spPr>
-              <a:xfrm flipV="1">
-                <a:off x="106680" y="0"/>
-                <a:ext cx="373380" cy="373380"/>
-              </a:xfrm>
-              <a:prstGeom prst="arc">
-                <a:avLst/>
-              </a:prstGeom>
-              <a:ln w="12700">
-                <a:headEnd type="none" w="med" len="med"/>
-                <a:tailEnd type="arrow" w="med" len="med"/>
-              </a:ln>
-            </p:spPr>
-            <p:style>
-              <a:lnRef idx="1">
-                <a:schemeClr val="accent1"/>
-              </a:lnRef>
-              <a:fillRef idx="0">
-                <a:schemeClr val="accent1"/>
-              </a:fillRef>
-              <a:effectRef idx="0">
-                <a:schemeClr val="accent1"/>
-              </a:effectRef>
-              <a:fontRef idx="minor">
-                <a:schemeClr val="tx1"/>
-              </a:fontRef>
-            </p:style>
-            <p:txBody>
-              <a:bodyPr rot="0" spcFirstLastPara="0" vert="horz" wrap="square" lIns="91440" tIns="45720" rIns="91440" bIns="45720" numCol="1" spcCol="0" rtlCol="0" fromWordArt="0" anchor="ctr" anchorCtr="0" forceAA="0" compatLnSpc="1">
-                <a:prstTxWarp prst="textNoShape">
-                  <a:avLst/>
-                </a:prstTxWarp>
-                <a:noAutofit/>
-              </a:bodyPr>
-              <a:lstStyle/>
-              <a:p>
-                <a:endParaRPr lang="en-US"/>
-              </a:p>
-            </p:txBody>
-          </p:sp>
-        </p:grpSp>
-        <p:grpSp>
-          <p:nvGrpSpPr>
-            <p:cNvPr id="111" name="Group 110"/>
-            <p:cNvGrpSpPr/>
-            <p:nvPr/>
-          </p:nvGrpSpPr>
-          <p:grpSpPr>
-            <a:xfrm>
-              <a:off x="5608863" y="3252396"/>
-              <a:ext cx="617220" cy="464820"/>
-              <a:chOff x="0" y="0"/>
-              <a:chExt cx="617220" cy="464820"/>
-            </a:xfrm>
-          </p:grpSpPr>
-          <p:sp>
-            <p:nvSpPr>
-              <p:cNvPr id="112" name="Rectangle 111"/>
-              <p:cNvSpPr/>
-              <p:nvPr/>
-            </p:nvSpPr>
-            <p:spPr>
-              <a:xfrm rot="10800000">
-                <a:off x="7620" y="137160"/>
-                <a:ext cx="609600" cy="327660"/>
-              </a:xfrm>
-              <a:prstGeom prst="rect">
-                <a:avLst/>
-              </a:prstGeom>
-              <a:noFill/>
-              <a:ln w="19050">
-                <a:solidFill>
-                  <a:schemeClr val="accent1"/>
-                </a:solidFill>
-              </a:ln>
-            </p:spPr>
-            <p:style>
-              <a:lnRef idx="2">
-                <a:schemeClr val="accent1">
-                  <a:shade val="50000"/>
-                </a:schemeClr>
-              </a:lnRef>
-              <a:fillRef idx="1">
-                <a:schemeClr val="accent1"/>
-              </a:fillRef>
-              <a:effectRef idx="0">
-                <a:schemeClr val="accent1"/>
-              </a:effectRef>
-              <a:fontRef idx="minor">
-                <a:schemeClr val="lt1"/>
-              </a:fontRef>
-            </p:style>
-            <p:txBody>
-              <a:bodyPr rot="0" spcFirstLastPara="0" vert="horz" wrap="square" lIns="0" tIns="0" rIns="0" bIns="0" numCol="1" spcCol="0" rtlCol="0" fromWordArt="0" anchor="t" anchorCtr="0" forceAA="0" compatLnSpc="1">
-                <a:prstTxWarp prst="textNoShape">
-                  <a:avLst/>
-                </a:prstTxWarp>
-                <a:noAutofit/>
-              </a:bodyPr>
-              <a:lstStyle/>
-              <a:p>
-                <a:endParaRPr lang="en-US"/>
-              </a:p>
-            </p:txBody>
-          </p:sp>
-          <p:cxnSp>
-            <p:nvCxnSpPr>
-              <p:cNvPr id="113" name="Straight Connector 112"/>
-              <p:cNvCxnSpPr/>
-              <p:nvPr/>
-            </p:nvCxnSpPr>
-            <p:spPr>
-              <a:xfrm>
-                <a:off x="0" y="373380"/>
-                <a:ext cx="617220" cy="0"/>
-              </a:xfrm>
-              <a:prstGeom prst="line">
-                <a:avLst/>
-              </a:prstGeom>
-              <a:ln w="12700"/>
-            </p:spPr>
-            <p:style>
-              <a:lnRef idx="1">
-                <a:schemeClr val="accent1"/>
-              </a:lnRef>
-              <a:fillRef idx="0">
-                <a:schemeClr val="accent1"/>
-              </a:fillRef>
-              <a:effectRef idx="0">
-                <a:schemeClr val="accent1"/>
-              </a:effectRef>
-              <a:fontRef idx="minor">
-                <a:schemeClr val="tx1"/>
-              </a:fontRef>
-            </p:style>
-          </p:cxnSp>
-          <p:sp>
-            <p:nvSpPr>
-              <p:cNvPr id="114" name="Arc 113"/>
-              <p:cNvSpPr/>
-              <p:nvPr/>
-            </p:nvSpPr>
-            <p:spPr>
-              <a:xfrm flipV="1">
-                <a:off x="106680" y="0"/>
-                <a:ext cx="373380" cy="373380"/>
-              </a:xfrm>
-              <a:prstGeom prst="arc">
-                <a:avLst/>
-              </a:prstGeom>
-              <a:ln w="12700">
-                <a:headEnd type="none" w="med" len="med"/>
-                <a:tailEnd type="arrow" w="med" len="med"/>
-              </a:ln>
-            </p:spPr>
-            <p:style>
-              <a:lnRef idx="1">
-                <a:schemeClr val="accent1"/>
-              </a:lnRef>
-              <a:fillRef idx="0">
-                <a:schemeClr val="accent1"/>
-              </a:fillRef>
-              <a:effectRef idx="0">
-                <a:schemeClr val="accent1"/>
-              </a:effectRef>
-              <a:fontRef idx="minor">
-                <a:schemeClr val="tx1"/>
-              </a:fontRef>
-            </p:style>
-            <p:txBody>
-              <a:bodyPr rot="0" spcFirstLastPara="0" vert="horz" wrap="square" lIns="91440" tIns="45720" rIns="91440" bIns="45720" numCol="1" spcCol="0" rtlCol="0" fromWordArt="0" anchor="ctr" anchorCtr="0" forceAA="0" compatLnSpc="1">
-                <a:prstTxWarp prst="textNoShape">
-                  <a:avLst/>
-                </a:prstTxWarp>
-                <a:noAutofit/>
-              </a:bodyPr>
-              <a:lstStyle/>
-              <a:p>
-                <a:endParaRPr lang="en-US"/>
-              </a:p>
-            </p:txBody>
-          </p:sp>
-        </p:grpSp>
-        <p:cxnSp>
-          <p:nvCxnSpPr>
-            <p:cNvPr id="115" name="Straight Connector 114"/>
-            <p:cNvCxnSpPr/>
-            <p:nvPr/>
-          </p:nvCxnSpPr>
-          <p:spPr>
-            <a:xfrm>
-              <a:off x="4114901" y="2996952"/>
-              <a:ext cx="0" cy="1821180"/>
-            </a:xfrm>
-            <a:prstGeom prst="line">
-              <a:avLst/>
-            </a:prstGeom>
-            <a:ln w="38100">
-              <a:solidFill>
-                <a:schemeClr val="accent1"/>
-              </a:solidFill>
-              <a:prstDash val="sysDash"/>
-            </a:ln>
-          </p:spPr>
-          <p:style>
-            <a:lnRef idx="1">
-              <a:schemeClr val="accent1"/>
-            </a:lnRef>
-            <a:fillRef idx="0">
-              <a:schemeClr val="accent1"/>
-            </a:fillRef>
-            <a:effectRef idx="0">
-              <a:schemeClr val="accent1"/>
-            </a:effectRef>
-            <a:fontRef idx="minor">
-              <a:schemeClr val="tx1"/>
-            </a:fontRef>
-          </p:style>
-        </p:cxnSp>
-        <p:cxnSp>
-          <p:nvCxnSpPr>
-            <p:cNvPr id="117" name="Straight Connector 116"/>
-            <p:cNvCxnSpPr/>
-            <p:nvPr/>
-          </p:nvCxnSpPr>
-          <p:spPr>
-            <a:xfrm>
-              <a:off x="3281529" y="2683473"/>
-              <a:ext cx="0" cy="706083"/>
-            </a:xfrm>
-            <a:prstGeom prst="line">
-              <a:avLst/>
-            </a:prstGeom>
-            <a:ln w="19050"/>
-          </p:spPr>
-          <p:style>
-            <a:lnRef idx="1">
-              <a:schemeClr val="accent1"/>
-            </a:lnRef>
-            <a:fillRef idx="0">
-              <a:schemeClr val="accent1"/>
-            </a:fillRef>
-            <a:effectRef idx="0">
-              <a:schemeClr val="accent1"/>
-            </a:effectRef>
-            <a:fontRef idx="minor">
-              <a:schemeClr val="tx1"/>
-            </a:fontRef>
-          </p:style>
-        </p:cxnSp>
-        <p:cxnSp>
-          <p:nvCxnSpPr>
-            <p:cNvPr id="118" name="Straight Connector 117"/>
-            <p:cNvCxnSpPr/>
-            <p:nvPr/>
-          </p:nvCxnSpPr>
-          <p:spPr>
-            <a:xfrm>
-              <a:off x="6087194" y="2683473"/>
-              <a:ext cx="0" cy="706083"/>
-            </a:xfrm>
-            <a:prstGeom prst="line">
-              <a:avLst/>
-            </a:prstGeom>
-            <a:ln w="19050"/>
-          </p:spPr>
-          <p:style>
-            <a:lnRef idx="1">
-              <a:schemeClr val="accent1"/>
-            </a:lnRef>
-            <a:fillRef idx="0">
-              <a:schemeClr val="accent1"/>
-            </a:fillRef>
-            <a:effectRef idx="0">
-              <a:schemeClr val="accent1"/>
-            </a:effectRef>
-            <a:fontRef idx="minor">
-              <a:schemeClr val="tx1"/>
-            </a:fontRef>
-          </p:style>
-        </p:cxnSp>
-        <p:cxnSp>
-          <p:nvCxnSpPr>
-            <p:cNvPr id="119" name="Straight Connector 118"/>
-            <p:cNvCxnSpPr/>
-            <p:nvPr/>
-          </p:nvCxnSpPr>
-          <p:spPr>
-            <a:xfrm>
-              <a:off x="6577588" y="2675343"/>
-              <a:ext cx="0" cy="706083"/>
-            </a:xfrm>
-            <a:prstGeom prst="line">
-              <a:avLst/>
-            </a:prstGeom>
-            <a:ln w="19050"/>
-          </p:spPr>
-          <p:style>
-            <a:lnRef idx="1">
-              <a:schemeClr val="accent1"/>
-            </a:lnRef>
-            <a:fillRef idx="0">
-              <a:schemeClr val="accent1"/>
-            </a:fillRef>
-            <a:effectRef idx="0">
-              <a:schemeClr val="accent1"/>
-            </a:effectRef>
-            <a:fontRef idx="minor">
-              <a:schemeClr val="tx1"/>
-            </a:fontRef>
-          </p:style>
-        </p:cxnSp>
-        <p:cxnSp>
-          <p:nvCxnSpPr>
-            <p:cNvPr id="120" name="Straight Connector 119"/>
-            <p:cNvCxnSpPr/>
-            <p:nvPr/>
-          </p:nvCxnSpPr>
-          <p:spPr>
-            <a:xfrm>
-              <a:off x="251520" y="2492896"/>
-              <a:ext cx="0" cy="1080120"/>
-            </a:xfrm>
-            <a:prstGeom prst="line">
-              <a:avLst/>
-            </a:prstGeom>
-            <a:ln w="19050"/>
-          </p:spPr>
-          <p:style>
-            <a:lnRef idx="1">
-              <a:schemeClr val="accent1"/>
-            </a:lnRef>
-            <a:fillRef idx="0">
-              <a:schemeClr val="accent1"/>
-            </a:fillRef>
-            <a:effectRef idx="0">
-              <a:schemeClr val="accent1"/>
-            </a:effectRef>
-            <a:fontRef idx="minor">
-              <a:schemeClr val="tx1"/>
-            </a:fontRef>
-          </p:style>
-        </p:cxnSp>
-        <p:cxnSp>
-          <p:nvCxnSpPr>
-            <p:cNvPr id="123" name="Straight Connector 122"/>
-            <p:cNvCxnSpPr>
-              <a:endCxn id="52" idx="2"/>
-            </p:cNvCxnSpPr>
-            <p:nvPr/>
-          </p:nvCxnSpPr>
-          <p:spPr>
-            <a:xfrm flipV="1">
-              <a:off x="251520" y="2492352"/>
-              <a:ext cx="338698" cy="544"/>
-            </a:xfrm>
-            <a:prstGeom prst="line">
-              <a:avLst/>
-            </a:prstGeom>
-            <a:ln w="19050"/>
-          </p:spPr>
-          <p:style>
-            <a:lnRef idx="1">
-              <a:schemeClr val="accent1"/>
-            </a:lnRef>
-            <a:fillRef idx="0">
-              <a:schemeClr val="accent1"/>
-            </a:fillRef>
-            <a:effectRef idx="0">
-              <a:schemeClr val="accent1"/>
-            </a:effectRef>
-            <a:fontRef idx="minor">
-              <a:schemeClr val="tx1"/>
-            </a:fontRef>
-          </p:style>
-        </p:cxnSp>
-        <p:cxnSp>
-          <p:nvCxnSpPr>
-            <p:cNvPr id="125" name="Straight Connector 124"/>
-            <p:cNvCxnSpPr/>
-            <p:nvPr/>
-          </p:nvCxnSpPr>
-          <p:spPr>
-            <a:xfrm>
-              <a:off x="251520" y="3573016"/>
-              <a:ext cx="291509" cy="0"/>
-            </a:xfrm>
-            <a:prstGeom prst="line">
-              <a:avLst/>
-            </a:prstGeom>
-            <a:ln w="19050"/>
-          </p:spPr>
-          <p:style>
-            <a:lnRef idx="1">
-              <a:schemeClr val="accent1"/>
-            </a:lnRef>
-            <a:fillRef idx="0">
-              <a:schemeClr val="accent1"/>
-            </a:fillRef>
-            <a:effectRef idx="0">
-              <a:schemeClr val="accent1"/>
-            </a:effectRef>
-            <a:fontRef idx="minor">
-              <a:schemeClr val="tx1"/>
-            </a:fontRef>
-          </p:style>
-        </p:cxnSp>
-        <p:cxnSp>
-          <p:nvCxnSpPr>
-            <p:cNvPr id="130" name="Straight Connector 129"/>
-            <p:cNvCxnSpPr/>
-            <p:nvPr/>
-          </p:nvCxnSpPr>
-          <p:spPr>
-            <a:xfrm>
-              <a:off x="1090869" y="3573016"/>
-              <a:ext cx="291509" cy="0"/>
-            </a:xfrm>
-            <a:prstGeom prst="line">
-              <a:avLst/>
-            </a:prstGeom>
-            <a:ln w="19050"/>
-          </p:spPr>
-          <p:style>
-            <a:lnRef idx="1">
-              <a:schemeClr val="accent1"/>
-            </a:lnRef>
-            <a:fillRef idx="0">
-              <a:schemeClr val="accent1"/>
-            </a:fillRef>
-            <a:effectRef idx="0">
-              <a:schemeClr val="accent1"/>
-            </a:effectRef>
-            <a:fontRef idx="minor">
-              <a:schemeClr val="tx1"/>
-            </a:fontRef>
-          </p:style>
-        </p:cxnSp>
-        <p:cxnSp>
-          <p:nvCxnSpPr>
-            <p:cNvPr id="134" name="Straight Connector 133"/>
-            <p:cNvCxnSpPr/>
-            <p:nvPr/>
-          </p:nvCxnSpPr>
-          <p:spPr>
-            <a:xfrm>
-              <a:off x="2145755" y="3564901"/>
-              <a:ext cx="184829" cy="0"/>
-            </a:xfrm>
-            <a:prstGeom prst="line">
-              <a:avLst/>
-            </a:prstGeom>
-            <a:ln w="19050"/>
-          </p:spPr>
-          <p:style>
-            <a:lnRef idx="1">
-              <a:schemeClr val="accent1"/>
-            </a:lnRef>
-            <a:fillRef idx="0">
-              <a:schemeClr val="accent1"/>
-            </a:fillRef>
-            <a:effectRef idx="0">
-              <a:schemeClr val="accent1"/>
-            </a:effectRef>
-            <a:fontRef idx="minor">
-              <a:schemeClr val="tx1"/>
-            </a:fontRef>
-          </p:style>
-        </p:cxnSp>
-        <p:cxnSp>
-          <p:nvCxnSpPr>
-            <p:cNvPr id="136" name="Straight Connector 135"/>
-            <p:cNvCxnSpPr/>
-            <p:nvPr/>
-          </p:nvCxnSpPr>
-          <p:spPr>
-            <a:xfrm>
-              <a:off x="2959540" y="3564901"/>
-              <a:ext cx="184829" cy="0"/>
-            </a:xfrm>
-            <a:prstGeom prst="line">
-              <a:avLst/>
-            </a:prstGeom>
-            <a:ln w="19050"/>
-          </p:spPr>
-          <p:style>
-            <a:lnRef idx="1">
-              <a:schemeClr val="accent1"/>
-            </a:lnRef>
-            <a:fillRef idx="0">
-              <a:schemeClr val="accent1"/>
-            </a:fillRef>
-            <a:effectRef idx="0">
-              <a:schemeClr val="accent1"/>
-            </a:effectRef>
-            <a:fontRef idx="minor">
-              <a:schemeClr val="tx1"/>
-            </a:fontRef>
-          </p:style>
-        </p:cxnSp>
-        <p:cxnSp>
-          <p:nvCxnSpPr>
-            <p:cNvPr id="137" name="Straight Connector 136"/>
-            <p:cNvCxnSpPr/>
-            <p:nvPr/>
-          </p:nvCxnSpPr>
-          <p:spPr>
-            <a:xfrm>
-              <a:off x="3761589" y="3564901"/>
-              <a:ext cx="594387" cy="0"/>
-            </a:xfrm>
-            <a:prstGeom prst="line">
-              <a:avLst/>
-            </a:prstGeom>
-            <a:ln w="19050"/>
-          </p:spPr>
-          <p:style>
-            <a:lnRef idx="1">
-              <a:schemeClr val="accent1"/>
-            </a:lnRef>
-            <a:fillRef idx="0">
-              <a:schemeClr val="accent1"/>
-            </a:fillRef>
-            <a:effectRef idx="0">
-              <a:schemeClr val="accent1"/>
-            </a:effectRef>
-            <a:fontRef idx="minor">
-              <a:schemeClr val="tx1"/>
-            </a:fontRef>
-          </p:style>
-        </p:cxnSp>
-        <p:cxnSp>
-          <p:nvCxnSpPr>
-            <p:cNvPr id="141" name="Straight Connector 140"/>
-            <p:cNvCxnSpPr>
-              <a:endCxn id="112" idx="3"/>
-            </p:cNvCxnSpPr>
-            <p:nvPr/>
-          </p:nvCxnSpPr>
-          <p:spPr>
-            <a:xfrm flipV="1">
-              <a:off x="5121156" y="3553386"/>
-              <a:ext cx="495327" cy="195"/>
-            </a:xfrm>
-            <a:prstGeom prst="line">
-              <a:avLst/>
-            </a:prstGeom>
-            <a:ln w="19050"/>
-          </p:spPr>
-          <p:style>
-            <a:lnRef idx="1">
-              <a:schemeClr val="accent1"/>
-            </a:lnRef>
-            <a:fillRef idx="0">
-              <a:schemeClr val="accent1"/>
-            </a:fillRef>
-            <a:effectRef idx="0">
-              <a:schemeClr val="accent1"/>
-            </a:effectRef>
-            <a:fontRef idx="minor">
-              <a:schemeClr val="tx1"/>
-            </a:fontRef>
-          </p:style>
-        </p:cxnSp>
-        <p:cxnSp>
-          <p:nvCxnSpPr>
-            <p:cNvPr id="143" name="Straight Connector 142"/>
-            <p:cNvCxnSpPr>
-              <a:endCxn id="108" idx="1"/>
-            </p:cNvCxnSpPr>
-            <p:nvPr/>
-          </p:nvCxnSpPr>
-          <p:spPr>
-            <a:xfrm flipV="1">
-              <a:off x="6231673" y="3553386"/>
-              <a:ext cx="208755" cy="391"/>
-            </a:xfrm>
-            <a:prstGeom prst="line">
-              <a:avLst/>
-            </a:prstGeom>
-            <a:ln w="19050"/>
-          </p:spPr>
-          <p:style>
-            <a:lnRef idx="1">
-              <a:schemeClr val="accent1"/>
-            </a:lnRef>
-            <a:fillRef idx="0">
-              <a:schemeClr val="accent1"/>
-            </a:fillRef>
-            <a:effectRef idx="0">
-              <a:schemeClr val="accent1"/>
-            </a:effectRef>
-            <a:fontRef idx="minor">
-              <a:schemeClr val="tx1"/>
-            </a:fontRef>
-          </p:style>
-        </p:cxnSp>
-        <p:cxnSp>
-          <p:nvCxnSpPr>
-            <p:cNvPr id="145" name="Straight Connector 144"/>
-            <p:cNvCxnSpPr/>
-            <p:nvPr/>
-          </p:nvCxnSpPr>
-          <p:spPr>
-            <a:xfrm flipV="1">
-              <a:off x="7057648" y="3551014"/>
-              <a:ext cx="636575" cy="1"/>
-            </a:xfrm>
-            <a:prstGeom prst="line">
-              <a:avLst/>
-            </a:prstGeom>
-            <a:ln w="19050"/>
-          </p:spPr>
-          <p:style>
-            <a:lnRef idx="1">
-              <a:schemeClr val="accent1"/>
-            </a:lnRef>
-            <a:fillRef idx="0">
-              <a:schemeClr val="accent1"/>
-            </a:fillRef>
-            <a:effectRef idx="0">
-              <a:schemeClr val="accent1"/>
-            </a:effectRef>
-            <a:fontRef idx="minor">
-              <a:schemeClr val="tx1"/>
-            </a:fontRef>
-          </p:style>
-        </p:cxnSp>
-        <p:cxnSp>
-          <p:nvCxnSpPr>
-            <p:cNvPr id="146" name="Straight Connector 145"/>
-            <p:cNvCxnSpPr/>
-            <p:nvPr/>
-          </p:nvCxnSpPr>
-          <p:spPr>
-            <a:xfrm>
-              <a:off x="7694223" y="2705761"/>
-              <a:ext cx="0" cy="845253"/>
-            </a:xfrm>
-            <a:prstGeom prst="line">
-              <a:avLst/>
-            </a:prstGeom>
-            <a:ln w="19050"/>
-          </p:spPr>
-          <p:style>
-            <a:lnRef idx="1">
-              <a:schemeClr val="accent1"/>
-            </a:lnRef>
-            <a:fillRef idx="0">
-              <a:schemeClr val="accent1"/>
-            </a:fillRef>
-            <a:effectRef idx="0">
-              <a:schemeClr val="accent1"/>
-            </a:effectRef>
-            <a:fontRef idx="minor">
-              <a:schemeClr val="tx1"/>
-            </a:fontRef>
-          </p:style>
-        </p:cxnSp>
-        <p:sp>
-          <p:nvSpPr>
-            <p:cNvPr id="149" name="Oval 148"/>
-            <p:cNvSpPr>
-              <a:spLocks noChangeAspect="1"/>
-            </p:cNvSpPr>
-            <p:nvPr/>
-          </p:nvSpPr>
-          <p:spPr>
-            <a:xfrm>
-              <a:off x="4069080" y="3522597"/>
-              <a:ext cx="91440" cy="91440"/>
-            </a:xfrm>
-            <a:prstGeom prst="ellipse">
-              <a:avLst/>
-            </a:prstGeom>
-            <a:ln>
-              <a:noFill/>
-            </a:ln>
-          </p:spPr>
-          <p:style>
-            <a:lnRef idx="2">
-              <a:schemeClr val="accent1">
-                <a:shade val="50000"/>
-              </a:schemeClr>
-            </a:lnRef>
-            <a:fillRef idx="1">
-              <a:schemeClr val="accent1"/>
-            </a:fillRef>
-            <a:effectRef idx="0">
-              <a:schemeClr val="accent1"/>
-            </a:effectRef>
-            <a:fontRef idx="minor">
-              <a:schemeClr val="lt1"/>
-            </a:fontRef>
-          </p:style>
-          <p:txBody>
-            <a:bodyPr rot="0" spcFirstLastPara="0" vertOverflow="overflow" horzOverflow="overflow" vert="horz" wrap="square" lIns="0" tIns="0" rIns="0" bIns="0" numCol="1" spcCol="0" rtlCol="0" fromWordArt="0" anchor="t" anchorCtr="0" forceAA="0" compatLnSpc="1">
-              <a:prstTxWarp prst="textNoShape">
-                <a:avLst/>
-              </a:prstTxWarp>
-              <a:noAutofit/>
-            </a:bodyPr>
-            <a:lstStyle/>
-            <a:p>
-              <a:pPr algn="ctr"/>
-              <a:endParaRPr lang="en-US" sz="2400" dirty="0" err="1"/>
-            </a:p>
-          </p:txBody>
-        </p:sp>
-        <p:sp>
-          <p:nvSpPr>
-            <p:cNvPr id="150" name="Oval 149"/>
-            <p:cNvSpPr>
-              <a:spLocks noChangeAspect="1"/>
-            </p:cNvSpPr>
-            <p:nvPr/>
-          </p:nvSpPr>
-          <p:spPr>
-            <a:xfrm>
-              <a:off x="5349291" y="3507666"/>
-              <a:ext cx="91440" cy="91440"/>
-            </a:xfrm>
-            <a:prstGeom prst="ellipse">
-              <a:avLst/>
-            </a:prstGeom>
-            <a:ln>
-              <a:noFill/>
-            </a:ln>
-          </p:spPr>
-          <p:style>
-            <a:lnRef idx="2">
-              <a:schemeClr val="accent1">
-                <a:shade val="50000"/>
-              </a:schemeClr>
-            </a:lnRef>
-            <a:fillRef idx="1">
-              <a:schemeClr val="accent1"/>
-            </a:fillRef>
-            <a:effectRef idx="0">
-              <a:schemeClr val="accent1"/>
-            </a:effectRef>
-            <a:fontRef idx="minor">
-              <a:schemeClr val="lt1"/>
-            </a:fontRef>
-          </p:style>
-          <p:txBody>
-            <a:bodyPr rot="0" spcFirstLastPara="0" vertOverflow="overflow" horzOverflow="overflow" vert="horz" wrap="square" lIns="0" tIns="0" rIns="0" bIns="0" numCol="1" spcCol="0" rtlCol="0" fromWordArt="0" anchor="t" anchorCtr="0" forceAA="0" compatLnSpc="1">
-              <a:prstTxWarp prst="textNoShape">
-                <a:avLst/>
-              </a:prstTxWarp>
-              <a:noAutofit/>
-            </a:bodyPr>
-            <a:lstStyle/>
-            <a:p>
-              <a:pPr algn="ctr"/>
-              <a:endParaRPr lang="en-US" sz="2400" dirty="0" err="1"/>
-            </a:p>
-          </p:txBody>
-        </p:sp>
-      </p:grpSp>
-    </p:spTree>
-    <p:extLst>
-      <p:ext uri="{BB962C8B-B14F-4D97-AF65-F5344CB8AC3E}">
-        <p14:creationId xmlns:p14="http://schemas.microsoft.com/office/powerpoint/2010/main" val="474097337"/>
-      </p:ext>
-    </p:extLst>
-  </p:cSld>
-  <p:clrMapOvr>
-    <a:masterClrMapping/>
-  </p:clrMapOvr>
-  <p:timing>
-    <p:tnLst>
-      <p:par>
-        <p:cTn id="1" dur="indefinite" restart="never" nodeType="tmRoot"/>
-      </p:par>
-    </p:tnLst>
-  </p:timing>
-</p:sld>
-</file>
-
-<file path=ppt/slides/slide20.xml><?xml version="1.0" encoding="utf-8"?>
+<file path=ppt/slides/slide19.xml><?xml version="1.0" encoding="utf-8"?>
 <p:sld xmlns:a="http://schemas.openxmlformats.org/drawingml/2006/main" xmlns:r="http://schemas.openxmlformats.org/officeDocument/2006/relationships" xmlns:p="http://schemas.openxmlformats.org/presentationml/2006/main">
   <p:cSld>
     <p:spTree>
@@ -11650,7 +8011,6 @@
               <a:rPr lang="en-US" dirty="0" smtClean="0"/>
               <a:t>])</a:t>
             </a:r>
-            <a:endParaRPr lang="en-US" dirty="0" smtClean="0"/>
           </a:p>
           <a:p>
             <a:pPr lvl="1"/>
@@ -11687,7 +8047,7 @@
               <a:pPr>
                 <a:defRPr/>
               </a:pPr>
-              <a:t>20</a:t>
+              <a:t>19</a:t>
             </a:fld>
             <a:endParaRPr lang="en-US" dirty="0"/>
           </a:p>
@@ -11802,803 +8162,7 @@
 </p:sld>
 </file>
 
-<file path=ppt/slides/slide21.xml><?xml version="1.0" encoding="utf-8"?>
-<p:sld xmlns:a="http://schemas.openxmlformats.org/drawingml/2006/main" xmlns:r="http://schemas.openxmlformats.org/officeDocument/2006/relationships" xmlns:p="http://schemas.openxmlformats.org/presentationml/2006/main">
-  <p:cSld>
-    <p:spTree>
-      <p:nvGrpSpPr>
-        <p:cNvPr id="1" name=""/>
-        <p:cNvGrpSpPr/>
-        <p:nvPr/>
-      </p:nvGrpSpPr>
-      <p:grpSpPr>
-        <a:xfrm>
-          <a:off x="0" y="0"/>
-          <a:ext cx="0" cy="0"/>
-          <a:chOff x="0" y="0"/>
-          <a:chExt cx="0" cy="0"/>
-        </a:xfrm>
-      </p:grpSpPr>
-      <p:sp>
-        <p:nvSpPr>
-          <p:cNvPr id="2" name="Title 1"/>
-          <p:cNvSpPr>
-            <a:spLocks noGrp="1"/>
-          </p:cNvSpPr>
-          <p:nvPr>
-            <p:ph type="title"/>
-          </p:nvPr>
-        </p:nvSpPr>
-        <p:spPr/>
-        <p:txBody>
-          <a:bodyPr/>
-          <a:lstStyle/>
-          <a:p>
-            <a:r>
-              <a:rPr lang="en-US" dirty="0" smtClean="0"/>
-              <a:t>Export</a:t>
-            </a:r>
-            <a:endParaRPr lang="en-US" dirty="0"/>
-          </a:p>
-        </p:txBody>
-      </p:sp>
-      <p:sp>
-        <p:nvSpPr>
-          <p:cNvPr id="3" name="Content Placeholder 2"/>
-          <p:cNvSpPr>
-            <a:spLocks noGrp="1"/>
-          </p:cNvSpPr>
-          <p:nvPr>
-            <p:ph idx="1"/>
-          </p:nvPr>
-        </p:nvSpPr>
-        <p:spPr/>
-        <p:txBody>
-          <a:bodyPr/>
-          <a:lstStyle/>
-          <a:p>
-            <a:r>
-              <a:rPr lang="en-US" dirty="0" smtClean="0"/>
-              <a:t>Results are exported into a ZIP file</a:t>
-            </a:r>
-          </a:p>
-          <a:p>
-            <a:r>
-              <a:rPr lang="en-US" dirty="0" smtClean="0"/>
-              <a:t>Results are exported in two formats:</a:t>
-            </a:r>
-          </a:p>
-          <a:p>
-            <a:pPr lvl="1"/>
-            <a:r>
-              <a:rPr lang="en-US" dirty="0" smtClean="0"/>
-              <a:t>Touchstone 1.0 files – One per power level</a:t>
-            </a:r>
-          </a:p>
-          <a:p>
-            <a:pPr lvl="1"/>
-            <a:r>
-              <a:rPr lang="en-US" dirty="0" smtClean="0"/>
-              <a:t>Compression CSV – Summary of compression point results</a:t>
-            </a:r>
-          </a:p>
-          <a:p>
-            <a:pPr lvl="1"/>
-            <a:r>
-              <a:rPr lang="en-US" dirty="0" smtClean="0"/>
-              <a:t>Raw Data CSV file – containing all raw measurement points</a:t>
-            </a:r>
-            <a:endParaRPr lang="en-US" dirty="0" smtClean="0"/>
-          </a:p>
-        </p:txBody>
-      </p:sp>
-      <p:sp>
-        <p:nvSpPr>
-          <p:cNvPr id="4" name="Slide Number Placeholder 3"/>
-          <p:cNvSpPr>
-            <a:spLocks noGrp="1"/>
-          </p:cNvSpPr>
-          <p:nvPr>
-            <p:ph type="sldNum" sz="quarter" idx="10"/>
-          </p:nvPr>
-        </p:nvSpPr>
-        <p:spPr/>
-        <p:txBody>
-          <a:bodyPr/>
-          <a:lstStyle/>
-          <a:p>
-            <a:pPr>
-              <a:defRPr/>
-            </a:pPr>
-            <a:fld id="{C2257212-E44F-4C49-9A79-F22BDE7B0592}" type="slidenum">
-              <a:rPr lang="en-US" smtClean="0"/>
-              <a:pPr>
-                <a:defRPr/>
-              </a:pPr>
-              <a:t>21</a:t>
-            </a:fld>
-            <a:endParaRPr lang="en-US" dirty="0"/>
-          </a:p>
-        </p:txBody>
-      </p:sp>
-      <p:pic>
-        <p:nvPicPr>
-          <p:cNvPr id="8" name="Picture 7"/>
-          <p:cNvPicPr>
-            <a:picLocks noChangeAspect="1"/>
-          </p:cNvPicPr>
-          <p:nvPr/>
-        </p:nvPicPr>
-        <p:blipFill>
-          <a:blip r:embed="rId2"/>
-          <a:stretch>
-            <a:fillRect/>
-          </a:stretch>
-        </p:blipFill>
-        <p:spPr>
-          <a:xfrm>
-            <a:off x="3571875" y="3284984"/>
-            <a:ext cx="1857375" cy="990600"/>
-          </a:xfrm>
-          <a:prstGeom prst="rect">
-            <a:avLst/>
-          </a:prstGeom>
-          <a:ln>
-            <a:solidFill>
-              <a:srgbClr val="009DEC"/>
-            </a:solidFill>
-          </a:ln>
-          <a:effectLst>
-            <a:outerShdw blurRad="50800" dist="38100" dir="2700000" algn="tl" rotWithShape="0">
-              <a:prstClr val="black">
-                <a:alpha val="40000"/>
-              </a:prstClr>
-            </a:outerShdw>
-          </a:effectLst>
-        </p:spPr>
-      </p:pic>
-    </p:spTree>
-    <p:extLst>
-      <p:ext uri="{BB962C8B-B14F-4D97-AF65-F5344CB8AC3E}">
-        <p14:creationId xmlns:p14="http://schemas.microsoft.com/office/powerpoint/2010/main" val="2169167870"/>
-      </p:ext>
-    </p:extLst>
-  </p:cSld>
-  <p:clrMapOvr>
-    <a:masterClrMapping/>
-  </p:clrMapOvr>
-  <p:timing>
-    <p:tnLst>
-      <p:par>
-        <p:cTn id="1" dur="indefinite" restart="never" nodeType="tmRoot"/>
-      </p:par>
-    </p:tnLst>
-  </p:timing>
-</p:sld>
-</file>
-
-<file path=ppt/slides/slide22.xml><?xml version="1.0" encoding="utf-8"?>
-<p:sld xmlns:a="http://schemas.openxmlformats.org/drawingml/2006/main" xmlns:r="http://schemas.openxmlformats.org/officeDocument/2006/relationships" xmlns:p="http://schemas.openxmlformats.org/presentationml/2006/main">
-  <p:cSld>
-    <p:spTree>
-      <p:nvGrpSpPr>
-        <p:cNvPr id="1" name=""/>
-        <p:cNvGrpSpPr/>
-        <p:nvPr/>
-      </p:nvGrpSpPr>
-      <p:grpSpPr>
-        <a:xfrm>
-          <a:off x="0" y="0"/>
-          <a:ext cx="0" cy="0"/>
-          <a:chOff x="0" y="0"/>
-          <a:chExt cx="0" cy="0"/>
-        </a:xfrm>
-      </p:grpSpPr>
-      <p:sp>
-        <p:nvSpPr>
-          <p:cNvPr id="2" name="Title 1"/>
-          <p:cNvSpPr>
-            <a:spLocks noGrp="1"/>
-          </p:cNvSpPr>
-          <p:nvPr>
-            <p:ph type="title"/>
-          </p:nvPr>
-        </p:nvSpPr>
-        <p:spPr/>
-        <p:txBody>
-          <a:bodyPr/>
-          <a:lstStyle/>
-          <a:p>
-            <a:r>
-              <a:rPr lang="en-US" dirty="0" smtClean="0"/>
-              <a:t>Export</a:t>
-            </a:r>
-            <a:endParaRPr lang="en-US" dirty="0"/>
-          </a:p>
-        </p:txBody>
-      </p:sp>
-      <p:sp>
-        <p:nvSpPr>
-          <p:cNvPr id="3" name="Content Placeholder 2"/>
-          <p:cNvSpPr>
-            <a:spLocks noGrp="1"/>
-          </p:cNvSpPr>
-          <p:nvPr>
-            <p:ph idx="1"/>
-          </p:nvPr>
-        </p:nvSpPr>
-        <p:spPr/>
-        <p:txBody>
-          <a:bodyPr/>
-          <a:lstStyle/>
-          <a:p>
-            <a:r>
-              <a:rPr lang="en-US" dirty="0" smtClean="0"/>
-              <a:t>Header</a:t>
-            </a:r>
-          </a:p>
-          <a:p>
-            <a:pPr lvl="1"/>
-            <a:r>
-              <a:rPr lang="en-US" dirty="0" smtClean="0"/>
-              <a:t>VNA info</a:t>
-            </a:r>
-          </a:p>
-          <a:p>
-            <a:pPr lvl="1"/>
-            <a:r>
-              <a:rPr lang="en-US" dirty="0" smtClean="0"/>
-              <a:t>Settings (Frequency, Power, Miscellaneous)</a:t>
-            </a:r>
-          </a:p>
-          <a:p>
-            <a:pPr lvl="1"/>
-            <a:r>
-              <a:rPr lang="en-US" dirty="0" smtClean="0"/>
-              <a:t>RF Pulse info (if applicable)</a:t>
-            </a:r>
-          </a:p>
-          <a:p>
-            <a:r>
-              <a:rPr lang="en-US" dirty="0" smtClean="0"/>
-              <a:t>Data </a:t>
-            </a:r>
-            <a:r>
-              <a:rPr lang="en-US" dirty="0" smtClean="0"/>
-              <a:t>Columns:</a:t>
-            </a:r>
-          </a:p>
-          <a:p>
-            <a:pPr lvl="1"/>
-            <a:r>
-              <a:rPr lang="en-US" dirty="0" smtClean="0"/>
-              <a:t>Frequency</a:t>
-            </a:r>
-          </a:p>
-          <a:p>
-            <a:pPr lvl="1"/>
-            <a:r>
-              <a:rPr lang="en-US" dirty="0" smtClean="0"/>
-              <a:t>Pin (</a:t>
-            </a:r>
-            <a:r>
-              <a:rPr lang="en-US" dirty="0" err="1" smtClean="0"/>
-              <a:t>dBm</a:t>
-            </a:r>
-            <a:r>
-              <a:rPr lang="en-US" dirty="0" smtClean="0"/>
-              <a:t>, </a:t>
-            </a:r>
-            <a:r>
-              <a:rPr lang="en-US" dirty="0" err="1" smtClean="0"/>
-              <a:t>deg</a:t>
-            </a:r>
-            <a:r>
-              <a:rPr lang="en-US" dirty="0" smtClean="0"/>
-              <a:t>)</a:t>
-            </a:r>
-          </a:p>
-          <a:p>
-            <a:pPr lvl="1"/>
-            <a:r>
-              <a:rPr lang="en-US" dirty="0" smtClean="0"/>
-              <a:t>Pout (</a:t>
-            </a:r>
-            <a:r>
-              <a:rPr lang="en-US" dirty="0" err="1" smtClean="0"/>
-              <a:t>dBm</a:t>
-            </a:r>
-            <a:r>
-              <a:rPr lang="en-US" dirty="0" smtClean="0"/>
-              <a:t>, </a:t>
-            </a:r>
-            <a:r>
-              <a:rPr lang="en-US" dirty="0" err="1" smtClean="0"/>
-              <a:t>deg</a:t>
-            </a:r>
-            <a:r>
-              <a:rPr lang="en-US" dirty="0" smtClean="0"/>
-              <a:t>)</a:t>
-            </a:r>
-          </a:p>
-          <a:p>
-            <a:pPr lvl="1"/>
-            <a:r>
-              <a:rPr lang="en-US" dirty="0" smtClean="0"/>
-              <a:t>AMPM (</a:t>
-            </a:r>
-            <a:r>
-              <a:rPr lang="en-US" dirty="0" err="1" smtClean="0"/>
-              <a:t>deg</a:t>
-            </a:r>
-            <a:r>
-              <a:rPr lang="en-US" dirty="0" smtClean="0"/>
-              <a:t>)</a:t>
-            </a:r>
-          </a:p>
-          <a:p>
-            <a:pPr lvl="1"/>
-            <a:r>
-              <a:rPr lang="en-US" dirty="0" smtClean="0"/>
-              <a:t>S</a:t>
-            </a:r>
-            <a:r>
-              <a:rPr lang="en-US" baseline="-25000" dirty="0" smtClean="0"/>
-              <a:t>11</a:t>
-            </a:r>
-            <a:r>
-              <a:rPr lang="en-US" dirty="0" smtClean="0"/>
-              <a:t>, S</a:t>
-            </a:r>
-            <a:r>
-              <a:rPr lang="en-US" baseline="-25000" dirty="0" smtClean="0"/>
-              <a:t>12</a:t>
-            </a:r>
-            <a:r>
-              <a:rPr lang="en-US" dirty="0" smtClean="0"/>
-              <a:t>, S</a:t>
-            </a:r>
-            <a:r>
-              <a:rPr lang="en-US" baseline="-25000" dirty="0" smtClean="0"/>
-              <a:t>21</a:t>
-            </a:r>
-            <a:r>
-              <a:rPr lang="en-US" dirty="0" smtClean="0"/>
-              <a:t>, S</a:t>
-            </a:r>
-            <a:r>
-              <a:rPr lang="en-US" baseline="-25000" dirty="0" smtClean="0"/>
-              <a:t>22</a:t>
-            </a:r>
-            <a:r>
-              <a:rPr lang="en-US" dirty="0" smtClean="0"/>
-              <a:t/>
-            </a:r>
-            <a:br>
-              <a:rPr lang="en-US" dirty="0" smtClean="0"/>
-            </a:br>
-            <a:r>
-              <a:rPr lang="en-US" dirty="0" smtClean="0"/>
-              <a:t>(dB, </a:t>
-            </a:r>
-            <a:r>
-              <a:rPr lang="en-US" dirty="0" err="1" smtClean="0"/>
-              <a:t>deg</a:t>
-            </a:r>
-            <a:r>
-              <a:rPr lang="en-US" dirty="0" smtClean="0"/>
-              <a:t>)</a:t>
-            </a:r>
-            <a:endParaRPr lang="en-US" dirty="0" smtClean="0"/>
-          </a:p>
-        </p:txBody>
-      </p:sp>
-      <p:sp>
-        <p:nvSpPr>
-          <p:cNvPr id="5" name="Text Placeholder 4"/>
-          <p:cNvSpPr>
-            <a:spLocks noGrp="1"/>
-          </p:cNvSpPr>
-          <p:nvPr>
-            <p:ph type="body" idx="13"/>
-          </p:nvPr>
-        </p:nvSpPr>
-        <p:spPr/>
-        <p:txBody>
-          <a:bodyPr/>
-          <a:lstStyle/>
-          <a:p>
-            <a:r>
-              <a:rPr lang="en-US" dirty="0" smtClean="0"/>
-              <a:t>CSV Format</a:t>
-            </a:r>
-            <a:endParaRPr lang="en-US" dirty="0"/>
-          </a:p>
-        </p:txBody>
-      </p:sp>
-      <p:sp>
-        <p:nvSpPr>
-          <p:cNvPr id="4" name="Slide Number Placeholder 3"/>
-          <p:cNvSpPr>
-            <a:spLocks noGrp="1"/>
-          </p:cNvSpPr>
-          <p:nvPr>
-            <p:ph type="sldNum" sz="quarter" idx="14"/>
-          </p:nvPr>
-        </p:nvSpPr>
-        <p:spPr/>
-        <p:txBody>
-          <a:bodyPr/>
-          <a:lstStyle/>
-          <a:p>
-            <a:pPr>
-              <a:defRPr/>
-            </a:pPr>
-            <a:fld id="{C2257212-E44F-4C49-9A79-F22BDE7B0592}" type="slidenum">
-              <a:rPr lang="en-US" smtClean="0"/>
-              <a:pPr>
-                <a:defRPr/>
-              </a:pPr>
-              <a:t>22</a:t>
-            </a:fld>
-            <a:endParaRPr lang="en-US" dirty="0"/>
-          </a:p>
-        </p:txBody>
-      </p:sp>
-      <p:pic>
-        <p:nvPicPr>
-          <p:cNvPr id="7" name="Picture 6"/>
-          <p:cNvPicPr>
-            <a:picLocks noChangeAspect="1"/>
-          </p:cNvPicPr>
-          <p:nvPr/>
-        </p:nvPicPr>
-        <p:blipFill rotWithShape="1">
-          <a:blip r:embed="rId2">
-            <a:extLst>
-              <a:ext uri="{28A0092B-C50C-407E-A947-70E740481C1C}">
-                <a14:useLocalDpi xmlns:a14="http://schemas.microsoft.com/office/drawing/2010/main" val="0"/>
-              </a:ext>
-            </a:extLst>
-          </a:blip>
-          <a:srcRect r="32293"/>
-          <a:stretch/>
-        </p:blipFill>
-        <p:spPr>
-          <a:xfrm>
-            <a:off x="2987824" y="3284984"/>
-            <a:ext cx="5435773" cy="2392109"/>
-          </a:xfrm>
-          <a:prstGeom prst="rect">
-            <a:avLst/>
-          </a:prstGeom>
-        </p:spPr>
-      </p:pic>
-    </p:spTree>
-    <p:extLst>
-      <p:ext uri="{BB962C8B-B14F-4D97-AF65-F5344CB8AC3E}">
-        <p14:creationId xmlns:p14="http://schemas.microsoft.com/office/powerpoint/2010/main" val="494365414"/>
-      </p:ext>
-    </p:extLst>
-  </p:cSld>
-  <p:clrMapOvr>
-    <a:masterClrMapping/>
-  </p:clrMapOvr>
-  <p:timing>
-    <p:tnLst>
-      <p:par>
-        <p:cTn id="1" dur="indefinite" restart="never" nodeType="tmRoot"/>
-      </p:par>
-    </p:tnLst>
-  </p:timing>
-</p:sld>
-</file>
-
-<file path=ppt/slides/slide23.xml><?xml version="1.0" encoding="utf-8"?>
-<p:sld xmlns:a="http://schemas.openxmlformats.org/drawingml/2006/main" xmlns:r="http://schemas.openxmlformats.org/officeDocument/2006/relationships" xmlns:p="http://schemas.openxmlformats.org/presentationml/2006/main">
-  <p:cSld>
-    <p:spTree>
-      <p:nvGrpSpPr>
-        <p:cNvPr id="1" name=""/>
-        <p:cNvGrpSpPr/>
-        <p:nvPr/>
-      </p:nvGrpSpPr>
-      <p:grpSpPr>
-        <a:xfrm>
-          <a:off x="0" y="0"/>
-          <a:ext cx="0" cy="0"/>
-          <a:chOff x="0" y="0"/>
-          <a:chExt cx="0" cy="0"/>
-        </a:xfrm>
-      </p:grpSpPr>
-      <p:sp>
-        <p:nvSpPr>
-          <p:cNvPr id="2" name="Title 1"/>
-          <p:cNvSpPr>
-            <a:spLocks noGrp="1"/>
-          </p:cNvSpPr>
-          <p:nvPr>
-            <p:ph type="title"/>
-          </p:nvPr>
-        </p:nvSpPr>
-        <p:spPr/>
-        <p:txBody>
-          <a:bodyPr/>
-          <a:lstStyle/>
-          <a:p>
-            <a:r>
-              <a:rPr lang="en-US" dirty="0" smtClean="0"/>
-              <a:t>Contact</a:t>
-            </a:r>
-            <a:endParaRPr lang="en-US" dirty="0"/>
-          </a:p>
-        </p:txBody>
-      </p:sp>
-      <p:sp>
-        <p:nvSpPr>
-          <p:cNvPr id="4" name="Slide Number Placeholder 3"/>
-          <p:cNvSpPr>
-            <a:spLocks noGrp="1"/>
-          </p:cNvSpPr>
-          <p:nvPr>
-            <p:ph type="sldNum" sz="quarter" idx="10"/>
-          </p:nvPr>
-        </p:nvSpPr>
-        <p:spPr/>
-        <p:txBody>
-          <a:bodyPr/>
-          <a:lstStyle/>
-          <a:p>
-            <a:pPr>
-              <a:defRPr/>
-            </a:pPr>
-            <a:fld id="{C2257212-E44F-4C49-9A79-F22BDE7B0592}" type="slidenum">
-              <a:rPr lang="en-US" smtClean="0"/>
-              <a:pPr>
-                <a:defRPr/>
-              </a:pPr>
-              <a:t>23</a:t>
-            </a:fld>
-            <a:endParaRPr lang="en-US" dirty="0"/>
-          </a:p>
-        </p:txBody>
-      </p:sp>
-      <p:cxnSp>
-        <p:nvCxnSpPr>
-          <p:cNvPr id="7" name="Straight Connector 6"/>
-          <p:cNvCxnSpPr/>
-          <p:nvPr/>
-        </p:nvCxnSpPr>
-        <p:spPr>
-          <a:xfrm>
-            <a:off x="377950" y="764704"/>
-            <a:ext cx="4482082" cy="0"/>
-          </a:xfrm>
-          <a:prstGeom prst="line">
-            <a:avLst/>
-          </a:prstGeom>
-          <a:ln w="57150">
-            <a:gradFill>
-              <a:gsLst>
-                <a:gs pos="0">
-                  <a:schemeClr val="tx2"/>
-                </a:gs>
-                <a:gs pos="50000">
-                  <a:schemeClr val="accent1">
-                    <a:tint val="44500"/>
-                    <a:satMod val="160000"/>
-                  </a:schemeClr>
-                </a:gs>
-                <a:gs pos="100000">
-                  <a:schemeClr val="accent4">
-                    <a:lumMod val="20000"/>
-                    <a:lumOff val="80000"/>
-                  </a:schemeClr>
-                </a:gs>
-              </a:gsLst>
-              <a:lin ang="0" scaled="0"/>
-            </a:gradFill>
-          </a:ln>
-        </p:spPr>
-        <p:style>
-          <a:lnRef idx="1">
-            <a:schemeClr val="accent1"/>
-          </a:lnRef>
-          <a:fillRef idx="0">
-            <a:schemeClr val="accent1"/>
-          </a:fillRef>
-          <a:effectRef idx="0">
-            <a:schemeClr val="accent1"/>
-          </a:effectRef>
-          <a:fontRef idx="minor">
-            <a:schemeClr val="tx1"/>
-          </a:fontRef>
-        </p:style>
-      </p:cxnSp>
-      <p:sp>
-        <p:nvSpPr>
-          <p:cNvPr id="9" name="Content Placeholder 8"/>
-          <p:cNvSpPr>
-            <a:spLocks noGrp="1"/>
-          </p:cNvSpPr>
-          <p:nvPr>
-            <p:ph idx="1"/>
-          </p:nvPr>
-        </p:nvSpPr>
-        <p:spPr>
-          <a:xfrm>
-            <a:off x="360362" y="1052736"/>
-            <a:ext cx="8460109" cy="4679950"/>
-          </a:xfrm>
-        </p:spPr>
-        <p:txBody>
-          <a:bodyPr/>
-          <a:lstStyle/>
-          <a:p>
-            <a:r>
-              <a:rPr lang="en-US" dirty="0" smtClean="0"/>
-              <a:t>Please contact me with </a:t>
-            </a:r>
-            <a:r>
-              <a:rPr lang="en-US" dirty="0" smtClean="0"/>
-              <a:t>questions or comments</a:t>
-            </a:r>
-            <a:endParaRPr lang="en-US" dirty="0" smtClean="0"/>
-          </a:p>
-        </p:txBody>
-      </p:sp>
-      <p:sp>
-        <p:nvSpPr>
-          <p:cNvPr id="6" name="Rectangle 5"/>
-          <p:cNvSpPr/>
-          <p:nvPr/>
-        </p:nvSpPr>
-        <p:spPr>
-          <a:xfrm>
-            <a:off x="-180528" y="4005064"/>
-            <a:ext cx="5328592" cy="1754326"/>
-          </a:xfrm>
-          <a:prstGeom prst="rect">
-            <a:avLst/>
-          </a:prstGeom>
-        </p:spPr>
-        <p:txBody>
-          <a:bodyPr wrap="square">
-            <a:spAutoFit/>
-          </a:bodyPr>
-          <a:lstStyle/>
-          <a:p>
-            <a:pPr marL="539138" lvl="3" indent="0">
-              <a:buNone/>
-            </a:pPr>
-            <a:r>
-              <a:rPr lang="en-US" b="1" dirty="0">
-                <a:latin typeface="Courier New" pitchFamily="49" charset="0"/>
-                <a:cs typeface="Courier New" pitchFamily="49" charset="0"/>
-              </a:rPr>
-              <a:t>Nick Lalic</a:t>
-            </a:r>
-            <a:r>
-              <a:rPr lang="en-US" dirty="0">
-                <a:latin typeface="Courier New" pitchFamily="49" charset="0"/>
-                <a:cs typeface="Courier New" pitchFamily="49" charset="0"/>
-              </a:rPr>
-              <a:t/>
-            </a:r>
-            <a:br>
-              <a:rPr lang="en-US" dirty="0">
-                <a:latin typeface="Courier New" pitchFamily="49" charset="0"/>
-                <a:cs typeface="Courier New" pitchFamily="49" charset="0"/>
-              </a:rPr>
-            </a:br>
-            <a:r>
-              <a:rPr lang="en-US" dirty="0">
-                <a:latin typeface="Courier New" pitchFamily="49" charset="0"/>
-                <a:cs typeface="Courier New" pitchFamily="49" charset="0"/>
-              </a:rPr>
-              <a:t>VNA Software </a:t>
-            </a:r>
-            <a:r>
-              <a:rPr lang="en-US" dirty="0" smtClean="0">
-                <a:latin typeface="Courier New" pitchFamily="49" charset="0"/>
-                <a:cs typeface="Courier New" pitchFamily="49" charset="0"/>
-              </a:rPr>
-              <a:t>Developer</a:t>
-            </a:r>
-          </a:p>
-          <a:p>
-            <a:pPr marL="539138" lvl="3" indent="0">
-              <a:buNone/>
-            </a:pPr>
-            <a:r>
-              <a:rPr lang="en-US" dirty="0" smtClean="0">
-                <a:latin typeface="Courier New" pitchFamily="49" charset="0"/>
-                <a:cs typeface="Courier New" pitchFamily="49" charset="0"/>
-              </a:rPr>
-              <a:t>San Francisco, CA</a:t>
-            </a:r>
-            <a:endParaRPr lang="en-US" dirty="0" smtClean="0">
-              <a:latin typeface="Courier New" pitchFamily="49" charset="0"/>
-              <a:cs typeface="Courier New" pitchFamily="49" charset="0"/>
-            </a:endParaRPr>
-          </a:p>
-          <a:p>
-            <a:pPr marL="539138" lvl="3" indent="0">
-              <a:buNone/>
-            </a:pPr>
-            <a:r>
-              <a:rPr lang="en-US" dirty="0" smtClean="0">
-                <a:latin typeface="Courier New" pitchFamily="49" charset="0"/>
-                <a:cs typeface="Courier New" pitchFamily="49" charset="0"/>
-              </a:rPr>
-              <a:t>+</a:t>
-            </a:r>
-            <a:r>
-              <a:rPr lang="en-US" dirty="0">
-                <a:latin typeface="Courier New" pitchFamily="49" charset="0"/>
-                <a:cs typeface="Courier New" pitchFamily="49" charset="0"/>
-              </a:rPr>
-              <a:t>1 (424) 200-2846</a:t>
-            </a:r>
-            <a:br>
-              <a:rPr lang="en-US" dirty="0">
-                <a:latin typeface="Courier New" pitchFamily="49" charset="0"/>
-                <a:cs typeface="Courier New" pitchFamily="49" charset="0"/>
-              </a:rPr>
-            </a:br>
-            <a:r>
-              <a:rPr lang="en-US" dirty="0">
-                <a:latin typeface="Courier New" pitchFamily="49" charset="0"/>
-                <a:cs typeface="Courier New" pitchFamily="49" charset="0"/>
-                <a:hlinkClick r:id="rId2"/>
-              </a:rPr>
-              <a:t>nick.lalic@rsa.rohde-schwarz.com</a:t>
-            </a:r>
-            <a:endParaRPr lang="en-US" dirty="0">
-              <a:latin typeface="Courier New" pitchFamily="49" charset="0"/>
-              <a:cs typeface="Courier New" pitchFamily="49" charset="0"/>
-            </a:endParaRPr>
-          </a:p>
-          <a:p>
-            <a:pPr marL="539138" lvl="3" indent="0">
-              <a:buNone/>
-            </a:pPr>
-            <a:r>
-              <a:rPr lang="en-US" dirty="0">
-                <a:latin typeface="Courier New" pitchFamily="49" charset="0"/>
-                <a:cs typeface="Courier New" pitchFamily="49" charset="0"/>
-                <a:hlinkClick r:id="rId3"/>
-              </a:rPr>
-              <a:t>http://vna.rs-us.net</a:t>
-            </a:r>
-            <a:endParaRPr lang="en-US" dirty="0">
-              <a:latin typeface="Courier New" pitchFamily="49" charset="0"/>
-              <a:cs typeface="Courier New" pitchFamily="49" charset="0"/>
-            </a:endParaRPr>
-          </a:p>
-        </p:txBody>
-      </p:sp>
-    </p:spTree>
-    <p:extLst>
-      <p:ext uri="{BB962C8B-B14F-4D97-AF65-F5344CB8AC3E}">
-        <p14:creationId xmlns:p14="http://schemas.microsoft.com/office/powerpoint/2010/main" val="141620503"/>
-      </p:ext>
-    </p:extLst>
-  </p:cSld>
-  <p:clrMapOvr>
-    <a:masterClrMapping/>
-  </p:clrMapOvr>
-  <p:timing>
-    <p:tnLst>
-      <p:par>
-        <p:cTn id="1" dur="indefinite" restart="never" nodeType="tmRoot"/>
-      </p:par>
-    </p:tnLst>
-  </p:timing>
-</p:sld>
-</file>
-
-<file path=ppt/slides/slide3.xml><?xml version="1.0" encoding="utf-8"?>
+<file path=ppt/slides/slide2.xml><?xml version="1.0" encoding="utf-8"?>
 <p:sld xmlns:a="http://schemas.openxmlformats.org/drawingml/2006/main" xmlns:r="http://schemas.openxmlformats.org/officeDocument/2006/relationships" xmlns:p="http://schemas.openxmlformats.org/presentationml/2006/main">
   <p:cSld>
     <p:spTree>
@@ -12671,7 +8235,6 @@
               <a:rPr lang="en-US" dirty="0" smtClean="0"/>
               <a:t>)</a:t>
             </a:r>
-            <a:endParaRPr lang="en-US" dirty="0" smtClean="0"/>
           </a:p>
         </p:txBody>
       </p:sp>
@@ -12698,7 +8261,7 @@
               <a:pPr>
                 <a:defRPr/>
               </a:pPr>
-              <a:t>3</a:t>
+              <a:t>2</a:t>
             </a:fld>
             <a:endParaRPr lang="en-US" dirty="0"/>
           </a:p>
@@ -15420,7 +10983,788 @@
 </p:sld>
 </file>
 
-<file path=ppt/slides/slide4.xml><?xml version="1.0" encoding="utf-8"?>
+<file path=ppt/slides/slide20.xml><?xml version="1.0" encoding="utf-8"?>
+<p:sld xmlns:a="http://schemas.openxmlformats.org/drawingml/2006/main" xmlns:r="http://schemas.openxmlformats.org/officeDocument/2006/relationships" xmlns:p="http://schemas.openxmlformats.org/presentationml/2006/main">
+  <p:cSld>
+    <p:spTree>
+      <p:nvGrpSpPr>
+        <p:cNvPr id="1" name=""/>
+        <p:cNvGrpSpPr/>
+        <p:nvPr/>
+      </p:nvGrpSpPr>
+      <p:grpSpPr>
+        <a:xfrm>
+          <a:off x="0" y="0"/>
+          <a:ext cx="0" cy="0"/>
+          <a:chOff x="0" y="0"/>
+          <a:chExt cx="0" cy="0"/>
+        </a:xfrm>
+      </p:grpSpPr>
+      <p:sp>
+        <p:nvSpPr>
+          <p:cNvPr id="2" name="Title 1"/>
+          <p:cNvSpPr>
+            <a:spLocks noGrp="1"/>
+          </p:cNvSpPr>
+          <p:nvPr>
+            <p:ph type="title"/>
+          </p:nvPr>
+        </p:nvSpPr>
+        <p:spPr/>
+        <p:txBody>
+          <a:bodyPr/>
+          <a:lstStyle/>
+          <a:p>
+            <a:r>
+              <a:rPr lang="en-US" dirty="0" smtClean="0"/>
+              <a:t>Export</a:t>
+            </a:r>
+            <a:endParaRPr lang="en-US" dirty="0"/>
+          </a:p>
+        </p:txBody>
+      </p:sp>
+      <p:sp>
+        <p:nvSpPr>
+          <p:cNvPr id="3" name="Content Placeholder 2"/>
+          <p:cNvSpPr>
+            <a:spLocks noGrp="1"/>
+          </p:cNvSpPr>
+          <p:nvPr>
+            <p:ph idx="1"/>
+          </p:nvPr>
+        </p:nvSpPr>
+        <p:spPr/>
+        <p:txBody>
+          <a:bodyPr/>
+          <a:lstStyle/>
+          <a:p>
+            <a:r>
+              <a:rPr lang="en-US" dirty="0" smtClean="0"/>
+              <a:t>Results are exported into a ZIP file</a:t>
+            </a:r>
+          </a:p>
+          <a:p>
+            <a:r>
+              <a:rPr lang="en-US" dirty="0" smtClean="0"/>
+              <a:t>Results are exported in two formats:</a:t>
+            </a:r>
+          </a:p>
+          <a:p>
+            <a:pPr lvl="1"/>
+            <a:r>
+              <a:rPr lang="en-US" dirty="0" smtClean="0"/>
+              <a:t>Touchstone 1.0 files – One per power level</a:t>
+            </a:r>
+          </a:p>
+          <a:p>
+            <a:pPr lvl="1"/>
+            <a:r>
+              <a:rPr lang="en-US" dirty="0" smtClean="0"/>
+              <a:t>Compression CSV – Summary of compression point results</a:t>
+            </a:r>
+          </a:p>
+          <a:p>
+            <a:pPr lvl="1"/>
+            <a:r>
+              <a:rPr lang="en-US" dirty="0" smtClean="0"/>
+              <a:t>Raw Data CSV file – containing all raw measurement points</a:t>
+            </a:r>
+          </a:p>
+        </p:txBody>
+      </p:sp>
+      <p:sp>
+        <p:nvSpPr>
+          <p:cNvPr id="4" name="Slide Number Placeholder 3"/>
+          <p:cNvSpPr>
+            <a:spLocks noGrp="1"/>
+          </p:cNvSpPr>
+          <p:nvPr>
+            <p:ph type="sldNum" sz="quarter" idx="10"/>
+          </p:nvPr>
+        </p:nvSpPr>
+        <p:spPr/>
+        <p:txBody>
+          <a:bodyPr/>
+          <a:lstStyle/>
+          <a:p>
+            <a:pPr>
+              <a:defRPr/>
+            </a:pPr>
+            <a:fld id="{C2257212-E44F-4C49-9A79-F22BDE7B0592}" type="slidenum">
+              <a:rPr lang="en-US" smtClean="0"/>
+              <a:pPr>
+                <a:defRPr/>
+              </a:pPr>
+              <a:t>20</a:t>
+            </a:fld>
+            <a:endParaRPr lang="en-US" dirty="0"/>
+          </a:p>
+        </p:txBody>
+      </p:sp>
+      <p:pic>
+        <p:nvPicPr>
+          <p:cNvPr id="8" name="Picture 7"/>
+          <p:cNvPicPr>
+            <a:picLocks noChangeAspect="1"/>
+          </p:cNvPicPr>
+          <p:nvPr/>
+        </p:nvPicPr>
+        <p:blipFill>
+          <a:blip r:embed="rId2"/>
+          <a:stretch>
+            <a:fillRect/>
+          </a:stretch>
+        </p:blipFill>
+        <p:spPr>
+          <a:xfrm>
+            <a:off x="3571875" y="3284984"/>
+            <a:ext cx="1857375" cy="990600"/>
+          </a:xfrm>
+          <a:prstGeom prst="rect">
+            <a:avLst/>
+          </a:prstGeom>
+          <a:ln>
+            <a:solidFill>
+              <a:srgbClr val="009DEC"/>
+            </a:solidFill>
+          </a:ln>
+          <a:effectLst>
+            <a:outerShdw blurRad="50800" dist="38100" dir="2700000" algn="tl" rotWithShape="0">
+              <a:prstClr val="black">
+                <a:alpha val="40000"/>
+              </a:prstClr>
+            </a:outerShdw>
+          </a:effectLst>
+        </p:spPr>
+      </p:pic>
+    </p:spTree>
+    <p:extLst>
+      <p:ext uri="{BB962C8B-B14F-4D97-AF65-F5344CB8AC3E}">
+        <p14:creationId xmlns:p14="http://schemas.microsoft.com/office/powerpoint/2010/main" val="2169167870"/>
+      </p:ext>
+    </p:extLst>
+  </p:cSld>
+  <p:clrMapOvr>
+    <a:masterClrMapping/>
+  </p:clrMapOvr>
+  <p:timing>
+    <p:tnLst>
+      <p:par>
+        <p:cTn id="1" dur="indefinite" restart="never" nodeType="tmRoot"/>
+      </p:par>
+    </p:tnLst>
+  </p:timing>
+</p:sld>
+</file>
+
+<file path=ppt/slides/slide21.xml><?xml version="1.0" encoding="utf-8"?>
+<p:sld xmlns:a="http://schemas.openxmlformats.org/drawingml/2006/main" xmlns:r="http://schemas.openxmlformats.org/officeDocument/2006/relationships" xmlns:p="http://schemas.openxmlformats.org/presentationml/2006/main">
+  <p:cSld>
+    <p:spTree>
+      <p:nvGrpSpPr>
+        <p:cNvPr id="1" name=""/>
+        <p:cNvGrpSpPr/>
+        <p:nvPr/>
+      </p:nvGrpSpPr>
+      <p:grpSpPr>
+        <a:xfrm>
+          <a:off x="0" y="0"/>
+          <a:ext cx="0" cy="0"/>
+          <a:chOff x="0" y="0"/>
+          <a:chExt cx="0" cy="0"/>
+        </a:xfrm>
+      </p:grpSpPr>
+      <p:sp>
+        <p:nvSpPr>
+          <p:cNvPr id="2" name="Title 1"/>
+          <p:cNvSpPr>
+            <a:spLocks noGrp="1"/>
+          </p:cNvSpPr>
+          <p:nvPr>
+            <p:ph type="title"/>
+          </p:nvPr>
+        </p:nvSpPr>
+        <p:spPr/>
+        <p:txBody>
+          <a:bodyPr/>
+          <a:lstStyle/>
+          <a:p>
+            <a:r>
+              <a:rPr lang="en-US" dirty="0" smtClean="0"/>
+              <a:t>Export</a:t>
+            </a:r>
+            <a:endParaRPr lang="en-US" dirty="0"/>
+          </a:p>
+        </p:txBody>
+      </p:sp>
+      <p:sp>
+        <p:nvSpPr>
+          <p:cNvPr id="3" name="Content Placeholder 2"/>
+          <p:cNvSpPr>
+            <a:spLocks noGrp="1"/>
+          </p:cNvSpPr>
+          <p:nvPr>
+            <p:ph idx="1"/>
+          </p:nvPr>
+        </p:nvSpPr>
+        <p:spPr/>
+        <p:txBody>
+          <a:bodyPr/>
+          <a:lstStyle/>
+          <a:p>
+            <a:r>
+              <a:rPr lang="en-US" dirty="0" smtClean="0"/>
+              <a:t>Header</a:t>
+            </a:r>
+          </a:p>
+          <a:p>
+            <a:pPr lvl="1"/>
+            <a:r>
+              <a:rPr lang="en-US" dirty="0" smtClean="0"/>
+              <a:t>VNA info</a:t>
+            </a:r>
+          </a:p>
+          <a:p>
+            <a:pPr lvl="1"/>
+            <a:r>
+              <a:rPr lang="en-US" dirty="0" smtClean="0"/>
+              <a:t>Settings (Frequency, Power, Miscellaneous)</a:t>
+            </a:r>
+          </a:p>
+          <a:p>
+            <a:pPr lvl="1"/>
+            <a:r>
+              <a:rPr lang="en-US" dirty="0" smtClean="0"/>
+              <a:t>RF Pulse info (if applicable)</a:t>
+            </a:r>
+          </a:p>
+          <a:p>
+            <a:r>
+              <a:rPr lang="en-US" dirty="0" smtClean="0"/>
+              <a:t>Data Columns:</a:t>
+            </a:r>
+          </a:p>
+          <a:p>
+            <a:pPr lvl="1"/>
+            <a:r>
+              <a:rPr lang="en-US" dirty="0" smtClean="0"/>
+              <a:t>Frequency</a:t>
+            </a:r>
+          </a:p>
+          <a:p>
+            <a:pPr lvl="1"/>
+            <a:r>
+              <a:rPr lang="en-US" dirty="0" smtClean="0"/>
+              <a:t>Pin (</a:t>
+            </a:r>
+            <a:r>
+              <a:rPr lang="en-US" dirty="0" err="1" smtClean="0"/>
+              <a:t>dBm</a:t>
+            </a:r>
+            <a:r>
+              <a:rPr lang="en-US" dirty="0" smtClean="0"/>
+              <a:t>, </a:t>
+            </a:r>
+            <a:r>
+              <a:rPr lang="en-US" dirty="0" err="1" smtClean="0"/>
+              <a:t>deg</a:t>
+            </a:r>
+            <a:r>
+              <a:rPr lang="en-US" dirty="0" smtClean="0"/>
+              <a:t>)</a:t>
+            </a:r>
+          </a:p>
+          <a:p>
+            <a:pPr lvl="1"/>
+            <a:r>
+              <a:rPr lang="en-US" dirty="0" smtClean="0"/>
+              <a:t>Pout (</a:t>
+            </a:r>
+            <a:r>
+              <a:rPr lang="en-US" dirty="0" err="1" smtClean="0"/>
+              <a:t>dBm</a:t>
+            </a:r>
+            <a:r>
+              <a:rPr lang="en-US" dirty="0" smtClean="0"/>
+              <a:t>, </a:t>
+            </a:r>
+            <a:r>
+              <a:rPr lang="en-US" dirty="0" err="1" smtClean="0"/>
+              <a:t>deg</a:t>
+            </a:r>
+            <a:r>
+              <a:rPr lang="en-US" dirty="0" smtClean="0"/>
+              <a:t>)</a:t>
+            </a:r>
+          </a:p>
+          <a:p>
+            <a:pPr lvl="1"/>
+            <a:r>
+              <a:rPr lang="en-US" dirty="0" smtClean="0"/>
+              <a:t>AMPM (</a:t>
+            </a:r>
+            <a:r>
+              <a:rPr lang="en-US" dirty="0" err="1" smtClean="0"/>
+              <a:t>deg</a:t>
+            </a:r>
+            <a:r>
+              <a:rPr lang="en-US" dirty="0" smtClean="0"/>
+              <a:t>)</a:t>
+            </a:r>
+          </a:p>
+          <a:p>
+            <a:pPr lvl="1"/>
+            <a:r>
+              <a:rPr lang="en-US" dirty="0" smtClean="0"/>
+              <a:t>S</a:t>
+            </a:r>
+            <a:r>
+              <a:rPr lang="en-US" baseline="-25000" dirty="0" smtClean="0"/>
+              <a:t>11</a:t>
+            </a:r>
+            <a:r>
+              <a:rPr lang="en-US" dirty="0" smtClean="0"/>
+              <a:t>, S</a:t>
+            </a:r>
+            <a:r>
+              <a:rPr lang="en-US" baseline="-25000" dirty="0" smtClean="0"/>
+              <a:t>12</a:t>
+            </a:r>
+            <a:r>
+              <a:rPr lang="en-US" dirty="0" smtClean="0"/>
+              <a:t>, S</a:t>
+            </a:r>
+            <a:r>
+              <a:rPr lang="en-US" baseline="-25000" dirty="0" smtClean="0"/>
+              <a:t>21</a:t>
+            </a:r>
+            <a:r>
+              <a:rPr lang="en-US" dirty="0" smtClean="0"/>
+              <a:t>, S</a:t>
+            </a:r>
+            <a:r>
+              <a:rPr lang="en-US" baseline="-25000" dirty="0" smtClean="0"/>
+              <a:t>22</a:t>
+            </a:r>
+            <a:r>
+              <a:rPr lang="en-US" dirty="0" smtClean="0"/>
+              <a:t/>
+            </a:r>
+            <a:br>
+              <a:rPr lang="en-US" dirty="0" smtClean="0"/>
+            </a:br>
+            <a:r>
+              <a:rPr lang="en-US" dirty="0" smtClean="0"/>
+              <a:t>(dB, </a:t>
+            </a:r>
+            <a:r>
+              <a:rPr lang="en-US" dirty="0" err="1" smtClean="0"/>
+              <a:t>deg</a:t>
+            </a:r>
+            <a:r>
+              <a:rPr lang="en-US" dirty="0" smtClean="0"/>
+              <a:t>)</a:t>
+            </a:r>
+          </a:p>
+        </p:txBody>
+      </p:sp>
+      <p:sp>
+        <p:nvSpPr>
+          <p:cNvPr id="5" name="Text Placeholder 4"/>
+          <p:cNvSpPr>
+            <a:spLocks noGrp="1"/>
+          </p:cNvSpPr>
+          <p:nvPr>
+            <p:ph type="body" idx="13"/>
+          </p:nvPr>
+        </p:nvSpPr>
+        <p:spPr/>
+        <p:txBody>
+          <a:bodyPr/>
+          <a:lstStyle/>
+          <a:p>
+            <a:r>
+              <a:rPr lang="en-US" dirty="0" smtClean="0"/>
+              <a:t>CSV Format</a:t>
+            </a:r>
+            <a:endParaRPr lang="en-US" dirty="0"/>
+          </a:p>
+        </p:txBody>
+      </p:sp>
+      <p:sp>
+        <p:nvSpPr>
+          <p:cNvPr id="4" name="Slide Number Placeholder 3"/>
+          <p:cNvSpPr>
+            <a:spLocks noGrp="1"/>
+          </p:cNvSpPr>
+          <p:nvPr>
+            <p:ph type="sldNum" sz="quarter" idx="14"/>
+          </p:nvPr>
+        </p:nvSpPr>
+        <p:spPr/>
+        <p:txBody>
+          <a:bodyPr/>
+          <a:lstStyle/>
+          <a:p>
+            <a:pPr>
+              <a:defRPr/>
+            </a:pPr>
+            <a:fld id="{C2257212-E44F-4C49-9A79-F22BDE7B0592}" type="slidenum">
+              <a:rPr lang="en-US" smtClean="0"/>
+              <a:pPr>
+                <a:defRPr/>
+              </a:pPr>
+              <a:t>21</a:t>
+            </a:fld>
+            <a:endParaRPr lang="en-US" dirty="0"/>
+          </a:p>
+        </p:txBody>
+      </p:sp>
+      <p:pic>
+        <p:nvPicPr>
+          <p:cNvPr id="7" name="Picture 6"/>
+          <p:cNvPicPr>
+            <a:picLocks noChangeAspect="1"/>
+          </p:cNvPicPr>
+          <p:nvPr/>
+        </p:nvPicPr>
+        <p:blipFill rotWithShape="1">
+          <a:blip r:embed="rId2">
+            <a:extLst>
+              <a:ext uri="{28A0092B-C50C-407E-A947-70E740481C1C}">
+                <a14:useLocalDpi xmlns:a14="http://schemas.microsoft.com/office/drawing/2010/main" val="0"/>
+              </a:ext>
+            </a:extLst>
+          </a:blip>
+          <a:srcRect r="32293"/>
+          <a:stretch/>
+        </p:blipFill>
+        <p:spPr>
+          <a:xfrm>
+            <a:off x="2987824" y="3284984"/>
+            <a:ext cx="5435773" cy="2392109"/>
+          </a:xfrm>
+          <a:prstGeom prst="rect">
+            <a:avLst/>
+          </a:prstGeom>
+        </p:spPr>
+      </p:pic>
+    </p:spTree>
+    <p:extLst>
+      <p:ext uri="{BB962C8B-B14F-4D97-AF65-F5344CB8AC3E}">
+        <p14:creationId xmlns:p14="http://schemas.microsoft.com/office/powerpoint/2010/main" val="494365414"/>
+      </p:ext>
+    </p:extLst>
+  </p:cSld>
+  <p:clrMapOvr>
+    <a:masterClrMapping/>
+  </p:clrMapOvr>
+  <p:timing>
+    <p:tnLst>
+      <p:par>
+        <p:cTn id="1" dur="indefinite" restart="never" nodeType="tmRoot"/>
+      </p:par>
+    </p:tnLst>
+  </p:timing>
+</p:sld>
+</file>
+
+<file path=ppt/slides/slide22.xml><?xml version="1.0" encoding="utf-8"?>
+<p:sld xmlns:a="http://schemas.openxmlformats.org/drawingml/2006/main" xmlns:r="http://schemas.openxmlformats.org/officeDocument/2006/relationships" xmlns:p="http://schemas.openxmlformats.org/presentationml/2006/main">
+  <p:cSld>
+    <p:spTree>
+      <p:nvGrpSpPr>
+        <p:cNvPr id="1" name=""/>
+        <p:cNvGrpSpPr/>
+        <p:nvPr/>
+      </p:nvGrpSpPr>
+      <p:grpSpPr>
+        <a:xfrm>
+          <a:off x="0" y="0"/>
+          <a:ext cx="0" cy="0"/>
+          <a:chOff x="0" y="0"/>
+          <a:chExt cx="0" cy="0"/>
+        </a:xfrm>
+      </p:grpSpPr>
+      <p:sp>
+        <p:nvSpPr>
+          <p:cNvPr id="2" name="Title 1"/>
+          <p:cNvSpPr>
+            <a:spLocks noGrp="1"/>
+          </p:cNvSpPr>
+          <p:nvPr>
+            <p:ph type="title"/>
+          </p:nvPr>
+        </p:nvSpPr>
+        <p:spPr/>
+        <p:txBody>
+          <a:bodyPr/>
+          <a:lstStyle/>
+          <a:p>
+            <a:r>
+              <a:rPr lang="en-US" dirty="0" smtClean="0"/>
+              <a:t>Contact</a:t>
+            </a:r>
+            <a:endParaRPr lang="en-US" dirty="0"/>
+          </a:p>
+        </p:txBody>
+      </p:sp>
+      <p:sp>
+        <p:nvSpPr>
+          <p:cNvPr id="4" name="Slide Number Placeholder 3"/>
+          <p:cNvSpPr>
+            <a:spLocks noGrp="1"/>
+          </p:cNvSpPr>
+          <p:nvPr>
+            <p:ph type="sldNum" sz="quarter" idx="10"/>
+          </p:nvPr>
+        </p:nvSpPr>
+        <p:spPr/>
+        <p:txBody>
+          <a:bodyPr/>
+          <a:lstStyle/>
+          <a:p>
+            <a:pPr>
+              <a:defRPr/>
+            </a:pPr>
+            <a:fld id="{C2257212-E44F-4C49-9A79-F22BDE7B0592}" type="slidenum">
+              <a:rPr lang="en-US" smtClean="0"/>
+              <a:pPr>
+                <a:defRPr/>
+              </a:pPr>
+              <a:t>22</a:t>
+            </a:fld>
+            <a:endParaRPr lang="en-US" dirty="0"/>
+          </a:p>
+        </p:txBody>
+      </p:sp>
+      <p:cxnSp>
+        <p:nvCxnSpPr>
+          <p:cNvPr id="7" name="Straight Connector 6"/>
+          <p:cNvCxnSpPr/>
+          <p:nvPr/>
+        </p:nvCxnSpPr>
+        <p:spPr>
+          <a:xfrm>
+            <a:off x="377950" y="764704"/>
+            <a:ext cx="4482082" cy="0"/>
+          </a:xfrm>
+          <a:prstGeom prst="line">
+            <a:avLst/>
+          </a:prstGeom>
+          <a:ln w="57150">
+            <a:gradFill>
+              <a:gsLst>
+                <a:gs pos="0">
+                  <a:schemeClr val="tx2"/>
+                </a:gs>
+                <a:gs pos="50000">
+                  <a:schemeClr val="accent1">
+                    <a:tint val="44500"/>
+                    <a:satMod val="160000"/>
+                  </a:schemeClr>
+                </a:gs>
+                <a:gs pos="100000">
+                  <a:schemeClr val="accent4">
+                    <a:lumMod val="20000"/>
+                    <a:lumOff val="80000"/>
+                  </a:schemeClr>
+                </a:gs>
+              </a:gsLst>
+              <a:lin ang="0" scaled="0"/>
+            </a:gradFill>
+          </a:ln>
+        </p:spPr>
+        <p:style>
+          <a:lnRef idx="1">
+            <a:schemeClr val="accent1"/>
+          </a:lnRef>
+          <a:fillRef idx="0">
+            <a:schemeClr val="accent1"/>
+          </a:fillRef>
+          <a:effectRef idx="0">
+            <a:schemeClr val="accent1"/>
+          </a:effectRef>
+          <a:fontRef idx="minor">
+            <a:schemeClr val="tx1"/>
+          </a:fontRef>
+        </p:style>
+      </p:cxnSp>
+      <p:sp>
+        <p:nvSpPr>
+          <p:cNvPr id="9" name="Content Placeholder 8"/>
+          <p:cNvSpPr>
+            <a:spLocks noGrp="1"/>
+          </p:cNvSpPr>
+          <p:nvPr>
+            <p:ph idx="1"/>
+          </p:nvPr>
+        </p:nvSpPr>
+        <p:spPr>
+          <a:xfrm>
+            <a:off x="360362" y="1052736"/>
+            <a:ext cx="8460109" cy="4679950"/>
+          </a:xfrm>
+        </p:spPr>
+        <p:txBody>
+          <a:bodyPr/>
+          <a:lstStyle/>
+          <a:p>
+            <a:r>
+              <a:rPr lang="en-US" dirty="0" smtClean="0"/>
+              <a:t>Please contact me with questions or comments</a:t>
+            </a:r>
+          </a:p>
+        </p:txBody>
+      </p:sp>
+      <p:sp>
+        <p:nvSpPr>
+          <p:cNvPr id="6" name="Rectangle 5"/>
+          <p:cNvSpPr/>
+          <p:nvPr/>
+        </p:nvSpPr>
+        <p:spPr>
+          <a:xfrm>
+            <a:off x="-180528" y="4005064"/>
+            <a:ext cx="5328592" cy="1754326"/>
+          </a:xfrm>
+          <a:prstGeom prst="rect">
+            <a:avLst/>
+          </a:prstGeom>
+        </p:spPr>
+        <p:txBody>
+          <a:bodyPr wrap="square">
+            <a:spAutoFit/>
+          </a:bodyPr>
+          <a:lstStyle/>
+          <a:p>
+            <a:pPr marL="539138" lvl="3" indent="0">
+              <a:buNone/>
+            </a:pPr>
+            <a:r>
+              <a:rPr lang="en-US" b="1" dirty="0">
+                <a:latin typeface="Courier New" pitchFamily="49" charset="0"/>
+                <a:cs typeface="Courier New" pitchFamily="49" charset="0"/>
+              </a:rPr>
+              <a:t>Nick Lalic</a:t>
+            </a:r>
+            <a:r>
+              <a:rPr lang="en-US" dirty="0">
+                <a:latin typeface="Courier New" pitchFamily="49" charset="0"/>
+                <a:cs typeface="Courier New" pitchFamily="49" charset="0"/>
+              </a:rPr>
+              <a:t/>
+            </a:r>
+            <a:br>
+              <a:rPr lang="en-US" dirty="0">
+                <a:latin typeface="Courier New" pitchFamily="49" charset="0"/>
+                <a:cs typeface="Courier New" pitchFamily="49" charset="0"/>
+              </a:rPr>
+            </a:br>
+            <a:r>
+              <a:rPr lang="en-US" dirty="0">
+                <a:latin typeface="Courier New" pitchFamily="49" charset="0"/>
+                <a:cs typeface="Courier New" pitchFamily="49" charset="0"/>
+              </a:rPr>
+              <a:t>VNA Software </a:t>
+            </a:r>
+            <a:r>
+              <a:rPr lang="en-US" dirty="0" smtClean="0">
+                <a:latin typeface="Courier New" pitchFamily="49" charset="0"/>
+                <a:cs typeface="Courier New" pitchFamily="49" charset="0"/>
+              </a:rPr>
+              <a:t>Developer</a:t>
+            </a:r>
+          </a:p>
+          <a:p>
+            <a:pPr marL="539138" lvl="3" indent="0">
+              <a:buNone/>
+            </a:pPr>
+            <a:r>
+              <a:rPr lang="en-US" dirty="0" smtClean="0">
+                <a:latin typeface="Courier New" pitchFamily="49" charset="0"/>
+                <a:cs typeface="Courier New" pitchFamily="49" charset="0"/>
+              </a:rPr>
+              <a:t>San Francisco, CA</a:t>
+            </a:r>
+          </a:p>
+          <a:p>
+            <a:pPr marL="539138" lvl="3" indent="0">
+              <a:buNone/>
+            </a:pPr>
+            <a:r>
+              <a:rPr lang="en-US" dirty="0" smtClean="0">
+                <a:latin typeface="Courier New" pitchFamily="49" charset="0"/>
+                <a:cs typeface="Courier New" pitchFamily="49" charset="0"/>
+              </a:rPr>
+              <a:t>+</a:t>
+            </a:r>
+            <a:r>
+              <a:rPr lang="en-US" dirty="0">
+                <a:latin typeface="Courier New" pitchFamily="49" charset="0"/>
+                <a:cs typeface="Courier New" pitchFamily="49" charset="0"/>
+              </a:rPr>
+              <a:t>1 (424) 200-2846</a:t>
+            </a:r>
+            <a:br>
+              <a:rPr lang="en-US" dirty="0">
+                <a:latin typeface="Courier New" pitchFamily="49" charset="0"/>
+                <a:cs typeface="Courier New" pitchFamily="49" charset="0"/>
+              </a:rPr>
+            </a:br>
+            <a:r>
+              <a:rPr lang="en-US" dirty="0">
+                <a:latin typeface="Courier New" pitchFamily="49" charset="0"/>
+                <a:cs typeface="Courier New" pitchFamily="49" charset="0"/>
+                <a:hlinkClick r:id="rId2"/>
+              </a:rPr>
+              <a:t>nick.lalic@rsa.rohde-schwarz.com</a:t>
+            </a:r>
+            <a:endParaRPr lang="en-US" dirty="0">
+              <a:latin typeface="Courier New" pitchFamily="49" charset="0"/>
+              <a:cs typeface="Courier New" pitchFamily="49" charset="0"/>
+            </a:endParaRPr>
+          </a:p>
+          <a:p>
+            <a:pPr marL="539138" lvl="3" indent="0">
+              <a:buNone/>
+            </a:pPr>
+            <a:r>
+              <a:rPr lang="en-US" dirty="0">
+                <a:latin typeface="Courier New" pitchFamily="49" charset="0"/>
+                <a:cs typeface="Courier New" pitchFamily="49" charset="0"/>
+                <a:hlinkClick r:id="rId3"/>
+              </a:rPr>
+              <a:t>http://vna.rs-us.net</a:t>
+            </a:r>
+            <a:endParaRPr lang="en-US" dirty="0">
+              <a:latin typeface="Courier New" pitchFamily="49" charset="0"/>
+              <a:cs typeface="Courier New" pitchFamily="49" charset="0"/>
+            </a:endParaRPr>
+          </a:p>
+        </p:txBody>
+      </p:sp>
+    </p:spTree>
+    <p:extLst>
+      <p:ext uri="{BB962C8B-B14F-4D97-AF65-F5344CB8AC3E}">
+        <p14:creationId xmlns:p14="http://schemas.microsoft.com/office/powerpoint/2010/main" val="141620503"/>
+      </p:ext>
+    </p:extLst>
+  </p:cSld>
+  <p:clrMapOvr>
+    <a:masterClrMapping/>
+  </p:clrMapOvr>
+  <p:timing>
+    <p:tnLst>
+      <p:par>
+        <p:cTn id="1" dur="indefinite" restart="never" nodeType="tmRoot"/>
+      </p:par>
+    </p:tnLst>
+  </p:timing>
+</p:sld>
+</file>
+
+<file path=ppt/slides/slide3.xml><?xml version="1.0" encoding="utf-8"?>
 <p:sld xmlns:a="http://schemas.openxmlformats.org/drawingml/2006/main" xmlns:r="http://schemas.openxmlformats.org/officeDocument/2006/relationships" xmlns:p="http://schemas.openxmlformats.org/presentationml/2006/main">
   <p:cSld>
     <p:spTree>
@@ -15500,7 +11844,6 @@
               <a:rPr lang="en-US" dirty="0" smtClean="0"/>
               <a:t>Any other full calibration</a:t>
             </a:r>
-            <a:endParaRPr lang="en-US" dirty="0" smtClean="0"/>
           </a:p>
           <a:p>
             <a:pPr lvl="1"/>
@@ -15554,7 +11897,7 @@
               <a:pPr>
                 <a:defRPr/>
               </a:pPr>
-              <a:t>4</a:t>
+              <a:t>3</a:t>
             </a:fld>
             <a:endParaRPr lang="en-US" dirty="0"/>
           </a:p>
@@ -18442,7 +14785,7 @@
 </p:sld>
 </file>
 
-<file path=ppt/slides/slide5.xml><?xml version="1.0" encoding="utf-8"?>
+<file path=ppt/slides/slide4.xml><?xml version="1.0" encoding="utf-8"?>
 <p:sld xmlns:a="http://schemas.openxmlformats.org/drawingml/2006/main" xmlns:r="http://schemas.openxmlformats.org/officeDocument/2006/relationships" xmlns:p="http://schemas.openxmlformats.org/presentationml/2006/main">
   <p:cSld>
     <p:spTree>
@@ -18508,7 +14851,6 @@
               <a:rPr lang="en-US" dirty="0" smtClean="0"/>
               <a:t>One Path Two Port calibration</a:t>
             </a:r>
-            <a:endParaRPr lang="en-US" dirty="0" smtClean="0"/>
           </a:p>
           <a:p>
             <a:pPr lvl="1"/>
@@ -18561,7 +14903,7 @@
               <a:pPr>
                 <a:defRPr/>
               </a:pPr>
-              <a:t>5</a:t>
+              <a:t>4</a:t>
             </a:fld>
             <a:endParaRPr lang="en-US" dirty="0"/>
           </a:p>
@@ -21728,7 +18070,7 @@
 </p:sld>
 </file>
 
-<file path=ppt/slides/slide6.xml><?xml version="1.0" encoding="utf-8"?>
+<file path=ppt/slides/slide5.xml><?xml version="1.0" encoding="utf-8"?>
 <p:sld xmlns:a="http://schemas.openxmlformats.org/drawingml/2006/main" xmlns:r="http://schemas.openxmlformats.org/officeDocument/2006/relationships" xmlns:p="http://schemas.openxmlformats.org/presentationml/2006/main">
   <p:cSld>
     <p:spTree>
@@ -21793,11 +18135,7 @@
             </a:r>
             <a:r>
               <a:rPr lang="en-US" dirty="0" smtClean="0"/>
-              <a:t> of </a:t>
-            </a:r>
-            <a:r>
-              <a:rPr lang="en-US" dirty="0" smtClean="0"/>
-              <a:t>Port 1 </a:t>
+              <a:t> of Port 1 </a:t>
             </a:r>
             <a:r>
               <a:rPr lang="en-US" b="1" dirty="0" smtClean="0"/>
@@ -21840,11 +18178,7 @@
             </a:r>
             <a:r>
               <a:rPr lang="en-US" dirty="0" smtClean="0"/>
-              <a:t> </a:t>
-            </a:r>
-            <a:r>
-              <a:rPr lang="en-US" dirty="0" smtClean="0"/>
-              <a:t>(a</a:t>
+              <a:t> (a</a:t>
             </a:r>
             <a:r>
               <a:rPr lang="en-US" baseline="-25000" dirty="0" smtClean="0"/>
@@ -21852,11 +18186,7 @@
             </a:r>
             <a:r>
               <a:rPr lang="en-US" dirty="0" smtClean="0"/>
-              <a:t>) along with </a:t>
-            </a:r>
-            <a:r>
-              <a:rPr lang="en-US" dirty="0" smtClean="0"/>
-              <a:t>S-Parameters</a:t>
+              <a:t>) along with S-Parameters</a:t>
             </a:r>
           </a:p>
           <a:p>
@@ -21870,15 +18200,7 @@
             </a:r>
             <a:r>
               <a:rPr lang="en-US" dirty="0" smtClean="0"/>
-              <a:t> </a:t>
-            </a:r>
-            <a:r>
-              <a:rPr lang="en-US" dirty="0" smtClean="0"/>
-              <a:t>from </a:t>
-            </a:r>
-            <a:r>
-              <a:rPr lang="en-US" dirty="0" smtClean="0"/>
-              <a:t>P</a:t>
+              <a:t> from P</a:t>
             </a:r>
             <a:r>
               <a:rPr lang="en-US" baseline="-25000" dirty="0" smtClean="0"/>
@@ -21962,7 +18284,7 @@
               <a:pPr>
                 <a:defRPr/>
               </a:pPr>
-              <a:t>6</a:t>
+              <a:t>5</a:t>
             </a:fld>
             <a:endParaRPr lang="en-US" dirty="0"/>
           </a:p>
@@ -24988,7 +21310,7 @@
 </p:sld>
 </file>
 
-<file path=ppt/slides/slide7.xml><?xml version="1.0" encoding="utf-8"?>
+<file path=ppt/slides/slide6.xml><?xml version="1.0" encoding="utf-8"?>
 <p:sld xmlns:a="http://schemas.openxmlformats.org/drawingml/2006/main" xmlns:r="http://schemas.openxmlformats.org/officeDocument/2006/relationships" xmlns:p="http://schemas.openxmlformats.org/presentationml/2006/main">
   <p:cSld>
     <p:spTree>
@@ -25140,7 +21462,7 @@
               <a:pPr>
                 <a:defRPr/>
               </a:pPr>
-              <a:t>7</a:t>
+              <a:t>6</a:t>
             </a:fld>
             <a:endParaRPr lang="en-US" dirty="0"/>
           </a:p>
@@ -26829,7 +23151,7 @@
 </p:sld>
 </file>
 
-<file path=ppt/slides/slide8.xml><?xml version="1.0" encoding="utf-8"?>
+<file path=ppt/slides/slide7.xml><?xml version="1.0" encoding="utf-8"?>
 <p:sld xmlns:a="http://schemas.openxmlformats.org/drawingml/2006/main" xmlns:r="http://schemas.openxmlformats.org/officeDocument/2006/relationships" xmlns:p="http://schemas.openxmlformats.org/presentationml/2006/main">
   <p:cSld>
     <p:spTree>
@@ -26892,7 +23214,7 @@
               <a:pPr>
                 <a:defRPr/>
               </a:pPr>
-              <a:t>8</a:t>
+              <a:t>7</a:t>
             </a:fld>
             <a:endParaRPr lang="en-US" dirty="0"/>
           </a:p>
@@ -27472,7 +23794,7 @@
 </p:sld>
 </file>
 
-<file path=ppt/slides/slide9.xml><?xml version="1.0" encoding="utf-8"?>
+<file path=ppt/slides/slide8.xml><?xml version="1.0" encoding="utf-8"?>
 <p:sld xmlns:a="http://schemas.openxmlformats.org/drawingml/2006/main" xmlns:r="http://schemas.openxmlformats.org/officeDocument/2006/relationships" xmlns:p="http://schemas.openxmlformats.org/presentationml/2006/main">
   <p:cSld>
     <p:spTree>
@@ -27577,7 +23899,7 @@
               <a:pPr>
                 <a:defRPr/>
               </a:pPr>
-              <a:t>9</a:t>
+              <a:t>8</a:t>
             </a:fld>
             <a:endParaRPr lang="en-US" dirty="0"/>
           </a:p>
@@ -28117,6 +24439,381 @@
     <p:extLst>
       <p:ext uri="{BB962C8B-B14F-4D97-AF65-F5344CB8AC3E}">
         <p14:creationId xmlns:p14="http://schemas.microsoft.com/office/powerpoint/2010/main" val="3906740825"/>
+      </p:ext>
+    </p:extLst>
+  </p:cSld>
+  <p:clrMapOvr>
+    <a:masterClrMapping/>
+  </p:clrMapOvr>
+</p:sld>
+</file>
+
+<file path=ppt/slides/slide9.xml><?xml version="1.0" encoding="utf-8"?>
+<p:sld xmlns:a="http://schemas.openxmlformats.org/drawingml/2006/main" xmlns:r="http://schemas.openxmlformats.org/officeDocument/2006/relationships" xmlns:p="http://schemas.openxmlformats.org/presentationml/2006/main">
+  <p:cSld>
+    <p:spTree>
+      <p:nvGrpSpPr>
+        <p:cNvPr id="1" name=""/>
+        <p:cNvGrpSpPr/>
+        <p:nvPr/>
+      </p:nvGrpSpPr>
+      <p:grpSpPr>
+        <a:xfrm>
+          <a:off x="0" y="0"/>
+          <a:ext cx="0" cy="0"/>
+          <a:chOff x="0" y="0"/>
+          <a:chExt cx="0" cy="0"/>
+        </a:xfrm>
+      </p:grpSpPr>
+      <p:pic>
+        <p:nvPicPr>
+          <p:cNvPr id="2" name="Picture 1"/>
+          <p:cNvPicPr>
+            <a:picLocks noChangeAspect="1"/>
+          </p:cNvPicPr>
+          <p:nvPr/>
+        </p:nvPicPr>
+        <p:blipFill>
+          <a:blip r:embed="rId2">
+            <a:extLst>
+              <a:ext uri="{28A0092B-C50C-407E-A947-70E740481C1C}">
+                <a14:useLocalDpi xmlns:a14="http://schemas.microsoft.com/office/drawing/2010/main" val="0"/>
+              </a:ext>
+            </a:extLst>
+          </a:blip>
+          <a:stretch>
+            <a:fillRect/>
+          </a:stretch>
+        </p:blipFill>
+        <p:spPr>
+          <a:xfrm>
+            <a:off x="2699792" y="2040541"/>
+            <a:ext cx="523948" cy="2210108"/>
+          </a:xfrm>
+          <a:prstGeom prst="rect">
+            <a:avLst/>
+          </a:prstGeom>
+          <a:ln>
+            <a:solidFill>
+              <a:schemeClr val="tx1"/>
+            </a:solidFill>
+          </a:ln>
+          <a:effectLst>
+            <a:outerShdw blurRad="50800" dist="38100" dir="2700000" algn="tl" rotWithShape="0">
+              <a:prstClr val="black">
+                <a:alpha val="40000"/>
+              </a:prstClr>
+            </a:outerShdw>
+          </a:effectLst>
+        </p:spPr>
+      </p:pic>
+      <p:sp>
+        <p:nvSpPr>
+          <p:cNvPr id="7" name="Title 6"/>
+          <p:cNvSpPr>
+            <a:spLocks noGrp="1"/>
+          </p:cNvSpPr>
+          <p:nvPr>
+            <p:ph type="title"/>
+          </p:nvPr>
+        </p:nvSpPr>
+        <p:spPr/>
+        <p:txBody>
+          <a:bodyPr/>
+          <a:lstStyle/>
+          <a:p>
+            <a:r>
+              <a:rPr lang="en-US" dirty="0" smtClean="0"/>
+              <a:t>Mini Graphical User Interface</a:t>
+            </a:r>
+            <a:endParaRPr lang="en-US" dirty="0"/>
+          </a:p>
+        </p:txBody>
+      </p:sp>
+      <p:sp>
+        <p:nvSpPr>
+          <p:cNvPr id="5" name="Slide Number Placeholder 4"/>
+          <p:cNvSpPr>
+            <a:spLocks noGrp="1"/>
+          </p:cNvSpPr>
+          <p:nvPr>
+            <p:ph type="sldNum" sz="quarter" idx="10"/>
+          </p:nvPr>
+        </p:nvSpPr>
+        <p:spPr/>
+        <p:txBody>
+          <a:bodyPr/>
+          <a:lstStyle/>
+          <a:p>
+            <a:pPr>
+              <a:defRPr/>
+            </a:pPr>
+            <a:fld id="{3F9FD513-5D4A-4BCF-8AE8-1EA4ADEA97B0}" type="slidenum">
+              <a:rPr lang="en-US" smtClean="0"/>
+              <a:pPr>
+                <a:defRPr/>
+              </a:pPr>
+              <a:t>9</a:t>
+            </a:fld>
+            <a:endParaRPr lang="en-US" dirty="0"/>
+          </a:p>
+        </p:txBody>
+      </p:sp>
+      <p:cxnSp>
+        <p:nvCxnSpPr>
+          <p:cNvPr id="26" name="Straight Arrow Connector 25"/>
+          <p:cNvCxnSpPr/>
+          <p:nvPr/>
+        </p:nvCxnSpPr>
+        <p:spPr>
+          <a:xfrm flipH="1">
+            <a:off x="3181327" y="3103148"/>
+            <a:ext cx="648072" cy="0"/>
+          </a:xfrm>
+          <a:prstGeom prst="straightConnector1">
+            <a:avLst/>
+          </a:prstGeom>
+          <a:ln w="38100">
+            <a:tailEnd type="triangle"/>
+          </a:ln>
+        </p:spPr>
+        <p:style>
+          <a:lnRef idx="1">
+            <a:schemeClr val="accent1"/>
+          </a:lnRef>
+          <a:fillRef idx="0">
+            <a:schemeClr val="accent1"/>
+          </a:fillRef>
+          <a:effectRef idx="0">
+            <a:schemeClr val="accent1"/>
+          </a:effectRef>
+          <a:fontRef idx="minor">
+            <a:schemeClr val="tx1"/>
+          </a:fontRef>
+        </p:style>
+      </p:cxnSp>
+      <p:cxnSp>
+        <p:nvCxnSpPr>
+          <p:cNvPr id="28" name="Straight Arrow Connector 27"/>
+          <p:cNvCxnSpPr/>
+          <p:nvPr/>
+        </p:nvCxnSpPr>
+        <p:spPr>
+          <a:xfrm flipH="1">
+            <a:off x="3181327" y="3535196"/>
+            <a:ext cx="648072" cy="0"/>
+          </a:xfrm>
+          <a:prstGeom prst="straightConnector1">
+            <a:avLst/>
+          </a:prstGeom>
+          <a:ln w="38100">
+            <a:tailEnd type="triangle"/>
+          </a:ln>
+        </p:spPr>
+        <p:style>
+          <a:lnRef idx="1">
+            <a:schemeClr val="accent1"/>
+          </a:lnRef>
+          <a:fillRef idx="0">
+            <a:schemeClr val="accent1"/>
+          </a:fillRef>
+          <a:effectRef idx="0">
+            <a:schemeClr val="accent1"/>
+          </a:effectRef>
+          <a:fontRef idx="minor">
+            <a:schemeClr val="tx1"/>
+          </a:fontRef>
+        </p:style>
+      </p:cxnSp>
+      <p:cxnSp>
+        <p:nvCxnSpPr>
+          <p:cNvPr id="29" name="Straight Arrow Connector 28"/>
+          <p:cNvCxnSpPr/>
+          <p:nvPr/>
+        </p:nvCxnSpPr>
+        <p:spPr>
+          <a:xfrm flipH="1">
+            <a:off x="3181327" y="3967244"/>
+            <a:ext cx="648072" cy="0"/>
+          </a:xfrm>
+          <a:prstGeom prst="straightConnector1">
+            <a:avLst/>
+          </a:prstGeom>
+          <a:ln w="38100">
+            <a:tailEnd type="triangle"/>
+          </a:ln>
+        </p:spPr>
+        <p:style>
+          <a:lnRef idx="1">
+            <a:schemeClr val="accent1"/>
+          </a:lnRef>
+          <a:fillRef idx="0">
+            <a:schemeClr val="accent1"/>
+          </a:fillRef>
+          <a:effectRef idx="0">
+            <a:schemeClr val="accent1"/>
+          </a:effectRef>
+          <a:fontRef idx="minor">
+            <a:schemeClr val="tx1"/>
+          </a:fontRef>
+        </p:style>
+      </p:cxnSp>
+      <p:sp>
+        <p:nvSpPr>
+          <p:cNvPr id="30" name="TextBox 29"/>
+          <p:cNvSpPr txBox="1"/>
+          <p:nvPr/>
+        </p:nvSpPr>
+        <p:spPr>
+          <a:xfrm>
+            <a:off x="3853679" y="2887124"/>
+            <a:ext cx="3603727" cy="369332"/>
+          </a:xfrm>
+          <a:prstGeom prst="rect">
+            <a:avLst/>
+          </a:prstGeom>
+          <a:noFill/>
+        </p:spPr>
+        <p:txBody>
+          <a:bodyPr wrap="square" rtlCol="0">
+            <a:spAutoFit/>
+          </a:bodyPr>
+          <a:lstStyle/>
+          <a:p>
+            <a:r>
+              <a:rPr lang="en-US" dirty="0" smtClean="0"/>
+              <a:t>Measure and plot traces</a:t>
+            </a:r>
+            <a:endParaRPr lang="en-US" dirty="0"/>
+          </a:p>
+        </p:txBody>
+      </p:sp>
+      <p:sp>
+        <p:nvSpPr>
+          <p:cNvPr id="42" name="TextBox 41"/>
+          <p:cNvSpPr txBox="1"/>
+          <p:nvPr/>
+        </p:nvSpPr>
+        <p:spPr>
+          <a:xfrm>
+            <a:off x="3856037" y="3350530"/>
+            <a:ext cx="3725513" cy="369332"/>
+          </a:xfrm>
+          <a:prstGeom prst="rect">
+            <a:avLst/>
+          </a:prstGeom>
+          <a:noFill/>
+        </p:spPr>
+        <p:txBody>
+          <a:bodyPr wrap="square" rtlCol="0">
+            <a:spAutoFit/>
+          </a:bodyPr>
+          <a:lstStyle/>
+          <a:p>
+            <a:r>
+              <a:rPr lang="en-US" dirty="0" smtClean="0"/>
+              <a:t>Export results (Touchstone, CSV)</a:t>
+            </a:r>
+            <a:endParaRPr lang="en-US" dirty="0"/>
+          </a:p>
+        </p:txBody>
+      </p:sp>
+      <p:sp>
+        <p:nvSpPr>
+          <p:cNvPr id="43" name="TextBox 42"/>
+          <p:cNvSpPr txBox="1"/>
+          <p:nvPr/>
+        </p:nvSpPr>
+        <p:spPr>
+          <a:xfrm>
+            <a:off x="3856038" y="3780743"/>
+            <a:ext cx="3456384" cy="369332"/>
+          </a:xfrm>
+          <a:prstGeom prst="rect">
+            <a:avLst/>
+          </a:prstGeom>
+          <a:noFill/>
+        </p:spPr>
+        <p:txBody>
+          <a:bodyPr wrap="square" rtlCol="0">
+            <a:spAutoFit/>
+          </a:bodyPr>
+          <a:lstStyle/>
+          <a:p>
+            <a:r>
+              <a:rPr lang="en-US" dirty="0" smtClean="0"/>
+              <a:t>Exit</a:t>
+            </a:r>
+            <a:endParaRPr lang="en-US" dirty="0"/>
+          </a:p>
+        </p:txBody>
+      </p:sp>
+      <p:cxnSp>
+        <p:nvCxnSpPr>
+          <p:cNvPr id="44" name="Straight Arrow Connector 43"/>
+          <p:cNvCxnSpPr/>
+          <p:nvPr/>
+        </p:nvCxnSpPr>
+        <p:spPr>
+          <a:xfrm flipH="1">
+            <a:off x="3181327" y="2671100"/>
+            <a:ext cx="648072" cy="0"/>
+          </a:xfrm>
+          <a:prstGeom prst="straightConnector1">
+            <a:avLst/>
+          </a:prstGeom>
+          <a:ln w="38100">
+            <a:tailEnd type="triangle"/>
+          </a:ln>
+        </p:spPr>
+        <p:style>
+          <a:lnRef idx="1">
+            <a:schemeClr val="accent1"/>
+          </a:lnRef>
+          <a:fillRef idx="0">
+            <a:schemeClr val="accent1"/>
+          </a:fillRef>
+          <a:effectRef idx="0">
+            <a:schemeClr val="accent1"/>
+          </a:effectRef>
+          <a:fontRef idx="minor">
+            <a:schemeClr val="tx1"/>
+          </a:fontRef>
+        </p:style>
+      </p:cxnSp>
+      <p:sp>
+        <p:nvSpPr>
+          <p:cNvPr id="45" name="TextBox 44"/>
+          <p:cNvSpPr txBox="1"/>
+          <p:nvPr/>
+        </p:nvSpPr>
+        <p:spPr>
+          <a:xfrm>
+            <a:off x="3824540" y="2455077"/>
+            <a:ext cx="3603727" cy="369332"/>
+          </a:xfrm>
+          <a:prstGeom prst="rect">
+            <a:avLst/>
+          </a:prstGeom>
+          <a:noFill/>
+        </p:spPr>
+        <p:txBody>
+          <a:bodyPr wrap="square" rtlCol="0">
+            <a:spAutoFit/>
+          </a:bodyPr>
+          <a:lstStyle/>
+          <a:p>
+            <a:r>
+              <a:rPr lang="en-US" dirty="0" smtClean="0"/>
+              <a:t>Toggle Mini-GUI</a:t>
+            </a:r>
+          </a:p>
+        </p:txBody>
+      </p:sp>
+    </p:spTree>
+    <p:extLst>
+      <p:ext uri="{BB962C8B-B14F-4D97-AF65-F5344CB8AC3E}">
+        <p14:creationId xmlns:p14="http://schemas.microsoft.com/office/powerpoint/2010/main" val="844072281"/>
       </p:ext>
     </p:extLst>
   </p:cSld>
